--- a/public/img/WMT/WMT_instructions.pptx
+++ b/public/img/WMT/WMT_instructions.pptx
@@ -209,7 +209,7 @@
           <a:p>
             <a:fld id="{92567192-85A7-4BFC-899C-6404A791965D}" type="datetimeFigureOut">
               <a:rPr lang="en-US" smtClean="0"/>
-              <a:t>2/15/2021</a:t>
+              <a:t>3/10/2021</a:t>
             </a:fld>
             <a:endParaRPr lang="en-US"/>
           </a:p>
@@ -694,7 +694,7 @@
           <a:p>
             <a:fld id="{A9621F3F-A60B-4790-965F-DED3750481E9}" type="datetimeFigureOut">
               <a:rPr lang="en-US" smtClean="0"/>
-              <a:t>2/15/2021</a:t>
+              <a:t>3/10/2021</a:t>
             </a:fld>
             <a:endParaRPr lang="en-US"/>
           </a:p>
@@ -864,7 +864,7 @@
           <a:p>
             <a:fld id="{A9621F3F-A60B-4790-965F-DED3750481E9}" type="datetimeFigureOut">
               <a:rPr lang="en-US" smtClean="0"/>
-              <a:t>2/15/2021</a:t>
+              <a:t>3/10/2021</a:t>
             </a:fld>
             <a:endParaRPr lang="en-US"/>
           </a:p>
@@ -1044,7 +1044,7 @@
           <a:p>
             <a:fld id="{A9621F3F-A60B-4790-965F-DED3750481E9}" type="datetimeFigureOut">
               <a:rPr lang="en-US" smtClean="0"/>
-              <a:t>2/15/2021</a:t>
+              <a:t>3/10/2021</a:t>
             </a:fld>
             <a:endParaRPr lang="en-US"/>
           </a:p>
@@ -1214,7 +1214,7 @@
           <a:p>
             <a:fld id="{A9621F3F-A60B-4790-965F-DED3750481E9}" type="datetimeFigureOut">
               <a:rPr lang="en-US" smtClean="0"/>
-              <a:t>2/15/2021</a:t>
+              <a:t>3/10/2021</a:t>
             </a:fld>
             <a:endParaRPr lang="en-US"/>
           </a:p>
@@ -1460,7 +1460,7 @@
           <a:p>
             <a:fld id="{A9621F3F-A60B-4790-965F-DED3750481E9}" type="datetimeFigureOut">
               <a:rPr lang="en-US" smtClean="0"/>
-              <a:t>2/15/2021</a:t>
+              <a:t>3/10/2021</a:t>
             </a:fld>
             <a:endParaRPr lang="en-US"/>
           </a:p>
@@ -1692,7 +1692,7 @@
           <a:p>
             <a:fld id="{A9621F3F-A60B-4790-965F-DED3750481E9}" type="datetimeFigureOut">
               <a:rPr lang="en-US" smtClean="0"/>
-              <a:t>2/15/2021</a:t>
+              <a:t>3/10/2021</a:t>
             </a:fld>
             <a:endParaRPr lang="en-US"/>
           </a:p>
@@ -2059,7 +2059,7 @@
           <a:p>
             <a:fld id="{A9621F3F-A60B-4790-965F-DED3750481E9}" type="datetimeFigureOut">
               <a:rPr lang="en-US" smtClean="0"/>
-              <a:t>2/15/2021</a:t>
+              <a:t>3/10/2021</a:t>
             </a:fld>
             <a:endParaRPr lang="en-US"/>
           </a:p>
@@ -2177,7 +2177,7 @@
           <a:p>
             <a:fld id="{A9621F3F-A60B-4790-965F-DED3750481E9}" type="datetimeFigureOut">
               <a:rPr lang="en-US" smtClean="0"/>
-              <a:t>2/15/2021</a:t>
+              <a:t>3/10/2021</a:t>
             </a:fld>
             <a:endParaRPr lang="en-US"/>
           </a:p>
@@ -2272,7 +2272,7 @@
           <a:p>
             <a:fld id="{A9621F3F-A60B-4790-965F-DED3750481E9}" type="datetimeFigureOut">
               <a:rPr lang="en-US" smtClean="0"/>
-              <a:t>2/15/2021</a:t>
+              <a:t>3/10/2021</a:t>
             </a:fld>
             <a:endParaRPr lang="en-US"/>
           </a:p>
@@ -2549,7 +2549,7 @@
           <a:p>
             <a:fld id="{A9621F3F-A60B-4790-965F-DED3750481E9}" type="datetimeFigureOut">
               <a:rPr lang="en-US" smtClean="0"/>
-              <a:t>2/15/2021</a:t>
+              <a:t>3/10/2021</a:t>
             </a:fld>
             <a:endParaRPr lang="en-US"/>
           </a:p>
@@ -2806,7 +2806,7 @@
           <a:p>
             <a:fld id="{A9621F3F-A60B-4790-965F-DED3750481E9}" type="datetimeFigureOut">
               <a:rPr lang="en-US" smtClean="0"/>
-              <a:t>2/15/2021</a:t>
+              <a:t>3/10/2021</a:t>
             </a:fld>
             <a:endParaRPr lang="en-US"/>
           </a:p>
@@ -3019,7 +3019,7 @@
           <a:p>
             <a:fld id="{A9621F3F-A60B-4790-965F-DED3750481E9}" type="datetimeFigureOut">
               <a:rPr lang="en-US" smtClean="0"/>
-              <a:t>2/15/2021</a:t>
+              <a:t>3/10/2021</a:t>
             </a:fld>
             <a:endParaRPr lang="en-US"/>
           </a:p>
@@ -4604,7 +4604,7 @@
           <a:p>
             <a:r>
               <a:rPr lang="en-SG" dirty="0"/>
-              <a:t>N-back task</a:t>
+              <a:t>Working Memory Task</a:t>
             </a:r>
             <a:endParaRPr lang="en-US" dirty="0"/>
           </a:p>
@@ -4643,7 +4643,7 @@
             </a:pPr>
             <a:r>
               <a:rPr lang="en-SG" sz="3000" dirty="0"/>
-              <a:t>Please put your left index finger on the ‘a’ key, and right index finger on the ‘l’ key</a:t>
+              <a:t>Please put your left index finger on the ‘A’ key, and right index finger on the ‘L’ key</a:t>
             </a:r>
             <a:endParaRPr lang="en-US" sz="3000" dirty="0"/>
           </a:p>
@@ -4817,7 +4817,7 @@
           <a:p>
             <a:r>
               <a:rPr lang="en-SG" dirty="0"/>
-              <a:t>N-back task</a:t>
+              <a:t>Working Memory Task</a:t>
             </a:r>
             <a:endParaRPr lang="en-US" dirty="0"/>
           </a:p>
@@ -9862,10 +9862,10 @@
       </p:sp>
       <p:pic>
         <p:nvPicPr>
-          <p:cNvPr id="5" name="Picture 4" descr="A picture containing object&#10;&#10;Description automatically generated">
+          <p:cNvPr id="9" name="Picture 8" descr="A picture containing object&#10;&#10;Description automatically generated">
             <a:extLst>
               <a:ext uri="{FF2B5EF4-FFF2-40B4-BE49-F238E27FC236}">
-                <a16:creationId xmlns:a16="http://schemas.microsoft.com/office/drawing/2014/main" id="{BC252386-43F5-4005-BB7A-7AB8DBD1530C}"/>
+                <a16:creationId xmlns:a16="http://schemas.microsoft.com/office/drawing/2014/main" id="{6A3A441B-6FF9-44A1-836E-A5102A04AF7C}"/>
               </a:ext>
             </a:extLst>
           </p:cNvPr>
@@ -9882,13 +9882,13 @@
               </a:ext>
             </a:extLst>
           </a:blip>
-          <a:srcRect l="23609" t="14366" r="23510" b="20133"/>
+          <a:srcRect l="22420" t="16030" r="23095" b="22082"/>
           <a:stretch/>
         </p:blipFill>
         <p:spPr>
           <a:xfrm>
-            <a:off x="140264" y="2292096"/>
-            <a:ext cx="1117548" cy="1107419"/>
+            <a:off x="3978568" y="2331890"/>
+            <a:ext cx="1151470" cy="1046340"/>
           </a:xfrm>
           <a:prstGeom prst="rect">
             <a:avLst/>
@@ -9897,10 +9897,10 @@
       </p:pic>
       <p:pic>
         <p:nvPicPr>
-          <p:cNvPr id="9" name="Picture 8" descr="A picture containing object&#10;&#10;Description automatically generated">
+          <p:cNvPr id="10" name="Picture 9" descr="A picture containing object&#10;&#10;Description automatically generated">
             <a:extLst>
               <a:ext uri="{FF2B5EF4-FFF2-40B4-BE49-F238E27FC236}">
-                <a16:creationId xmlns:a16="http://schemas.microsoft.com/office/drawing/2014/main" id="{6A3A441B-6FF9-44A1-836E-A5102A04AF7C}"/>
+                <a16:creationId xmlns:a16="http://schemas.microsoft.com/office/drawing/2014/main" id="{78CF0A7C-3F30-45D9-9B91-E9D37B41657C}"/>
               </a:ext>
             </a:extLst>
           </p:cNvPr>
@@ -9911,41 +9911,6 @@
         </p:nvPicPr>
         <p:blipFill rotWithShape="1">
           <a:blip r:embed="rId3">
-            <a:extLst>
-              <a:ext uri="{28A0092B-C50C-407E-A947-70E740481C1C}">
-                <a14:useLocalDpi xmlns:a14="http://schemas.microsoft.com/office/drawing/2010/main" val="0"/>
-              </a:ext>
-            </a:extLst>
-          </a:blip>
-          <a:srcRect l="22420" t="16030" r="23095" b="22082"/>
-          <a:stretch/>
-        </p:blipFill>
-        <p:spPr>
-          <a:xfrm>
-            <a:off x="3978568" y="2331890"/>
-            <a:ext cx="1151470" cy="1046340"/>
-          </a:xfrm>
-          <a:prstGeom prst="rect">
-            <a:avLst/>
-          </a:prstGeom>
-        </p:spPr>
-      </p:pic>
-      <p:pic>
-        <p:nvPicPr>
-          <p:cNvPr id="10" name="Picture 9" descr="A picture containing object&#10;&#10;Description automatically generated">
-            <a:extLst>
-              <a:ext uri="{FF2B5EF4-FFF2-40B4-BE49-F238E27FC236}">
-                <a16:creationId xmlns:a16="http://schemas.microsoft.com/office/drawing/2014/main" id="{78CF0A7C-3F30-45D9-9B91-E9D37B41657C}"/>
-              </a:ext>
-            </a:extLst>
-          </p:cNvPr>
-          <p:cNvPicPr>
-            <a:picLocks noChangeAspect="1"/>
-          </p:cNvPicPr>
-          <p:nvPr/>
-        </p:nvPicPr>
-        <p:blipFill rotWithShape="1">
-          <a:blip r:embed="rId2">
             <a:extLst>
               <a:ext uri="{28A0092B-C50C-407E-A947-70E740481C1C}">
                 <a14:useLocalDpi xmlns:a14="http://schemas.microsoft.com/office/drawing/2010/main" val="0"/>
@@ -10872,7 +10837,6 @@
           </p:cNvPr>
           <p:cNvCxnSpPr>
             <a:cxnSpLocks/>
-            <a:stCxn id="5" idx="0"/>
             <a:endCxn id="25" idx="0"/>
           </p:cNvCxnSpPr>
           <p:nvPr/>
@@ -10924,7 +10888,7 @@
           <p:nvPr/>
         </p:nvPicPr>
         <p:blipFill rotWithShape="1">
-          <a:blip r:embed="rId3">
+          <a:blip r:embed="rId2">
             <a:extLst>
               <a:ext uri="{28A0092B-C50C-407E-A947-70E740481C1C}">
                 <a14:useLocalDpi xmlns:a14="http://schemas.microsoft.com/office/drawing/2010/main" val="0"/>
@@ -10987,6 +10951,41 @@
           </a:p>
         </p:txBody>
       </p:sp>
+      <p:pic>
+        <p:nvPicPr>
+          <p:cNvPr id="26" name="Picture 25" descr="A picture containing object&#10;&#10;Description automatically generated">
+            <a:extLst>
+              <a:ext uri="{FF2B5EF4-FFF2-40B4-BE49-F238E27FC236}">
+                <a16:creationId xmlns:a16="http://schemas.microsoft.com/office/drawing/2014/main" id="{6236ADFA-83EC-48B0-80B2-38367DD5C29B}"/>
+              </a:ext>
+            </a:extLst>
+          </p:cNvPr>
+          <p:cNvPicPr>
+            <a:picLocks noChangeAspect="1"/>
+          </p:cNvPicPr>
+          <p:nvPr/>
+        </p:nvPicPr>
+        <p:blipFill rotWithShape="1">
+          <a:blip r:embed="rId4">
+            <a:extLst>
+              <a:ext uri="{28A0092B-C50C-407E-A947-70E740481C1C}">
+                <a14:useLocalDpi xmlns:a14="http://schemas.microsoft.com/office/drawing/2010/main" val="0"/>
+              </a:ext>
+            </a:extLst>
+          </a:blip>
+          <a:srcRect l="26517" t="16593" r="26517" b="24238"/>
+          <a:stretch/>
+        </p:blipFill>
+        <p:spPr>
+          <a:xfrm>
+            <a:off x="222327" y="2311437"/>
+            <a:ext cx="1034143" cy="1042278"/>
+          </a:xfrm>
+          <a:prstGeom prst="rect">
+            <a:avLst/>
+          </a:prstGeom>
+        </p:spPr>
+      </p:pic>
     </p:spTree>
     <p:extLst>
       <p:ext uri="{BB962C8B-B14F-4D97-AF65-F5344CB8AC3E}">

--- a/public/img/WMT/WMT_instructions.pptx
+++ b/public/img/WMT/WMT_instructions.pptx
@@ -12,15 +12,15 @@
     <p:sldId id="280" r:id="rId3"/>
     <p:sldId id="257" r:id="rId4"/>
     <p:sldId id="258" r:id="rId5"/>
-    <p:sldId id="259" r:id="rId6"/>
-    <p:sldId id="260" r:id="rId7"/>
-    <p:sldId id="274" r:id="rId8"/>
-    <p:sldId id="261" r:id="rId9"/>
-    <p:sldId id="262" r:id="rId10"/>
-    <p:sldId id="263" r:id="rId11"/>
-    <p:sldId id="269" r:id="rId12"/>
-    <p:sldId id="272" r:id="rId13"/>
-    <p:sldId id="273" r:id="rId14"/>
+    <p:sldId id="263" r:id="rId6"/>
+    <p:sldId id="259" r:id="rId7"/>
+    <p:sldId id="269" r:id="rId8"/>
+    <p:sldId id="260" r:id="rId9"/>
+    <p:sldId id="272" r:id="rId10"/>
+    <p:sldId id="274" r:id="rId11"/>
+    <p:sldId id="273" r:id="rId12"/>
+    <p:sldId id="261" r:id="rId13"/>
+    <p:sldId id="262" r:id="rId14"/>
   </p:sldIdLst>
   <p:sldSz cx="9144000" cy="6858000" type="screen4x3"/>
   <p:notesSz cx="6858000" cy="9144000"/>
@@ -3510,10 +3510,10 @@
       </p:grpSpPr>
       <p:sp>
         <p:nvSpPr>
-          <p:cNvPr id="4" name="Content Placeholder 3">
+          <p:cNvPr id="3" name="Content Placeholder 2">
             <a:extLst>
               <a:ext uri="{FF2B5EF4-FFF2-40B4-BE49-F238E27FC236}">
-                <a16:creationId xmlns:a16="http://schemas.microsoft.com/office/drawing/2014/main" id="{69C5B0DB-9E09-499E-BE89-759A8FEDEAEC}"/>
+                <a16:creationId xmlns:a16="http://schemas.microsoft.com/office/drawing/2014/main" id="{2440B2AA-4341-4D3C-BA74-F74A6A49AD63}"/>
               </a:ext>
             </a:extLst>
           </p:cNvPr>
@@ -3526,13 +3526,13 @@
         </p:nvSpPr>
         <p:spPr>
           <a:xfrm>
-            <a:off x="1" y="1825625"/>
-            <a:ext cx="9144000" cy="4351338"/>
+            <a:off x="628650" y="374254"/>
+            <a:ext cx="7886700" cy="1325563"/>
           </a:xfrm>
         </p:spPr>
         <p:txBody>
           <a:bodyPr>
-            <a:normAutofit/>
+            <a:noAutofit/>
           </a:bodyPr>
           <a:lstStyle/>
           <a:p>
@@ -3540,52 +3540,20 @@
               <a:buNone/>
             </a:pPr>
             <a:r>
-              <a:rPr lang="en-US" sz="2600" dirty="0">
-                <a:latin typeface="+mj-lt"/>
-              </a:rPr>
-              <a:t>Press “</a:t>
-            </a:r>
-            <a:r>
-              <a:rPr lang="en-US" sz="2600" b="1" dirty="0">
+              <a:rPr lang="en-SG" sz="2000" dirty="0"/>
+              <a:t>If you are asked to do a </a:t>
+            </a:r>
+            <a:r>
+              <a:rPr lang="en-SG" sz="2000" b="1" dirty="0">
                 <a:solidFill>
                   <a:srgbClr val="FF0000"/>
                 </a:solidFill>
               </a:rPr>
-              <a:t>A</a:t>
-            </a:r>
-            <a:r>
-              <a:rPr lang="en-US" sz="2600" dirty="0">
-                <a:latin typeface="+mj-lt"/>
-              </a:rPr>
-              <a:t>” if the square is in the </a:t>
-            </a:r>
-            <a:r>
-              <a:rPr lang="en-US" sz="2600" b="1" dirty="0">
-                <a:solidFill>
-                  <a:srgbClr val="FF0000"/>
-                </a:solidFill>
-              </a:rPr>
-              <a:t>same</a:t>
-            </a:r>
-            <a:r>
-              <a:rPr lang="en-US" sz="2600" dirty="0">
-                <a:latin typeface="+mj-lt"/>
-              </a:rPr>
-              <a:t> location as the </a:t>
-            </a:r>
-            <a:r>
-              <a:rPr lang="en-US" sz="2600" b="1" dirty="0">
-                <a:solidFill>
-                  <a:srgbClr val="FF0000"/>
-                </a:solidFill>
-              </a:rPr>
-              <a:t>1</a:t>
-            </a:r>
-            <a:r>
-              <a:rPr lang="en-US" sz="2600" dirty="0">
-                <a:latin typeface="+mj-lt"/>
-              </a:rPr>
-              <a:t> trial before</a:t>
+              <a:t>4-back</a:t>
+            </a:r>
+            <a:r>
+              <a:rPr lang="en-SG" sz="2000" dirty="0"/>
+              <a:t> task:</a:t>
             </a:r>
           </a:p>
           <a:p>
@@ -3593,27 +3561,81 @@
               <a:buNone/>
             </a:pPr>
             <a:r>
-              <a:rPr lang="en-US" sz="2600" dirty="0">
+              <a:rPr lang="en-US" sz="2000" dirty="0">
                 <a:latin typeface="+mj-lt"/>
               </a:rPr>
               <a:t>Press “</a:t>
             </a:r>
             <a:r>
-              <a:rPr lang="en-US" sz="2600" b="1" dirty="0">
+              <a:rPr lang="en-US" sz="2000" b="1" dirty="0">
+                <a:solidFill>
+                  <a:srgbClr val="FF0000"/>
+                </a:solidFill>
+              </a:rPr>
+              <a:t>A</a:t>
+            </a:r>
+            <a:r>
+              <a:rPr lang="en-US" sz="2000" dirty="0">
+                <a:latin typeface="+mj-lt"/>
+              </a:rPr>
+              <a:t>” if the square is in the </a:t>
+            </a:r>
+            <a:r>
+              <a:rPr lang="en-US" sz="2000" b="1" dirty="0">
+                <a:solidFill>
+                  <a:srgbClr val="FF0000"/>
+                </a:solidFill>
+              </a:rPr>
+              <a:t>same</a:t>
+            </a:r>
+            <a:r>
+              <a:rPr lang="en-US" sz="2000" dirty="0">
+                <a:latin typeface="+mj-lt"/>
+              </a:rPr>
+              <a:t> location as the </a:t>
+            </a:r>
+            <a:r>
+              <a:rPr lang="en-US" sz="2000" b="1" dirty="0">
+                <a:solidFill>
+                  <a:srgbClr val="FF0000"/>
+                </a:solidFill>
+              </a:rPr>
+              <a:t>4</a:t>
+            </a:r>
+            <a:r>
+              <a:rPr lang="en-US" sz="2000" dirty="0">
+                <a:latin typeface="+mj-lt"/>
+              </a:rPr>
+              <a:t> trials before</a:t>
+            </a:r>
+            <a:br>
+              <a:rPr lang="en-US" sz="2000" dirty="0">
+                <a:latin typeface="+mj-lt"/>
+              </a:rPr>
+            </a:br>
+            <a:r>
+              <a:rPr lang="en-US" sz="2000" dirty="0">
+                <a:latin typeface="+mj-lt"/>
+              </a:rPr>
+              <a:t>Press “</a:t>
+            </a:r>
+            <a:r>
+              <a:rPr lang="en-US" sz="2000" b="1" dirty="0">
                 <a:solidFill>
                   <a:schemeClr val="accent1"/>
                 </a:solidFill>
+                <a:latin typeface="+mj-lt"/>
               </a:rPr>
               <a:t>L</a:t>
             </a:r>
             <a:r>
-              <a:rPr lang="en-US" sz="2600" dirty="0">
+              <a:rPr lang="en-US" sz="2000" dirty="0">
                 <a:latin typeface="+mj-lt"/>
               </a:rPr>
               <a:t>” if the square is in the </a:t>
             </a:r>
             <a:r>
-              <a:rPr lang="en-US" sz="2600" b="1" dirty="0">
+              <a:rPr lang="en-US" sz="2000" b="1" dirty="0">
                 <a:solidFill>
                   <a:schemeClr val="accent1"/>
                 </a:solidFill>
@@ -3621,134 +3643,1158 @@
               <a:t>different</a:t>
             </a:r>
             <a:r>
-              <a:rPr lang="en-US" sz="2600" dirty="0">
+              <a:rPr lang="en-US" sz="2000" dirty="0">
                 <a:latin typeface="+mj-lt"/>
               </a:rPr>
-              <a:t> location from the </a:t>
-            </a:r>
-            <a:r>
-              <a:rPr lang="en-US" sz="2600" b="1" dirty="0">
+              <a:t> location than </a:t>
+            </a:r>
+            <a:r>
+              <a:rPr lang="en-US" sz="2000" b="1" dirty="0">
                 <a:solidFill>
                   <a:schemeClr val="accent1"/>
                 </a:solidFill>
               </a:rPr>
+              <a:t>4</a:t>
+            </a:r>
+            <a:r>
+              <a:rPr lang="en-US" sz="2000" dirty="0">
+                <a:latin typeface="+mj-lt"/>
+              </a:rPr>
+              <a:t> trials before</a:t>
+            </a:r>
+          </a:p>
+        </p:txBody>
+      </p:sp>
+      <p:pic>
+        <p:nvPicPr>
+          <p:cNvPr id="9" name="Picture 8" descr="A picture containing object&#10;&#10;Description automatically generated">
+            <a:extLst>
+              <a:ext uri="{FF2B5EF4-FFF2-40B4-BE49-F238E27FC236}">
+                <a16:creationId xmlns:a16="http://schemas.microsoft.com/office/drawing/2014/main" id="{6A3A441B-6FF9-44A1-836E-A5102A04AF7C}"/>
+              </a:ext>
+            </a:extLst>
+          </p:cNvPr>
+          <p:cNvPicPr>
+            <a:picLocks noChangeAspect="1"/>
+          </p:cNvPicPr>
+          <p:nvPr/>
+        </p:nvPicPr>
+        <p:blipFill rotWithShape="1">
+          <a:blip r:embed="rId2">
+            <a:extLst>
+              <a:ext uri="{28A0092B-C50C-407E-A947-70E740481C1C}">
+                <a14:useLocalDpi xmlns:a14="http://schemas.microsoft.com/office/drawing/2010/main" val="0"/>
+              </a:ext>
+            </a:extLst>
+          </a:blip>
+          <a:srcRect l="22420" t="16030" r="23095" b="22082"/>
+          <a:stretch/>
+        </p:blipFill>
+        <p:spPr>
+          <a:xfrm>
+            <a:off x="3978568" y="2331890"/>
+            <a:ext cx="1151470" cy="1046340"/>
+          </a:xfrm>
+          <a:prstGeom prst="rect">
+            <a:avLst/>
+          </a:prstGeom>
+        </p:spPr>
+      </p:pic>
+      <p:pic>
+        <p:nvPicPr>
+          <p:cNvPr id="10" name="Picture 9" descr="A picture containing object&#10;&#10;Description automatically generated">
+            <a:extLst>
+              <a:ext uri="{FF2B5EF4-FFF2-40B4-BE49-F238E27FC236}">
+                <a16:creationId xmlns:a16="http://schemas.microsoft.com/office/drawing/2014/main" id="{78CF0A7C-3F30-45D9-9B91-E9D37B41657C}"/>
+              </a:ext>
+            </a:extLst>
+          </p:cNvPr>
+          <p:cNvPicPr>
+            <a:picLocks noChangeAspect="1"/>
+          </p:cNvPicPr>
+          <p:nvPr/>
+        </p:nvPicPr>
+        <p:blipFill rotWithShape="1">
+          <a:blip r:embed="rId3">
+            <a:extLst>
+              <a:ext uri="{28A0092B-C50C-407E-A947-70E740481C1C}">
+                <a14:useLocalDpi xmlns:a14="http://schemas.microsoft.com/office/drawing/2010/main" val="0"/>
+              </a:ext>
+            </a:extLst>
+          </a:blip>
+          <a:srcRect l="22757" t="14950" r="22757" b="23162"/>
+          <a:stretch/>
+        </p:blipFill>
+        <p:spPr>
+          <a:xfrm>
+            <a:off x="2648717" y="2313384"/>
+            <a:ext cx="1151470" cy="1046340"/>
+          </a:xfrm>
+          <a:prstGeom prst="rect">
+            <a:avLst/>
+          </a:prstGeom>
+        </p:spPr>
+      </p:pic>
+      <p:sp>
+        <p:nvSpPr>
+          <p:cNvPr id="11" name="TextBox 10">
+            <a:extLst>
+              <a:ext uri="{FF2B5EF4-FFF2-40B4-BE49-F238E27FC236}">
+                <a16:creationId xmlns:a16="http://schemas.microsoft.com/office/drawing/2014/main" id="{48249035-653E-4E93-8EE9-B657746B2CF8}"/>
+              </a:ext>
+            </a:extLst>
+          </p:cNvPr>
+          <p:cNvSpPr txBox="1"/>
+          <p:nvPr/>
+        </p:nvSpPr>
+        <p:spPr>
+          <a:xfrm>
+            <a:off x="140264" y="3509706"/>
+            <a:ext cx="997966" cy="338554"/>
+          </a:xfrm>
+          <a:prstGeom prst="rect">
+            <a:avLst/>
+          </a:prstGeom>
+          <a:noFill/>
+        </p:spPr>
+        <p:txBody>
+          <a:bodyPr wrap="none" rtlCol="0">
+            <a:spAutoFit/>
+          </a:bodyPr>
+          <a:lstStyle/>
+          <a:p>
+            <a:r>
+              <a:rPr lang="en-SG" sz="1600" dirty="0"/>
               <a:t>1</a:t>
             </a:r>
             <a:r>
-              <a:rPr lang="en-US" sz="2600" dirty="0">
-                <a:latin typeface="+mj-lt"/>
-              </a:rPr>
-              <a:t> trial before</a:t>
-            </a:r>
-          </a:p>
+              <a:rPr lang="en-US" sz="1600" baseline="30000" dirty="0" err="1"/>
+              <a:t>st</a:t>
+            </a:r>
+            <a:r>
+              <a:rPr lang="en-US" sz="1600" dirty="0"/>
+              <a:t> square</a:t>
+            </a:r>
+          </a:p>
+        </p:txBody>
+      </p:sp>
+      <p:sp>
+        <p:nvSpPr>
+          <p:cNvPr id="16" name="TextBox 15">
+            <a:extLst>
+              <a:ext uri="{FF2B5EF4-FFF2-40B4-BE49-F238E27FC236}">
+                <a16:creationId xmlns:a16="http://schemas.microsoft.com/office/drawing/2014/main" id="{93D87E4F-C42E-41DC-8EB0-4F3FABF8B932}"/>
+              </a:ext>
+            </a:extLst>
+          </p:cNvPr>
+          <p:cNvSpPr txBox="1"/>
+          <p:nvPr/>
+        </p:nvSpPr>
+        <p:spPr>
+          <a:xfrm>
+            <a:off x="1439551" y="3490554"/>
+            <a:ext cx="1044388" cy="338554"/>
+          </a:xfrm>
+          <a:prstGeom prst="rect">
+            <a:avLst/>
+          </a:prstGeom>
+          <a:noFill/>
+        </p:spPr>
+        <p:txBody>
+          <a:bodyPr wrap="none" rtlCol="0">
+            <a:spAutoFit/>
+          </a:bodyPr>
+          <a:lstStyle/>
+          <a:p>
+            <a:r>
+              <a:rPr lang="en-SG" sz="1600" dirty="0"/>
+              <a:t>2</a:t>
+            </a:r>
+            <a:r>
+              <a:rPr lang="en-SG" sz="1600" baseline="30000" dirty="0"/>
+              <a:t>nd</a:t>
+            </a:r>
+            <a:r>
+              <a:rPr lang="en-SG" sz="1600" dirty="0"/>
+              <a:t> </a:t>
+            </a:r>
+            <a:r>
+              <a:rPr lang="en-US" sz="1600" dirty="0"/>
+              <a:t>square</a:t>
+            </a:r>
+          </a:p>
+        </p:txBody>
+      </p:sp>
+      <p:sp>
+        <p:nvSpPr>
+          <p:cNvPr id="18" name="TextBox 17">
+            <a:extLst>
+              <a:ext uri="{FF2B5EF4-FFF2-40B4-BE49-F238E27FC236}">
+                <a16:creationId xmlns:a16="http://schemas.microsoft.com/office/drawing/2014/main" id="{E658F1F7-0901-48C6-B880-2088057E6C7A}"/>
+              </a:ext>
+            </a:extLst>
+          </p:cNvPr>
+          <p:cNvSpPr txBox="1"/>
+          <p:nvPr/>
+        </p:nvSpPr>
+        <p:spPr>
+          <a:xfrm>
+            <a:off x="2666082" y="3497514"/>
+            <a:ext cx="1018484" cy="338554"/>
+          </a:xfrm>
+          <a:prstGeom prst="rect">
+            <a:avLst/>
+          </a:prstGeom>
+          <a:noFill/>
+        </p:spPr>
+        <p:txBody>
+          <a:bodyPr wrap="none" rtlCol="0">
+            <a:spAutoFit/>
+          </a:bodyPr>
+          <a:lstStyle/>
+          <a:p>
+            <a:r>
+              <a:rPr lang="en-SG" sz="1600" dirty="0"/>
+              <a:t>3</a:t>
+            </a:r>
+            <a:r>
+              <a:rPr lang="en-SG" sz="1600" baseline="30000" dirty="0"/>
+              <a:t>rd</a:t>
+            </a:r>
+            <a:r>
+              <a:rPr lang="en-SG" sz="1600" dirty="0"/>
+              <a:t> </a:t>
+            </a:r>
+            <a:r>
+              <a:rPr lang="en-US" sz="1600" dirty="0"/>
+              <a:t>square</a:t>
+            </a:r>
+          </a:p>
+        </p:txBody>
+      </p:sp>
+      <p:sp>
+        <p:nvSpPr>
+          <p:cNvPr id="20" name="TextBox 19">
+            <a:extLst>
+              <a:ext uri="{FF2B5EF4-FFF2-40B4-BE49-F238E27FC236}">
+                <a16:creationId xmlns:a16="http://schemas.microsoft.com/office/drawing/2014/main" id="{ADA9E7B4-9517-4A44-AFA5-A546EC81BEF8}"/>
+              </a:ext>
+            </a:extLst>
+          </p:cNvPr>
+          <p:cNvSpPr txBox="1"/>
+          <p:nvPr/>
+        </p:nvSpPr>
+        <p:spPr>
+          <a:xfrm>
+            <a:off x="4062630" y="3498059"/>
+            <a:ext cx="1018740" cy="338554"/>
+          </a:xfrm>
+          <a:prstGeom prst="rect">
+            <a:avLst/>
+          </a:prstGeom>
+          <a:noFill/>
+        </p:spPr>
+        <p:txBody>
+          <a:bodyPr wrap="none" rtlCol="0">
+            <a:spAutoFit/>
+          </a:bodyPr>
+          <a:lstStyle/>
+          <a:p>
+            <a:r>
+              <a:rPr lang="en-US" sz="1600" dirty="0"/>
+              <a:t>4</a:t>
+            </a:r>
+            <a:r>
+              <a:rPr lang="en-US" sz="1600" baseline="30000" dirty="0"/>
+              <a:t>th</a:t>
+            </a:r>
+            <a:r>
+              <a:rPr lang="en-US" sz="1600" dirty="0"/>
+              <a:t> square</a:t>
+            </a:r>
+          </a:p>
+        </p:txBody>
+      </p:sp>
+      <p:sp>
+        <p:nvSpPr>
+          <p:cNvPr id="21" name="TextBox 20">
+            <a:extLst>
+              <a:ext uri="{FF2B5EF4-FFF2-40B4-BE49-F238E27FC236}">
+                <a16:creationId xmlns:a16="http://schemas.microsoft.com/office/drawing/2014/main" id="{2EBF7953-939B-4B31-AD1C-2B902F8CD350}"/>
+              </a:ext>
+            </a:extLst>
+          </p:cNvPr>
+          <p:cNvSpPr txBox="1"/>
+          <p:nvPr/>
+        </p:nvSpPr>
+        <p:spPr>
+          <a:xfrm>
+            <a:off x="8240385" y="2876295"/>
+            <a:ext cx="763351" cy="523220"/>
+          </a:xfrm>
+          <a:prstGeom prst="rect">
+            <a:avLst/>
+          </a:prstGeom>
+          <a:noFill/>
+        </p:spPr>
+        <p:txBody>
+          <a:bodyPr wrap="none" rtlCol="0">
+            <a:spAutoFit/>
+          </a:bodyPr>
+          <a:lstStyle/>
+          <a:p>
+            <a:r>
+              <a:rPr lang="en-US" sz="2800" dirty="0"/>
+              <a:t>… …</a:t>
+            </a:r>
+          </a:p>
+        </p:txBody>
+      </p:sp>
+      <p:sp>
+        <p:nvSpPr>
+          <p:cNvPr id="23" name="Content Placeholder 2">
+            <a:extLst>
+              <a:ext uri="{FF2B5EF4-FFF2-40B4-BE49-F238E27FC236}">
+                <a16:creationId xmlns:a16="http://schemas.microsoft.com/office/drawing/2014/main" id="{ECDB1AEC-1D3E-4BA6-BE80-A9CA8FBEEECB}"/>
+              </a:ext>
+            </a:extLst>
+          </p:cNvPr>
+          <p:cNvSpPr txBox="1">
+            <a:spLocks/>
+          </p:cNvSpPr>
+          <p:nvPr/>
+        </p:nvSpPr>
+        <p:spPr>
+          <a:xfrm>
+            <a:off x="6703173" y="4390136"/>
+            <a:ext cx="1149816" cy="1744744"/>
+          </a:xfrm>
+          <a:prstGeom prst="rect">
+            <a:avLst/>
+          </a:prstGeom>
+        </p:spPr>
+        <p:txBody>
+          <a:bodyPr vert="horz" lIns="91440" tIns="45720" rIns="91440" bIns="45720" rtlCol="0">
+            <a:noAutofit/>
+          </a:bodyPr>
+          <a:lstStyle>
+            <a:lvl1pPr marL="228600" indent="-228600" algn="l" defTabSz="914400" rtl="0" eaLnBrk="1" latinLnBrk="0" hangingPunct="1">
+              <a:lnSpc>
+                <a:spcPct val="90000"/>
+              </a:lnSpc>
+              <a:spcBef>
+                <a:spcPts val="1000"/>
+              </a:spcBef>
+              <a:buFont typeface="Arial" panose="020B0604020202020204" pitchFamily="34" charset="0"/>
+              <a:buChar char="•"/>
+              <a:defRPr sz="2800" kern="1200">
+                <a:solidFill>
+                  <a:schemeClr val="tx1"/>
+                </a:solidFill>
+                <a:latin typeface="+mn-lt"/>
+                <a:ea typeface="+mn-ea"/>
+                <a:cs typeface="+mn-cs"/>
+              </a:defRPr>
+            </a:lvl1pPr>
+            <a:lvl2pPr marL="685800" indent="-228600" algn="l" defTabSz="914400" rtl="0" eaLnBrk="1" latinLnBrk="0" hangingPunct="1">
+              <a:lnSpc>
+                <a:spcPct val="90000"/>
+              </a:lnSpc>
+              <a:spcBef>
+                <a:spcPts val="500"/>
+              </a:spcBef>
+              <a:buFont typeface="Arial" panose="020B0604020202020204" pitchFamily="34" charset="0"/>
+              <a:buChar char="•"/>
+              <a:defRPr sz="2400" kern="1200">
+                <a:solidFill>
+                  <a:schemeClr val="tx1"/>
+                </a:solidFill>
+                <a:latin typeface="+mn-lt"/>
+                <a:ea typeface="+mn-ea"/>
+                <a:cs typeface="+mn-cs"/>
+              </a:defRPr>
+            </a:lvl2pPr>
+            <a:lvl3pPr marL="1143000" indent="-228600" algn="l" defTabSz="914400" rtl="0" eaLnBrk="1" latinLnBrk="0" hangingPunct="1">
+              <a:lnSpc>
+                <a:spcPct val="90000"/>
+              </a:lnSpc>
+              <a:spcBef>
+                <a:spcPts val="500"/>
+              </a:spcBef>
+              <a:buFont typeface="Arial" panose="020B0604020202020204" pitchFamily="34" charset="0"/>
+              <a:buChar char="•"/>
+              <a:defRPr sz="2000" kern="1200">
+                <a:solidFill>
+                  <a:schemeClr val="tx1"/>
+                </a:solidFill>
+                <a:latin typeface="+mn-lt"/>
+                <a:ea typeface="+mn-ea"/>
+                <a:cs typeface="+mn-cs"/>
+              </a:defRPr>
+            </a:lvl3pPr>
+            <a:lvl4pPr marL="1600200" indent="-228600" algn="l" defTabSz="914400" rtl="0" eaLnBrk="1" latinLnBrk="0" hangingPunct="1">
+              <a:lnSpc>
+                <a:spcPct val="90000"/>
+              </a:lnSpc>
+              <a:spcBef>
+                <a:spcPts val="500"/>
+              </a:spcBef>
+              <a:buFont typeface="Arial" panose="020B0604020202020204" pitchFamily="34" charset="0"/>
+              <a:buChar char="•"/>
+              <a:defRPr sz="1800" kern="1200">
+                <a:solidFill>
+                  <a:schemeClr val="tx1"/>
+                </a:solidFill>
+                <a:latin typeface="+mn-lt"/>
+                <a:ea typeface="+mn-ea"/>
+                <a:cs typeface="+mn-cs"/>
+              </a:defRPr>
+            </a:lvl4pPr>
+            <a:lvl5pPr marL="2057400" indent="-228600" algn="l" defTabSz="914400" rtl="0" eaLnBrk="1" latinLnBrk="0" hangingPunct="1">
+              <a:lnSpc>
+                <a:spcPct val="90000"/>
+              </a:lnSpc>
+              <a:spcBef>
+                <a:spcPts val="500"/>
+              </a:spcBef>
+              <a:buFont typeface="Arial" panose="020B0604020202020204" pitchFamily="34" charset="0"/>
+              <a:buChar char="•"/>
+              <a:defRPr sz="1800" kern="1200">
+                <a:solidFill>
+                  <a:schemeClr val="tx1"/>
+                </a:solidFill>
+                <a:latin typeface="+mn-lt"/>
+                <a:ea typeface="+mn-ea"/>
+                <a:cs typeface="+mn-cs"/>
+              </a:defRPr>
+            </a:lvl5pPr>
+            <a:lvl6pPr marL="2514600" indent="-228600" algn="l" defTabSz="914400" rtl="0" eaLnBrk="1" latinLnBrk="0" hangingPunct="1">
+              <a:lnSpc>
+                <a:spcPct val="90000"/>
+              </a:lnSpc>
+              <a:spcBef>
+                <a:spcPts val="500"/>
+              </a:spcBef>
+              <a:buFont typeface="Arial" panose="020B0604020202020204" pitchFamily="34" charset="0"/>
+              <a:buChar char="•"/>
+              <a:defRPr sz="1800" kern="1200">
+                <a:solidFill>
+                  <a:schemeClr val="tx1"/>
+                </a:solidFill>
+                <a:latin typeface="+mn-lt"/>
+                <a:ea typeface="+mn-ea"/>
+                <a:cs typeface="+mn-cs"/>
+              </a:defRPr>
+            </a:lvl6pPr>
+            <a:lvl7pPr marL="2971800" indent="-228600" algn="l" defTabSz="914400" rtl="0" eaLnBrk="1" latinLnBrk="0" hangingPunct="1">
+              <a:lnSpc>
+                <a:spcPct val="90000"/>
+              </a:lnSpc>
+              <a:spcBef>
+                <a:spcPts val="500"/>
+              </a:spcBef>
+              <a:buFont typeface="Arial" panose="020B0604020202020204" pitchFamily="34" charset="0"/>
+              <a:buChar char="•"/>
+              <a:defRPr sz="1800" kern="1200">
+                <a:solidFill>
+                  <a:schemeClr val="tx1"/>
+                </a:solidFill>
+                <a:latin typeface="+mn-lt"/>
+                <a:ea typeface="+mn-ea"/>
+                <a:cs typeface="+mn-cs"/>
+              </a:defRPr>
+            </a:lvl7pPr>
+            <a:lvl8pPr marL="3429000" indent="-228600" algn="l" defTabSz="914400" rtl="0" eaLnBrk="1" latinLnBrk="0" hangingPunct="1">
+              <a:lnSpc>
+                <a:spcPct val="90000"/>
+              </a:lnSpc>
+              <a:spcBef>
+                <a:spcPts val="500"/>
+              </a:spcBef>
+              <a:buFont typeface="Arial" panose="020B0604020202020204" pitchFamily="34" charset="0"/>
+              <a:buChar char="•"/>
+              <a:defRPr sz="1800" kern="1200">
+                <a:solidFill>
+                  <a:schemeClr val="tx1"/>
+                </a:solidFill>
+                <a:latin typeface="+mn-lt"/>
+                <a:ea typeface="+mn-ea"/>
+                <a:cs typeface="+mn-cs"/>
+              </a:defRPr>
+            </a:lvl8pPr>
+            <a:lvl9pPr marL="3886200" indent="-228600" algn="l" defTabSz="914400" rtl="0" eaLnBrk="1" latinLnBrk="0" hangingPunct="1">
+              <a:lnSpc>
+                <a:spcPct val="90000"/>
+              </a:lnSpc>
+              <a:spcBef>
+                <a:spcPts val="500"/>
+              </a:spcBef>
+              <a:buFont typeface="Arial" panose="020B0604020202020204" pitchFamily="34" charset="0"/>
+              <a:buChar char="•"/>
+              <a:defRPr sz="1800" kern="1200">
+                <a:solidFill>
+                  <a:schemeClr val="tx1"/>
+                </a:solidFill>
+                <a:latin typeface="+mn-lt"/>
+                <a:ea typeface="+mn-ea"/>
+                <a:cs typeface="+mn-cs"/>
+              </a:defRPr>
+            </a:lvl9pPr>
+          </a:lstStyle>
           <a:p>
             <a:pPr marL="0" indent="0">
               <a:buNone/>
             </a:pPr>
-            <a:endParaRPr lang="en-US" sz="2600" dirty="0">
-              <a:latin typeface="+mj-lt"/>
-            </a:endParaRPr>
-          </a:p>
+            <a:r>
+              <a:rPr lang="en-SG" sz="1400" dirty="0"/>
+              <a:t>Here, you have to press “</a:t>
+            </a:r>
+            <a:r>
+              <a:rPr lang="en-SG" sz="1400" b="1" dirty="0">
+                <a:solidFill>
+                  <a:srgbClr val="0070C0"/>
+                </a:solidFill>
+              </a:rPr>
+              <a:t>L</a:t>
+            </a:r>
+            <a:r>
+              <a:rPr lang="en-SG" sz="1400" dirty="0"/>
+              <a:t>”, because the square does not appear at the same location 4 trials before</a:t>
+            </a:r>
+            <a:endParaRPr lang="en-US" sz="1400" dirty="0"/>
+          </a:p>
+        </p:txBody>
+      </p:sp>
+      <p:cxnSp>
+        <p:nvCxnSpPr>
+          <p:cNvPr id="24" name="Straight Arrow Connector 23">
+            <a:extLst>
+              <a:ext uri="{FF2B5EF4-FFF2-40B4-BE49-F238E27FC236}">
+                <a16:creationId xmlns:a16="http://schemas.microsoft.com/office/drawing/2014/main" id="{0372979D-4DDC-416E-B455-10626BA9930A}"/>
+              </a:ext>
+            </a:extLst>
+          </p:cNvPr>
+          <p:cNvCxnSpPr>
+            <a:cxnSpLocks/>
+            <a:stCxn id="23" idx="0"/>
+          </p:cNvCxnSpPr>
+          <p:nvPr/>
+        </p:nvCxnSpPr>
+        <p:spPr>
+          <a:xfrm flipV="1">
+            <a:off x="7278081" y="3836613"/>
+            <a:ext cx="0" cy="553523"/>
+          </a:xfrm>
+          <a:prstGeom prst="straightConnector1">
+            <a:avLst/>
+          </a:prstGeom>
+          <a:ln w="28575">
+            <a:solidFill>
+              <a:srgbClr val="0070C0"/>
+            </a:solidFill>
+            <a:tailEnd type="triangle"/>
+          </a:ln>
+        </p:spPr>
+        <p:style>
+          <a:lnRef idx="1">
+            <a:schemeClr val="accent2"/>
+          </a:lnRef>
+          <a:fillRef idx="0">
+            <a:schemeClr val="accent2"/>
+          </a:fillRef>
+          <a:effectRef idx="0">
+            <a:schemeClr val="accent2"/>
+          </a:effectRef>
+          <a:fontRef idx="minor">
+            <a:schemeClr val="tx1"/>
+          </a:fontRef>
+        </p:style>
+      </p:cxnSp>
+      <p:sp>
+        <p:nvSpPr>
+          <p:cNvPr id="42" name="Content Placeholder 2">
+            <a:extLst>
+              <a:ext uri="{FF2B5EF4-FFF2-40B4-BE49-F238E27FC236}">
+                <a16:creationId xmlns:a16="http://schemas.microsoft.com/office/drawing/2014/main" id="{FA4F994D-014C-42C7-892B-D402172C62F5}"/>
+              </a:ext>
+            </a:extLst>
+          </p:cNvPr>
+          <p:cNvSpPr txBox="1">
+            <a:spLocks/>
+          </p:cNvSpPr>
+          <p:nvPr/>
+        </p:nvSpPr>
+        <p:spPr>
+          <a:xfrm>
+            <a:off x="5316950" y="4390136"/>
+            <a:ext cx="1149816" cy="1744744"/>
+          </a:xfrm>
+          <a:prstGeom prst="rect">
+            <a:avLst/>
+          </a:prstGeom>
+        </p:spPr>
+        <p:txBody>
+          <a:bodyPr vert="horz" lIns="91440" tIns="45720" rIns="91440" bIns="45720" rtlCol="0">
+            <a:noAutofit/>
+          </a:bodyPr>
+          <a:lstStyle>
+            <a:lvl1pPr marL="228600" indent="-228600" algn="l" defTabSz="914400" rtl="0" eaLnBrk="1" latinLnBrk="0" hangingPunct="1">
+              <a:lnSpc>
+                <a:spcPct val="90000"/>
+              </a:lnSpc>
+              <a:spcBef>
+                <a:spcPts val="1000"/>
+              </a:spcBef>
+              <a:buFont typeface="Arial" panose="020B0604020202020204" pitchFamily="34" charset="0"/>
+              <a:buChar char="•"/>
+              <a:defRPr sz="2800" kern="1200">
+                <a:solidFill>
+                  <a:schemeClr val="tx1"/>
+                </a:solidFill>
+                <a:latin typeface="+mn-lt"/>
+                <a:ea typeface="+mn-ea"/>
+                <a:cs typeface="+mn-cs"/>
+              </a:defRPr>
+            </a:lvl1pPr>
+            <a:lvl2pPr marL="685800" indent="-228600" algn="l" defTabSz="914400" rtl="0" eaLnBrk="1" latinLnBrk="0" hangingPunct="1">
+              <a:lnSpc>
+                <a:spcPct val="90000"/>
+              </a:lnSpc>
+              <a:spcBef>
+                <a:spcPts val="500"/>
+              </a:spcBef>
+              <a:buFont typeface="Arial" panose="020B0604020202020204" pitchFamily="34" charset="0"/>
+              <a:buChar char="•"/>
+              <a:defRPr sz="2400" kern="1200">
+                <a:solidFill>
+                  <a:schemeClr val="tx1"/>
+                </a:solidFill>
+                <a:latin typeface="+mn-lt"/>
+                <a:ea typeface="+mn-ea"/>
+                <a:cs typeface="+mn-cs"/>
+              </a:defRPr>
+            </a:lvl2pPr>
+            <a:lvl3pPr marL="1143000" indent="-228600" algn="l" defTabSz="914400" rtl="0" eaLnBrk="1" latinLnBrk="0" hangingPunct="1">
+              <a:lnSpc>
+                <a:spcPct val="90000"/>
+              </a:lnSpc>
+              <a:spcBef>
+                <a:spcPts val="500"/>
+              </a:spcBef>
+              <a:buFont typeface="Arial" panose="020B0604020202020204" pitchFamily="34" charset="0"/>
+              <a:buChar char="•"/>
+              <a:defRPr sz="2000" kern="1200">
+                <a:solidFill>
+                  <a:schemeClr val="tx1"/>
+                </a:solidFill>
+                <a:latin typeface="+mn-lt"/>
+                <a:ea typeface="+mn-ea"/>
+                <a:cs typeface="+mn-cs"/>
+              </a:defRPr>
+            </a:lvl3pPr>
+            <a:lvl4pPr marL="1600200" indent="-228600" algn="l" defTabSz="914400" rtl="0" eaLnBrk="1" latinLnBrk="0" hangingPunct="1">
+              <a:lnSpc>
+                <a:spcPct val="90000"/>
+              </a:lnSpc>
+              <a:spcBef>
+                <a:spcPts val="500"/>
+              </a:spcBef>
+              <a:buFont typeface="Arial" panose="020B0604020202020204" pitchFamily="34" charset="0"/>
+              <a:buChar char="•"/>
+              <a:defRPr sz="1800" kern="1200">
+                <a:solidFill>
+                  <a:schemeClr val="tx1"/>
+                </a:solidFill>
+                <a:latin typeface="+mn-lt"/>
+                <a:ea typeface="+mn-ea"/>
+                <a:cs typeface="+mn-cs"/>
+              </a:defRPr>
+            </a:lvl4pPr>
+            <a:lvl5pPr marL="2057400" indent="-228600" algn="l" defTabSz="914400" rtl="0" eaLnBrk="1" latinLnBrk="0" hangingPunct="1">
+              <a:lnSpc>
+                <a:spcPct val="90000"/>
+              </a:lnSpc>
+              <a:spcBef>
+                <a:spcPts val="500"/>
+              </a:spcBef>
+              <a:buFont typeface="Arial" panose="020B0604020202020204" pitchFamily="34" charset="0"/>
+              <a:buChar char="•"/>
+              <a:defRPr sz="1800" kern="1200">
+                <a:solidFill>
+                  <a:schemeClr val="tx1"/>
+                </a:solidFill>
+                <a:latin typeface="+mn-lt"/>
+                <a:ea typeface="+mn-ea"/>
+                <a:cs typeface="+mn-cs"/>
+              </a:defRPr>
+            </a:lvl5pPr>
+            <a:lvl6pPr marL="2514600" indent="-228600" algn="l" defTabSz="914400" rtl="0" eaLnBrk="1" latinLnBrk="0" hangingPunct="1">
+              <a:lnSpc>
+                <a:spcPct val="90000"/>
+              </a:lnSpc>
+              <a:spcBef>
+                <a:spcPts val="500"/>
+              </a:spcBef>
+              <a:buFont typeface="Arial" panose="020B0604020202020204" pitchFamily="34" charset="0"/>
+              <a:buChar char="•"/>
+              <a:defRPr sz="1800" kern="1200">
+                <a:solidFill>
+                  <a:schemeClr val="tx1"/>
+                </a:solidFill>
+                <a:latin typeface="+mn-lt"/>
+                <a:ea typeface="+mn-ea"/>
+                <a:cs typeface="+mn-cs"/>
+              </a:defRPr>
+            </a:lvl6pPr>
+            <a:lvl7pPr marL="2971800" indent="-228600" algn="l" defTabSz="914400" rtl="0" eaLnBrk="1" latinLnBrk="0" hangingPunct="1">
+              <a:lnSpc>
+                <a:spcPct val="90000"/>
+              </a:lnSpc>
+              <a:spcBef>
+                <a:spcPts val="500"/>
+              </a:spcBef>
+              <a:buFont typeface="Arial" panose="020B0604020202020204" pitchFamily="34" charset="0"/>
+              <a:buChar char="•"/>
+              <a:defRPr sz="1800" kern="1200">
+                <a:solidFill>
+                  <a:schemeClr val="tx1"/>
+                </a:solidFill>
+                <a:latin typeface="+mn-lt"/>
+                <a:ea typeface="+mn-ea"/>
+                <a:cs typeface="+mn-cs"/>
+              </a:defRPr>
+            </a:lvl7pPr>
+            <a:lvl8pPr marL="3429000" indent="-228600" algn="l" defTabSz="914400" rtl="0" eaLnBrk="1" latinLnBrk="0" hangingPunct="1">
+              <a:lnSpc>
+                <a:spcPct val="90000"/>
+              </a:lnSpc>
+              <a:spcBef>
+                <a:spcPts val="500"/>
+              </a:spcBef>
+              <a:buFont typeface="Arial" panose="020B0604020202020204" pitchFamily="34" charset="0"/>
+              <a:buChar char="•"/>
+              <a:defRPr sz="1800" kern="1200">
+                <a:solidFill>
+                  <a:schemeClr val="tx1"/>
+                </a:solidFill>
+                <a:latin typeface="+mn-lt"/>
+                <a:ea typeface="+mn-ea"/>
+                <a:cs typeface="+mn-cs"/>
+              </a:defRPr>
+            </a:lvl8pPr>
+            <a:lvl9pPr marL="3886200" indent="-228600" algn="l" defTabSz="914400" rtl="0" eaLnBrk="1" latinLnBrk="0" hangingPunct="1">
+              <a:lnSpc>
+                <a:spcPct val="90000"/>
+              </a:lnSpc>
+              <a:spcBef>
+                <a:spcPts val="500"/>
+              </a:spcBef>
+              <a:buFont typeface="Arial" panose="020B0604020202020204" pitchFamily="34" charset="0"/>
+              <a:buChar char="•"/>
+              <a:defRPr sz="1800" kern="1200">
+                <a:solidFill>
+                  <a:schemeClr val="tx1"/>
+                </a:solidFill>
+                <a:latin typeface="+mn-lt"/>
+                <a:ea typeface="+mn-ea"/>
+                <a:cs typeface="+mn-cs"/>
+              </a:defRPr>
+            </a:lvl9pPr>
+          </a:lstStyle>
           <a:p>
             <a:pPr marL="0" indent="0">
               <a:buNone/>
             </a:pPr>
             <a:r>
-              <a:rPr lang="en-US" sz="2600" b="1" dirty="0"/>
-              <a:t>Please try to work as quickly and accurately as possible</a:t>
-            </a:r>
-          </a:p>
-          <a:p>
-            <a:pPr marL="0" indent="0">
-              <a:buNone/>
-            </a:pPr>
-            <a:endParaRPr lang="en-US" sz="2600" b="1" dirty="0"/>
-          </a:p>
-          <a:p>
-            <a:pPr marL="0" indent="0">
-              <a:buNone/>
-            </a:pPr>
-            <a:r>
-              <a:rPr lang="en-US" sz="2600" b="1" dirty="0"/>
-              <a:t>Press any key to continue</a:t>
-            </a:r>
-          </a:p>
-        </p:txBody>
-      </p:sp>
-      <p:sp>
-        <p:nvSpPr>
-          <p:cNvPr id="5" name="Title 1">
+              <a:rPr lang="en-SG" sz="1400" dirty="0"/>
+              <a:t>Here, you have to press “</a:t>
+            </a:r>
+            <a:r>
+              <a:rPr lang="en-SG" sz="1400" b="1" dirty="0">
+                <a:solidFill>
+                  <a:srgbClr val="FF0000"/>
+                </a:solidFill>
+              </a:rPr>
+              <a:t>A</a:t>
+            </a:r>
+            <a:r>
+              <a:rPr lang="en-SG" sz="1400" dirty="0"/>
+              <a:t>”, because the square appears at the same location 4 trials before</a:t>
+            </a:r>
+            <a:endParaRPr lang="en-US" sz="1400" dirty="0"/>
+          </a:p>
+        </p:txBody>
+      </p:sp>
+      <p:cxnSp>
+        <p:nvCxnSpPr>
+          <p:cNvPr id="43" name="Straight Arrow Connector 42">
             <a:extLst>
               <a:ext uri="{FF2B5EF4-FFF2-40B4-BE49-F238E27FC236}">
-                <a16:creationId xmlns:a16="http://schemas.microsoft.com/office/drawing/2014/main" id="{D73BDBF5-7A9F-4E15-AF29-4A0C190914D4}"/>
+                <a16:creationId xmlns:a16="http://schemas.microsoft.com/office/drawing/2014/main" id="{41951042-B4E8-4BBA-A153-16D706400279}"/>
               </a:ext>
             </a:extLst>
           </p:cNvPr>
-          <p:cNvSpPr>
-            <a:spLocks noGrp="1"/>
-          </p:cNvSpPr>
-          <p:nvPr>
-            <p:ph type="title"/>
-          </p:nvPr>
-        </p:nvSpPr>
+          <p:cNvCxnSpPr>
+            <a:cxnSpLocks/>
+            <a:stCxn id="42" idx="0"/>
+          </p:cNvCxnSpPr>
+          <p:nvPr/>
+        </p:nvCxnSpPr>
+        <p:spPr>
+          <a:xfrm flipV="1">
+            <a:off x="5891858" y="3829108"/>
+            <a:ext cx="827" cy="561028"/>
+          </a:xfrm>
+          <a:prstGeom prst="straightConnector1">
+            <a:avLst/>
+          </a:prstGeom>
+          <a:ln w="28575">
+            <a:solidFill>
+              <a:srgbClr val="FF0000"/>
+            </a:solidFill>
+            <a:tailEnd type="triangle"/>
+          </a:ln>
+        </p:spPr>
+        <p:style>
+          <a:lnRef idx="1">
+            <a:schemeClr val="accent2"/>
+          </a:lnRef>
+          <a:fillRef idx="0">
+            <a:schemeClr val="accent2"/>
+          </a:fillRef>
+          <a:effectRef idx="0">
+            <a:schemeClr val="accent2"/>
+          </a:effectRef>
+          <a:fontRef idx="minor">
+            <a:schemeClr val="tx1"/>
+          </a:fontRef>
+        </p:style>
+      </p:cxnSp>
+      <p:pic>
+        <p:nvPicPr>
+          <p:cNvPr id="8" name="Picture 7" descr="A picture containing object&#10;&#10;Description automatically generated">
+            <a:extLst>
+              <a:ext uri="{FF2B5EF4-FFF2-40B4-BE49-F238E27FC236}">
+                <a16:creationId xmlns:a16="http://schemas.microsoft.com/office/drawing/2014/main" id="{4EA5B0B9-868C-4651-BBA1-B8905DFD751B}"/>
+              </a:ext>
+            </a:extLst>
+          </p:cNvPr>
+          <p:cNvPicPr>
+            <a:picLocks noChangeAspect="1"/>
+          </p:cNvPicPr>
+          <p:nvPr/>
+        </p:nvPicPr>
+        <p:blipFill rotWithShape="1">
+          <a:blip r:embed="rId4">
+            <a:extLst>
+              <a:ext uri="{28A0092B-C50C-407E-A947-70E740481C1C}">
+                <a14:useLocalDpi xmlns:a14="http://schemas.microsoft.com/office/drawing/2010/main" val="0"/>
+              </a:ext>
+            </a:extLst>
+          </a:blip>
+          <a:srcRect l="26517" t="16593" r="26517" b="24238"/>
+          <a:stretch/>
+        </p:blipFill>
         <p:spPr>
           <a:xfrm>
-            <a:off x="1704109" y="617714"/>
-            <a:ext cx="5735782" cy="820388"/>
-          </a:xfrm>
-          <a:solidFill>
-            <a:schemeClr val="tx1">
-              <a:lumMod val="50000"/>
-            </a:schemeClr>
-          </a:solidFill>
-        </p:spPr>
-        <p:txBody>
-          <a:bodyPr>
-            <a:normAutofit/>
+            <a:off x="1436193" y="2300881"/>
+            <a:ext cx="1034143" cy="1042278"/>
+          </a:xfrm>
+          <a:prstGeom prst="rect">
+            <a:avLst/>
+          </a:prstGeom>
+        </p:spPr>
+      </p:pic>
+      <p:sp>
+        <p:nvSpPr>
+          <p:cNvPr id="34" name="TextBox 33">
+            <a:extLst>
+              <a:ext uri="{FF2B5EF4-FFF2-40B4-BE49-F238E27FC236}">
+                <a16:creationId xmlns:a16="http://schemas.microsoft.com/office/drawing/2014/main" id="{72C2675F-51B7-4478-B502-C0A28FB1F189}"/>
+              </a:ext>
+            </a:extLst>
+          </p:cNvPr>
+          <p:cNvSpPr txBox="1"/>
+          <p:nvPr/>
+        </p:nvSpPr>
+        <p:spPr>
+          <a:xfrm>
+            <a:off x="5374786" y="3490554"/>
+            <a:ext cx="1018740" cy="338554"/>
+          </a:xfrm>
+          <a:prstGeom prst="rect">
+            <a:avLst/>
+          </a:prstGeom>
+          <a:noFill/>
+        </p:spPr>
+        <p:txBody>
+          <a:bodyPr wrap="none" rtlCol="0">
+            <a:spAutoFit/>
           </a:bodyPr>
           <a:lstStyle/>
           <a:p>
-            <a:pPr algn="ctr"/>
-            <a:r>
-              <a:rPr lang="en-SG" dirty="0">
-                <a:solidFill>
-                  <a:schemeClr val="bg1"/>
-                </a:solidFill>
-                <a:latin typeface="+mn-lt"/>
-              </a:rPr>
-              <a:t>This is a </a:t>
-            </a:r>
-            <a:r>
-              <a:rPr lang="en-SG" b="1" dirty="0">
-                <a:solidFill>
-                  <a:srgbClr val="FF0000"/>
-                </a:solidFill>
-                <a:latin typeface="+mn-lt"/>
-              </a:rPr>
-              <a:t>1-back</a:t>
-            </a:r>
-            <a:r>
-              <a:rPr lang="en-SG" dirty="0">
-                <a:solidFill>
-                  <a:schemeClr val="bg1"/>
-                </a:solidFill>
-                <a:latin typeface="+mn-lt"/>
-              </a:rPr>
-              <a:t> task</a:t>
-            </a:r>
-            <a:endParaRPr lang="en-US" dirty="0">
-              <a:solidFill>
-                <a:schemeClr val="bg1"/>
-              </a:solidFill>
-              <a:latin typeface="+mn-lt"/>
-            </a:endParaRPr>
-          </a:p>
-        </p:txBody>
-      </p:sp>
+            <a:r>
+              <a:rPr lang="en-US" sz="1600" dirty="0"/>
+              <a:t>5</a:t>
+            </a:r>
+            <a:r>
+              <a:rPr lang="en-US" sz="1600" baseline="30000" dirty="0"/>
+              <a:t>th</a:t>
+            </a:r>
+            <a:r>
+              <a:rPr lang="en-US" sz="1600" dirty="0"/>
+              <a:t> square</a:t>
+            </a:r>
+          </a:p>
+        </p:txBody>
+      </p:sp>
+      <p:cxnSp>
+        <p:nvCxnSpPr>
+          <p:cNvPr id="35" name="Connector: Elbow 34">
+            <a:extLst>
+              <a:ext uri="{FF2B5EF4-FFF2-40B4-BE49-F238E27FC236}">
+                <a16:creationId xmlns:a16="http://schemas.microsoft.com/office/drawing/2014/main" id="{E779BFFD-BBA7-47CF-A66D-B2A3F9818A42}"/>
+              </a:ext>
+            </a:extLst>
+          </p:cNvPr>
+          <p:cNvCxnSpPr>
+            <a:cxnSpLocks/>
+            <a:stCxn id="8" idx="0"/>
+            <a:endCxn id="22" idx="0"/>
+          </p:cNvCxnSpPr>
+          <p:nvPr/>
+        </p:nvCxnSpPr>
+        <p:spPr>
+          <a:xfrm rot="16200000" flipH="1">
+            <a:off x="4573730" y="-319584"/>
+            <a:ext cx="35216" cy="5276147"/>
+          </a:xfrm>
+          <a:prstGeom prst="bentConnector3">
+            <a:avLst>
+              <a:gd name="adj1" fmla="val -790763"/>
+            </a:avLst>
+          </a:prstGeom>
+          <a:ln w="19050">
+            <a:solidFill>
+              <a:srgbClr val="0070C0"/>
+            </a:solidFill>
+            <a:tailEnd type="triangle"/>
+          </a:ln>
+        </p:spPr>
+        <p:style>
+          <a:lnRef idx="1">
+            <a:schemeClr val="accent1"/>
+          </a:lnRef>
+          <a:fillRef idx="0">
+            <a:schemeClr val="accent1"/>
+          </a:fillRef>
+          <a:effectRef idx="0">
+            <a:schemeClr val="accent1"/>
+          </a:effectRef>
+          <a:fontRef idx="minor">
+            <a:schemeClr val="tx1"/>
+          </a:fontRef>
+        </p:style>
+      </p:cxnSp>
+      <p:pic>
+        <p:nvPicPr>
+          <p:cNvPr id="25" name="Picture 24" descr="A picture containing object&#10;&#10;Description automatically generated">
+            <a:extLst>
+              <a:ext uri="{FF2B5EF4-FFF2-40B4-BE49-F238E27FC236}">
+                <a16:creationId xmlns:a16="http://schemas.microsoft.com/office/drawing/2014/main" id="{0CFB91C0-C7D7-447C-B637-087EB4AC246E}"/>
+              </a:ext>
+            </a:extLst>
+          </p:cNvPr>
+          <p:cNvPicPr>
+            <a:picLocks noChangeAspect="1"/>
+          </p:cNvPicPr>
+          <p:nvPr/>
+        </p:nvPicPr>
+        <p:blipFill rotWithShape="1">
+          <a:blip r:embed="rId4">
+            <a:extLst>
+              <a:ext uri="{28A0092B-C50C-407E-A947-70E740481C1C}">
+                <a14:useLocalDpi xmlns:a14="http://schemas.microsoft.com/office/drawing/2010/main" val="0"/>
+              </a:ext>
+            </a:extLst>
+          </a:blip>
+          <a:srcRect l="26517" t="16593" r="26517" b="24238"/>
+          <a:stretch/>
+        </p:blipFill>
+        <p:spPr>
+          <a:xfrm>
+            <a:off x="5374786" y="2321993"/>
+            <a:ext cx="1034143" cy="1042278"/>
+          </a:xfrm>
+          <a:prstGeom prst="rect">
+            <a:avLst/>
+          </a:prstGeom>
+        </p:spPr>
+      </p:pic>
+      <p:cxnSp>
+        <p:nvCxnSpPr>
+          <p:cNvPr id="30" name="Connector: Elbow 29">
+            <a:extLst>
+              <a:ext uri="{FF2B5EF4-FFF2-40B4-BE49-F238E27FC236}">
+                <a16:creationId xmlns:a16="http://schemas.microsoft.com/office/drawing/2014/main" id="{D3EDD2F5-C087-4EAD-BA29-62BAD65D094A}"/>
+              </a:ext>
+            </a:extLst>
+          </p:cNvPr>
+          <p:cNvCxnSpPr>
+            <a:cxnSpLocks/>
+            <a:endCxn id="25" idx="0"/>
+          </p:cNvCxnSpPr>
+          <p:nvPr/>
+        </p:nvCxnSpPr>
+        <p:spPr>
+          <a:xfrm rot="16200000" flipH="1">
+            <a:off x="3280499" y="-289366"/>
+            <a:ext cx="29897" cy="5192820"/>
+          </a:xfrm>
+          <a:prstGeom prst="bentConnector3">
+            <a:avLst>
+              <a:gd name="adj1" fmla="val -430963"/>
+            </a:avLst>
+          </a:prstGeom>
+          <a:ln w="19050">
+            <a:solidFill>
+              <a:srgbClr val="FF0000"/>
+            </a:solidFill>
+            <a:tailEnd type="triangle"/>
+          </a:ln>
+        </p:spPr>
+        <p:style>
+          <a:lnRef idx="1">
+            <a:schemeClr val="accent1"/>
+          </a:lnRef>
+          <a:fillRef idx="0">
+            <a:schemeClr val="accent1"/>
+          </a:fillRef>
+          <a:effectRef idx="0">
+            <a:schemeClr val="accent1"/>
+          </a:effectRef>
+          <a:fontRef idx="minor">
+            <a:schemeClr val="tx1"/>
+          </a:fontRef>
+        </p:style>
+      </p:cxnSp>
+      <p:pic>
+        <p:nvPicPr>
+          <p:cNvPr id="22" name="Picture 21" descr="A picture containing object&#10;&#10;Description automatically generated">
+            <a:extLst>
+              <a:ext uri="{FF2B5EF4-FFF2-40B4-BE49-F238E27FC236}">
+                <a16:creationId xmlns:a16="http://schemas.microsoft.com/office/drawing/2014/main" id="{86DA8CFF-5A22-43E5-8C19-7BF73307C2F1}"/>
+              </a:ext>
+            </a:extLst>
+          </p:cNvPr>
+          <p:cNvPicPr>
+            <a:picLocks noChangeAspect="1"/>
+          </p:cNvPicPr>
+          <p:nvPr/>
+        </p:nvPicPr>
+        <p:blipFill rotWithShape="1">
+          <a:blip r:embed="rId2">
+            <a:extLst>
+              <a:ext uri="{28A0092B-C50C-407E-A947-70E740481C1C}">
+                <a14:useLocalDpi xmlns:a14="http://schemas.microsoft.com/office/drawing/2010/main" val="0"/>
+              </a:ext>
+            </a:extLst>
+          </a:blip>
+          <a:srcRect l="22420" t="16030" r="23095" b="22082"/>
+          <a:stretch/>
+        </p:blipFill>
+        <p:spPr>
+          <a:xfrm>
+            <a:off x="6653677" y="2336097"/>
+            <a:ext cx="1151470" cy="1046340"/>
+          </a:xfrm>
+          <a:prstGeom prst="rect">
+            <a:avLst/>
+          </a:prstGeom>
+        </p:spPr>
+      </p:pic>
+      <p:sp>
+        <p:nvSpPr>
+          <p:cNvPr id="29" name="TextBox 28">
+            <a:extLst>
+              <a:ext uri="{FF2B5EF4-FFF2-40B4-BE49-F238E27FC236}">
+                <a16:creationId xmlns:a16="http://schemas.microsoft.com/office/drawing/2014/main" id="{8DFFFE9B-AAC3-4903-8D15-14CEA90BFEDF}"/>
+              </a:ext>
+            </a:extLst>
+          </p:cNvPr>
+          <p:cNvSpPr txBox="1"/>
+          <p:nvPr/>
+        </p:nvSpPr>
+        <p:spPr>
+          <a:xfrm>
+            <a:off x="6768711" y="3475508"/>
+            <a:ext cx="1018740" cy="338554"/>
+          </a:xfrm>
+          <a:prstGeom prst="rect">
+            <a:avLst/>
+          </a:prstGeom>
+          <a:noFill/>
+        </p:spPr>
+        <p:txBody>
+          <a:bodyPr wrap="none" rtlCol="0">
+            <a:spAutoFit/>
+          </a:bodyPr>
+          <a:lstStyle/>
+          <a:p>
+            <a:r>
+              <a:rPr lang="en-US" sz="1600" dirty="0"/>
+              <a:t>6</a:t>
+            </a:r>
+            <a:r>
+              <a:rPr lang="en-US" sz="1600" baseline="30000" dirty="0"/>
+              <a:t>th</a:t>
+            </a:r>
+            <a:r>
+              <a:rPr lang="en-US" sz="1600" dirty="0"/>
+              <a:t> square</a:t>
+            </a:r>
+          </a:p>
+        </p:txBody>
+      </p:sp>
+      <p:pic>
+        <p:nvPicPr>
+          <p:cNvPr id="26" name="Picture 25" descr="A picture containing object&#10;&#10;Description automatically generated">
+            <a:extLst>
+              <a:ext uri="{FF2B5EF4-FFF2-40B4-BE49-F238E27FC236}">
+                <a16:creationId xmlns:a16="http://schemas.microsoft.com/office/drawing/2014/main" id="{6236ADFA-83EC-48B0-80B2-38367DD5C29B}"/>
+              </a:ext>
+            </a:extLst>
+          </p:cNvPr>
+          <p:cNvPicPr>
+            <a:picLocks noChangeAspect="1"/>
+          </p:cNvPicPr>
+          <p:nvPr/>
+        </p:nvPicPr>
+        <p:blipFill rotWithShape="1">
+          <a:blip r:embed="rId4">
+            <a:extLst>
+              <a:ext uri="{28A0092B-C50C-407E-A947-70E740481C1C}">
+                <a14:useLocalDpi xmlns:a14="http://schemas.microsoft.com/office/drawing/2010/main" val="0"/>
+              </a:ext>
+            </a:extLst>
+          </a:blip>
+          <a:srcRect l="26517" t="16593" r="26517" b="24238"/>
+          <a:stretch/>
+        </p:blipFill>
+        <p:spPr>
+          <a:xfrm>
+            <a:off x="222327" y="2311437"/>
+            <a:ext cx="1034143" cy="1042278"/>
+          </a:xfrm>
+          <a:prstGeom prst="rect">
+            <a:avLst/>
+          </a:prstGeom>
+        </p:spPr>
+      </p:pic>
     </p:spTree>
     <p:extLst>
       <p:ext uri="{BB962C8B-B14F-4D97-AF65-F5344CB8AC3E}">
-        <p14:creationId xmlns:p14="http://schemas.microsoft.com/office/powerpoint/2010/main" val="903795691"/>
+        <p14:creationId xmlns:p14="http://schemas.microsoft.com/office/powerpoint/2010/main" val="3114232756"/>
       </p:ext>
     </p:extLst>
   </p:cSld>
@@ -3846,7 +4892,7 @@
                   <a:srgbClr val="FF0000"/>
                 </a:solidFill>
               </a:rPr>
-              <a:t>2</a:t>
+              <a:t>4</a:t>
             </a:r>
             <a:r>
               <a:rPr lang="en-US" sz="2600" dirty="0">
@@ -3899,7 +4945,7 @@
                   <a:schemeClr val="accent1"/>
                 </a:solidFill>
               </a:rPr>
-              <a:t>2</a:t>
+              <a:t>4</a:t>
             </a:r>
             <a:r>
               <a:rPr lang="en-US" sz="2600" dirty="0">
@@ -3992,7 +5038,7 @@
                 </a:solidFill>
                 <a:latin typeface="+mn-lt"/>
               </a:rPr>
-              <a:t>2-back</a:t>
+              <a:t>4-back</a:t>
             </a:r>
             <a:r>
               <a:rPr lang="en-SG" dirty="0">
@@ -4015,7 +5061,7 @@
     </p:spTree>
     <p:extLst>
       <p:ext uri="{BB962C8B-B14F-4D97-AF65-F5344CB8AC3E}">
-        <p14:creationId xmlns:p14="http://schemas.microsoft.com/office/powerpoint/2010/main" val="1135333401"/>
+        <p14:creationId xmlns:p14="http://schemas.microsoft.com/office/powerpoint/2010/main" val="3141238534"/>
       </p:ext>
     </p:extLst>
   </p:cSld>
@@ -4044,10 +5090,10 @@
       </p:grpSpPr>
       <p:sp>
         <p:nvSpPr>
-          <p:cNvPr id="4" name="Content Placeholder 3">
+          <p:cNvPr id="10" name="Content Placeholder 2">
             <a:extLst>
               <a:ext uri="{FF2B5EF4-FFF2-40B4-BE49-F238E27FC236}">
-                <a16:creationId xmlns:a16="http://schemas.microsoft.com/office/drawing/2014/main" id="{69C5B0DB-9E09-499E-BE89-759A8FEDEAEC}"/>
+                <a16:creationId xmlns:a16="http://schemas.microsoft.com/office/drawing/2014/main" id="{8FCEBCFA-B8CB-4E1D-A9EF-59F08665C71B}"/>
               </a:ext>
             </a:extLst>
           </p:cNvPr>
@@ -4060,13 +5106,13 @@
         </p:nvSpPr>
         <p:spPr>
           <a:xfrm>
-            <a:off x="0" y="1825625"/>
-            <a:ext cx="9143999" cy="4351338"/>
+            <a:off x="0" y="490601"/>
+            <a:ext cx="9144000" cy="3252343"/>
           </a:xfrm>
         </p:spPr>
         <p:txBody>
           <a:bodyPr>
-            <a:normAutofit/>
+            <a:noAutofit/>
           </a:bodyPr>
           <a:lstStyle/>
           <a:p>
@@ -4074,215 +5120,35 @@
               <a:buNone/>
             </a:pPr>
             <a:r>
-              <a:rPr lang="en-US" sz="2600" dirty="0">
-                <a:latin typeface="+mj-lt"/>
-              </a:rPr>
-              <a:t>Press “</a:t>
-            </a:r>
-            <a:r>
-              <a:rPr lang="en-US" sz="2600" b="1" dirty="0">
-                <a:solidFill>
-                  <a:srgbClr val="FF0000"/>
-                </a:solidFill>
-              </a:rPr>
-              <a:t>A</a:t>
-            </a:r>
-            <a:r>
-              <a:rPr lang="en-US" sz="2600" dirty="0">
-                <a:latin typeface="+mj-lt"/>
-              </a:rPr>
-              <a:t>” if the square is in the </a:t>
-            </a:r>
-            <a:r>
-              <a:rPr lang="en-US" sz="2600" b="1" dirty="0">
-                <a:solidFill>
-                  <a:srgbClr val="FF0000"/>
-                </a:solidFill>
-              </a:rPr>
-              <a:t>same</a:t>
-            </a:r>
-            <a:r>
-              <a:rPr lang="en-US" sz="2600" dirty="0">
-                <a:latin typeface="+mj-lt"/>
-              </a:rPr>
-              <a:t> location as the </a:t>
-            </a:r>
-            <a:r>
-              <a:rPr lang="en-US" sz="2600" b="1" dirty="0">
-                <a:solidFill>
-                  <a:srgbClr val="FF0000"/>
-                </a:solidFill>
-              </a:rPr>
-              <a:t>2</a:t>
-            </a:r>
-            <a:r>
-              <a:rPr lang="en-US" sz="2600" dirty="0">
-                <a:latin typeface="+mj-lt"/>
-              </a:rPr>
-              <a:t> trials before</a:t>
-            </a:r>
-          </a:p>
-          <a:p>
-            <a:pPr marL="0" indent="0">
+              <a:rPr lang="en-US" sz="3200" b="0" i="0" dirty="0">
+                <a:effectLst/>
+                <a:latin typeface="Slack-Lato"/>
+              </a:rPr>
+              <a:t>As you have probably noticed, the test gets harder from 1-back, 2-back, to 3-back. The 3-back task is challenging for many people, but some could do very well.</a:t>
+            </a:r>
+          </a:p>
+          <a:p>
+            <a:pPr marL="0" indent="0" algn="ctr">
               <a:buNone/>
             </a:pPr>
-            <a:r>
-              <a:rPr lang="en-US" sz="2600" dirty="0">
-                <a:latin typeface="+mj-lt"/>
-              </a:rPr>
-              <a:t>Press “</a:t>
-            </a:r>
-            <a:r>
-              <a:rPr lang="en-US" sz="2600" b="1" dirty="0">
-                <a:solidFill>
-                  <a:schemeClr val="accent1"/>
-                </a:solidFill>
-              </a:rPr>
-              <a:t>L</a:t>
-            </a:r>
-            <a:r>
-              <a:rPr lang="en-US" sz="2600" dirty="0">
-                <a:latin typeface="+mj-lt"/>
-              </a:rPr>
-              <a:t>” if the square is in the </a:t>
-            </a:r>
-            <a:r>
-              <a:rPr lang="en-US" sz="2600" b="1" dirty="0">
-                <a:solidFill>
-                  <a:schemeClr val="accent1"/>
-                </a:solidFill>
-              </a:rPr>
-              <a:t>different</a:t>
-            </a:r>
-            <a:r>
-              <a:rPr lang="en-US" sz="2600" dirty="0">
-                <a:latin typeface="+mj-lt"/>
-              </a:rPr>
-              <a:t> location from the </a:t>
-            </a:r>
-            <a:r>
-              <a:rPr lang="en-US" sz="2600" b="1" dirty="0">
-                <a:solidFill>
-                  <a:schemeClr val="accent1"/>
-                </a:solidFill>
-              </a:rPr>
-              <a:t>2</a:t>
-            </a:r>
-            <a:r>
-              <a:rPr lang="en-US" sz="2600" dirty="0">
-                <a:latin typeface="+mj-lt"/>
-              </a:rPr>
-              <a:t> trials before</a:t>
-            </a:r>
-          </a:p>
-          <a:p>
-            <a:pPr marL="0" indent="0">
+            <a:endParaRPr lang="en-SG" sz="3200" dirty="0"/>
+          </a:p>
+          <a:p>
+            <a:pPr marL="0" indent="0" algn="ctr">
               <a:buNone/>
             </a:pPr>
-            <a:endParaRPr lang="en-US" sz="2600" dirty="0">
-              <a:latin typeface="+mj-lt"/>
-            </a:endParaRPr>
-          </a:p>
-          <a:p>
-            <a:pPr marL="0" indent="0">
-              <a:buNone/>
-            </a:pPr>
-            <a:r>
-              <a:rPr lang="en-US" sz="2600" b="1" dirty="0"/>
-              <a:t>Please try to work as quickly and accurately as possible</a:t>
-            </a:r>
-          </a:p>
-          <a:p>
-            <a:pPr marL="0" indent="0">
-              <a:buNone/>
-            </a:pPr>
-            <a:endParaRPr lang="en-US" sz="2600" b="1" dirty="0"/>
-          </a:p>
-          <a:p>
-            <a:pPr marL="0" indent="0">
-              <a:buNone/>
-            </a:pPr>
-            <a:r>
-              <a:rPr lang="en-US" sz="2600" b="1" dirty="0"/>
-              <a:t>Press any key to continue</a:t>
-            </a:r>
-          </a:p>
-        </p:txBody>
-      </p:sp>
-      <p:sp>
-        <p:nvSpPr>
-          <p:cNvPr id="5" name="Title 1">
-            <a:extLst>
-              <a:ext uri="{FF2B5EF4-FFF2-40B4-BE49-F238E27FC236}">
-                <a16:creationId xmlns:a16="http://schemas.microsoft.com/office/drawing/2014/main" id="{D73BDBF5-7A9F-4E15-AF29-4A0C190914D4}"/>
-              </a:ext>
-            </a:extLst>
-          </p:cNvPr>
-          <p:cNvSpPr>
-            <a:spLocks noGrp="1"/>
-          </p:cNvSpPr>
-          <p:nvPr>
-            <p:ph type="title"/>
-          </p:nvPr>
-        </p:nvSpPr>
-        <p:spPr>
-          <a:xfrm>
-            <a:off x="1704109" y="617714"/>
-            <a:ext cx="5735782" cy="820388"/>
-          </a:xfrm>
-          <a:solidFill>
-            <a:schemeClr val="tx1">
-              <a:lumMod val="50000"/>
-            </a:schemeClr>
-          </a:solidFill>
-        </p:spPr>
-        <p:txBody>
-          <a:bodyPr>
-            <a:normAutofit/>
-          </a:bodyPr>
-          <a:lstStyle/>
-          <a:p>
-            <a:pPr algn="ctr"/>
-            <a:r>
-              <a:rPr lang="en-SG" dirty="0">
-                <a:solidFill>
-                  <a:schemeClr val="bg1"/>
-                </a:solidFill>
-                <a:latin typeface="+mn-lt"/>
-              </a:rPr>
-              <a:t>This is a </a:t>
-            </a:r>
-            <a:r>
-              <a:rPr lang="en-SG" b="1" dirty="0">
-                <a:solidFill>
-                  <a:srgbClr val="FF0000"/>
-                </a:solidFill>
-                <a:latin typeface="+mn-lt"/>
-              </a:rPr>
-              <a:t>3-back</a:t>
-            </a:r>
-            <a:r>
-              <a:rPr lang="en-SG" dirty="0">
-                <a:solidFill>
-                  <a:schemeClr val="bg1"/>
-                </a:solidFill>
-                <a:latin typeface="+mn-lt"/>
-              </a:rPr>
-              <a:t> task</a:t>
-            </a:r>
-            <a:endParaRPr lang="en-US" dirty="0">
-              <a:solidFill>
-                <a:schemeClr val="bg1"/>
-              </a:solidFill>
-              <a:latin typeface="+mn-lt"/>
-            </a:endParaRPr>
+            <a:r>
+              <a:rPr lang="en-SG" sz="3200" dirty="0"/>
+              <a:t>Please relax, keep your mind in it and try your best!</a:t>
+            </a:r>
+            <a:endParaRPr lang="en-US" sz="3200" dirty="0"/>
           </a:p>
         </p:txBody>
       </p:sp>
     </p:spTree>
     <p:extLst>
       <p:ext uri="{BB962C8B-B14F-4D97-AF65-F5344CB8AC3E}">
-        <p14:creationId xmlns:p14="http://schemas.microsoft.com/office/powerpoint/2010/main" val="4031541314"/>
+        <p14:creationId xmlns:p14="http://schemas.microsoft.com/office/powerpoint/2010/main" val="1448015613"/>
       </p:ext>
     </p:extLst>
   </p:cSld>
@@ -4311,10 +5177,10 @@
       </p:grpSpPr>
       <p:sp>
         <p:nvSpPr>
-          <p:cNvPr id="4" name="Content Placeholder 3">
+          <p:cNvPr id="8" name="Content Placeholder 2">
             <a:extLst>
               <a:ext uri="{FF2B5EF4-FFF2-40B4-BE49-F238E27FC236}">
-                <a16:creationId xmlns:a16="http://schemas.microsoft.com/office/drawing/2014/main" id="{69C5B0DB-9E09-499E-BE89-759A8FEDEAEC}"/>
+                <a16:creationId xmlns:a16="http://schemas.microsoft.com/office/drawing/2014/main" id="{C38BEF0F-0A72-4148-9B38-6C3B01FBCA6C}"/>
               </a:ext>
             </a:extLst>
           </p:cNvPr>
@@ -4327,8 +5193,8 @@
         </p:nvSpPr>
         <p:spPr>
           <a:xfrm>
-            <a:off x="0" y="1825625"/>
-            <a:ext cx="9143999" cy="4351338"/>
+            <a:off x="0" y="490601"/>
+            <a:ext cx="9144000" cy="5527814"/>
           </a:xfrm>
         </p:spPr>
         <p:txBody>
@@ -4341,215 +5207,59 @@
               <a:buNone/>
             </a:pPr>
             <a:r>
-              <a:rPr lang="en-US" sz="2600" dirty="0">
-                <a:latin typeface="+mj-lt"/>
-              </a:rPr>
-              <a:t>Press “</a:t>
-            </a:r>
-            <a:r>
-              <a:rPr lang="en-US" sz="2600" b="1" dirty="0">
-                <a:solidFill>
-                  <a:srgbClr val="FF0000"/>
-                </a:solidFill>
-              </a:rPr>
-              <a:t>A</a:t>
-            </a:r>
-            <a:r>
-              <a:rPr lang="en-US" sz="2600" dirty="0">
-                <a:latin typeface="+mj-lt"/>
-              </a:rPr>
-              <a:t>” if the square is in the </a:t>
-            </a:r>
-            <a:r>
-              <a:rPr lang="en-US" sz="2600" b="1" dirty="0">
-                <a:solidFill>
-                  <a:srgbClr val="FF0000"/>
-                </a:solidFill>
-              </a:rPr>
-              <a:t>same</a:t>
-            </a:r>
-            <a:r>
-              <a:rPr lang="en-US" sz="2600" dirty="0">
-                <a:latin typeface="+mj-lt"/>
-              </a:rPr>
-              <a:t> location as the </a:t>
-            </a:r>
-            <a:r>
-              <a:rPr lang="en-US" sz="2600" b="1" dirty="0">
-                <a:solidFill>
-                  <a:srgbClr val="FF0000"/>
-                </a:solidFill>
-              </a:rPr>
-              <a:t>4</a:t>
-            </a:r>
-            <a:r>
-              <a:rPr lang="en-US" sz="2600" dirty="0">
-                <a:latin typeface="+mj-lt"/>
-              </a:rPr>
-              <a:t> trials before</a:t>
+              <a:rPr lang="en-SG" sz="3200" dirty="0"/>
+              <a:t>To make you familiar with the task, you can now practice by doing a 1-back, 2-back, and 3-back.</a:t>
             </a:r>
           </a:p>
           <a:p>
             <a:pPr marL="0" indent="0">
               <a:buNone/>
             </a:pPr>
-            <a:r>
-              <a:rPr lang="en-US" sz="2600" dirty="0">
-                <a:latin typeface="+mj-lt"/>
-              </a:rPr>
-              <a:t>Press “</a:t>
-            </a:r>
-            <a:r>
-              <a:rPr lang="en-US" sz="2600" b="1" dirty="0">
-                <a:solidFill>
-                  <a:schemeClr val="accent1"/>
-                </a:solidFill>
-              </a:rPr>
-              <a:t>L</a:t>
-            </a:r>
-            <a:r>
-              <a:rPr lang="en-US" sz="2600" dirty="0">
-                <a:latin typeface="+mj-lt"/>
-              </a:rPr>
-              <a:t>” if the square is in the </a:t>
-            </a:r>
-            <a:r>
-              <a:rPr lang="en-US" sz="2600" b="1" dirty="0">
-                <a:solidFill>
-                  <a:schemeClr val="accent1"/>
-                </a:solidFill>
-              </a:rPr>
-              <a:t>different</a:t>
-            </a:r>
-            <a:r>
-              <a:rPr lang="en-US" sz="2600" dirty="0">
-                <a:latin typeface="+mj-lt"/>
-              </a:rPr>
-              <a:t> location from the </a:t>
-            </a:r>
-            <a:r>
-              <a:rPr lang="en-US" sz="2600" b="1" dirty="0">
-                <a:solidFill>
-                  <a:schemeClr val="accent1"/>
-                </a:solidFill>
-              </a:rPr>
-              <a:t>4</a:t>
-            </a:r>
-            <a:r>
-              <a:rPr lang="en-US" sz="2600" dirty="0">
-                <a:latin typeface="+mj-lt"/>
-              </a:rPr>
-              <a:t> trials before</a:t>
-            </a:r>
+            <a:endParaRPr lang="en-SG" sz="3200" dirty="0"/>
           </a:p>
           <a:p>
             <a:pPr marL="0" indent="0">
               <a:buNone/>
             </a:pPr>
-            <a:endParaRPr lang="en-US" sz="2600" dirty="0">
-              <a:latin typeface="+mj-lt"/>
-            </a:endParaRPr>
+            <a:r>
+              <a:rPr lang="en-SG" sz="3200" dirty="0"/>
+              <a:t>For the first n-trials of the task, please press “</a:t>
+            </a:r>
+            <a:r>
+              <a:rPr lang="en-SG" sz="3200" dirty="0">
+                <a:solidFill>
+                  <a:srgbClr val="0070C0"/>
+                </a:solidFill>
+              </a:rPr>
+              <a:t>L</a:t>
+            </a:r>
+            <a:r>
+              <a:rPr lang="en-SG" sz="3200" dirty="0"/>
+              <a:t>” as there are no trials to compare with.</a:t>
+            </a:r>
           </a:p>
           <a:p>
             <a:pPr marL="0" indent="0">
               <a:buNone/>
             </a:pPr>
-            <a:r>
-              <a:rPr lang="en-US" sz="2600" b="1" dirty="0"/>
-              <a:t>Please try to work as quickly and accurately as possible</a:t>
-            </a:r>
+            <a:endParaRPr lang="en-SG" sz="3200" dirty="0"/>
           </a:p>
           <a:p>
             <a:pPr marL="0" indent="0">
               <a:buNone/>
             </a:pPr>
-            <a:endParaRPr lang="en-US" sz="2600" b="1" dirty="0"/>
-          </a:p>
-          <a:p>
-            <a:pPr marL="0" indent="0">
-              <a:buNone/>
-            </a:pPr>
-            <a:r>
-              <a:rPr lang="en-US" sz="2600" b="1" dirty="0"/>
-              <a:t>Press any key to continue</a:t>
-            </a:r>
-          </a:p>
-        </p:txBody>
-      </p:sp>
-      <p:sp>
-        <p:nvSpPr>
-          <p:cNvPr id="5" name="Title 1">
-            <a:extLst>
-              <a:ext uri="{FF2B5EF4-FFF2-40B4-BE49-F238E27FC236}">
-                <a16:creationId xmlns:a16="http://schemas.microsoft.com/office/drawing/2014/main" id="{D73BDBF5-7A9F-4E15-AF29-4A0C190914D4}"/>
-              </a:ext>
-            </a:extLst>
-          </p:cNvPr>
-          <p:cNvSpPr>
-            <a:spLocks noGrp="1"/>
-          </p:cNvSpPr>
-          <p:nvPr>
-            <p:ph type="title"/>
-          </p:nvPr>
-        </p:nvSpPr>
-        <p:spPr>
-          <a:xfrm>
-            <a:off x="1704109" y="617714"/>
-            <a:ext cx="5735782" cy="820388"/>
-          </a:xfrm>
-          <a:solidFill>
-            <a:schemeClr val="tx1">
-              <a:lumMod val="50000"/>
-            </a:schemeClr>
-          </a:solidFill>
-        </p:spPr>
-        <p:txBody>
-          <a:bodyPr>
-            <a:normAutofit/>
-          </a:bodyPr>
-          <a:lstStyle/>
-          <a:p>
-            <a:pPr algn="ctr"/>
-            <a:r>
-              <a:rPr lang="en-SG" dirty="0">
-                <a:solidFill>
-                  <a:schemeClr val="bg1"/>
-                </a:solidFill>
-                <a:latin typeface="+mn-lt"/>
-              </a:rPr>
-              <a:t>This is a </a:t>
-            </a:r>
-            <a:r>
-              <a:rPr lang="en-SG" b="1" dirty="0">
-                <a:solidFill>
-                  <a:srgbClr val="FF0000"/>
-                </a:solidFill>
-                <a:latin typeface="+mn-lt"/>
-              </a:rPr>
-              <a:t>4-back</a:t>
-            </a:r>
-            <a:r>
-              <a:rPr lang="en-SG" dirty="0">
-                <a:solidFill>
-                  <a:schemeClr val="bg1"/>
-                </a:solidFill>
-                <a:latin typeface="+mn-lt"/>
-              </a:rPr>
-              <a:t> task</a:t>
-            </a:r>
-            <a:endParaRPr lang="en-US" dirty="0">
-              <a:solidFill>
-                <a:schemeClr val="bg1"/>
-              </a:solidFill>
-              <a:latin typeface="+mn-lt"/>
-            </a:endParaRPr>
+            <a:r>
+              <a:rPr lang="en-SG" sz="3200" dirty="0"/>
+              <a:t>If you have forgotten the pattern during the task, please restart the count from that trial.</a:t>
+            </a:r>
+            <a:endParaRPr lang="en-US" sz="3200" dirty="0"/>
           </a:p>
         </p:txBody>
       </p:sp>
     </p:spTree>
     <p:extLst>
       <p:ext uri="{BB962C8B-B14F-4D97-AF65-F5344CB8AC3E}">
-        <p14:creationId xmlns:p14="http://schemas.microsoft.com/office/powerpoint/2010/main" val="3141238534"/>
+        <p14:creationId xmlns:p14="http://schemas.microsoft.com/office/powerpoint/2010/main" val="1184106991"/>
       </p:ext>
     </p:extLst>
   </p:cSld>
@@ -6917,6 +7627,273 @@
       </p:grpSpPr>
       <p:sp>
         <p:nvSpPr>
+          <p:cNvPr id="4" name="Content Placeholder 3">
+            <a:extLst>
+              <a:ext uri="{FF2B5EF4-FFF2-40B4-BE49-F238E27FC236}">
+                <a16:creationId xmlns:a16="http://schemas.microsoft.com/office/drawing/2014/main" id="{69C5B0DB-9E09-499E-BE89-759A8FEDEAEC}"/>
+              </a:ext>
+            </a:extLst>
+          </p:cNvPr>
+          <p:cNvSpPr>
+            <a:spLocks noGrp="1"/>
+          </p:cNvSpPr>
+          <p:nvPr>
+            <p:ph idx="1"/>
+          </p:nvPr>
+        </p:nvSpPr>
+        <p:spPr>
+          <a:xfrm>
+            <a:off x="1" y="1825625"/>
+            <a:ext cx="9144000" cy="4351338"/>
+          </a:xfrm>
+        </p:spPr>
+        <p:txBody>
+          <a:bodyPr>
+            <a:normAutofit/>
+          </a:bodyPr>
+          <a:lstStyle/>
+          <a:p>
+            <a:pPr marL="0" indent="0">
+              <a:buNone/>
+            </a:pPr>
+            <a:r>
+              <a:rPr lang="en-US" sz="2600" dirty="0">
+                <a:latin typeface="+mj-lt"/>
+              </a:rPr>
+              <a:t>Press “</a:t>
+            </a:r>
+            <a:r>
+              <a:rPr lang="en-US" sz="2600" b="1" dirty="0">
+                <a:solidFill>
+                  <a:srgbClr val="FF0000"/>
+                </a:solidFill>
+              </a:rPr>
+              <a:t>A</a:t>
+            </a:r>
+            <a:r>
+              <a:rPr lang="en-US" sz="2600" dirty="0">
+                <a:latin typeface="+mj-lt"/>
+              </a:rPr>
+              <a:t>” if the square is in the </a:t>
+            </a:r>
+            <a:r>
+              <a:rPr lang="en-US" sz="2600" b="1" dirty="0">
+                <a:solidFill>
+                  <a:srgbClr val="FF0000"/>
+                </a:solidFill>
+              </a:rPr>
+              <a:t>same</a:t>
+            </a:r>
+            <a:r>
+              <a:rPr lang="en-US" sz="2600" dirty="0">
+                <a:latin typeface="+mj-lt"/>
+              </a:rPr>
+              <a:t> location as the </a:t>
+            </a:r>
+            <a:r>
+              <a:rPr lang="en-US" sz="2600" b="1" dirty="0">
+                <a:solidFill>
+                  <a:srgbClr val="FF0000"/>
+                </a:solidFill>
+              </a:rPr>
+              <a:t>1</a:t>
+            </a:r>
+            <a:r>
+              <a:rPr lang="en-US" sz="2600" dirty="0">
+                <a:latin typeface="+mj-lt"/>
+              </a:rPr>
+              <a:t> trial before</a:t>
+            </a:r>
+          </a:p>
+          <a:p>
+            <a:pPr marL="0" indent="0">
+              <a:buNone/>
+            </a:pPr>
+            <a:r>
+              <a:rPr lang="en-US" sz="2600" dirty="0">
+                <a:latin typeface="+mj-lt"/>
+              </a:rPr>
+              <a:t>Press “</a:t>
+            </a:r>
+            <a:r>
+              <a:rPr lang="en-US" sz="2600" b="1" dirty="0">
+                <a:solidFill>
+                  <a:schemeClr val="accent1"/>
+                </a:solidFill>
+              </a:rPr>
+              <a:t>L</a:t>
+            </a:r>
+            <a:r>
+              <a:rPr lang="en-US" sz="2600" dirty="0">
+                <a:latin typeface="+mj-lt"/>
+              </a:rPr>
+              <a:t>” if the square is in the </a:t>
+            </a:r>
+            <a:r>
+              <a:rPr lang="en-US" sz="2600" b="1" dirty="0">
+                <a:solidFill>
+                  <a:schemeClr val="accent1"/>
+                </a:solidFill>
+              </a:rPr>
+              <a:t>different</a:t>
+            </a:r>
+            <a:r>
+              <a:rPr lang="en-US" sz="2600" dirty="0">
+                <a:latin typeface="+mj-lt"/>
+              </a:rPr>
+              <a:t> location from the </a:t>
+            </a:r>
+            <a:r>
+              <a:rPr lang="en-US" sz="2600" b="1" dirty="0">
+                <a:solidFill>
+                  <a:schemeClr val="accent1"/>
+                </a:solidFill>
+              </a:rPr>
+              <a:t>1</a:t>
+            </a:r>
+            <a:r>
+              <a:rPr lang="en-US" sz="2600" dirty="0">
+                <a:latin typeface="+mj-lt"/>
+              </a:rPr>
+              <a:t> trial before</a:t>
+            </a:r>
+          </a:p>
+          <a:p>
+            <a:pPr marL="0" indent="0">
+              <a:buNone/>
+            </a:pPr>
+            <a:endParaRPr lang="en-US" sz="2600" dirty="0">
+              <a:latin typeface="+mj-lt"/>
+            </a:endParaRPr>
+          </a:p>
+          <a:p>
+            <a:pPr marL="0" indent="0">
+              <a:buNone/>
+            </a:pPr>
+            <a:r>
+              <a:rPr lang="en-US" sz="2600" b="1" dirty="0"/>
+              <a:t>Please try to work as quickly and accurately as possible</a:t>
+            </a:r>
+          </a:p>
+          <a:p>
+            <a:pPr marL="0" indent="0">
+              <a:buNone/>
+            </a:pPr>
+            <a:endParaRPr lang="en-US" sz="2600" b="1" dirty="0"/>
+          </a:p>
+          <a:p>
+            <a:pPr marL="0" indent="0">
+              <a:buNone/>
+            </a:pPr>
+            <a:r>
+              <a:rPr lang="en-US" sz="2600" b="1" dirty="0"/>
+              <a:t>Press any key to continue</a:t>
+            </a:r>
+          </a:p>
+        </p:txBody>
+      </p:sp>
+      <p:sp>
+        <p:nvSpPr>
+          <p:cNvPr id="5" name="Title 1">
+            <a:extLst>
+              <a:ext uri="{FF2B5EF4-FFF2-40B4-BE49-F238E27FC236}">
+                <a16:creationId xmlns:a16="http://schemas.microsoft.com/office/drawing/2014/main" id="{D73BDBF5-7A9F-4E15-AF29-4A0C190914D4}"/>
+              </a:ext>
+            </a:extLst>
+          </p:cNvPr>
+          <p:cNvSpPr>
+            <a:spLocks noGrp="1"/>
+          </p:cNvSpPr>
+          <p:nvPr>
+            <p:ph type="title"/>
+          </p:nvPr>
+        </p:nvSpPr>
+        <p:spPr>
+          <a:xfrm>
+            <a:off x="1704109" y="617714"/>
+            <a:ext cx="5735782" cy="820388"/>
+          </a:xfrm>
+          <a:solidFill>
+            <a:schemeClr val="tx1">
+              <a:lumMod val="50000"/>
+            </a:schemeClr>
+          </a:solidFill>
+        </p:spPr>
+        <p:txBody>
+          <a:bodyPr>
+            <a:normAutofit/>
+          </a:bodyPr>
+          <a:lstStyle/>
+          <a:p>
+            <a:pPr algn="ctr"/>
+            <a:r>
+              <a:rPr lang="en-SG" dirty="0">
+                <a:solidFill>
+                  <a:schemeClr val="bg1"/>
+                </a:solidFill>
+                <a:latin typeface="+mn-lt"/>
+              </a:rPr>
+              <a:t>This is a </a:t>
+            </a:r>
+            <a:r>
+              <a:rPr lang="en-SG" b="1" dirty="0">
+                <a:solidFill>
+                  <a:srgbClr val="FF0000"/>
+                </a:solidFill>
+                <a:latin typeface="+mn-lt"/>
+              </a:rPr>
+              <a:t>1-back</a:t>
+            </a:r>
+            <a:r>
+              <a:rPr lang="en-SG" dirty="0">
+                <a:solidFill>
+                  <a:schemeClr val="bg1"/>
+                </a:solidFill>
+                <a:latin typeface="+mn-lt"/>
+              </a:rPr>
+              <a:t> task</a:t>
+            </a:r>
+            <a:endParaRPr lang="en-US" dirty="0">
+              <a:solidFill>
+                <a:schemeClr val="bg1"/>
+              </a:solidFill>
+              <a:latin typeface="+mn-lt"/>
+            </a:endParaRPr>
+          </a:p>
+        </p:txBody>
+      </p:sp>
+    </p:spTree>
+    <p:extLst>
+      <p:ext uri="{BB962C8B-B14F-4D97-AF65-F5344CB8AC3E}">
+        <p14:creationId xmlns:p14="http://schemas.microsoft.com/office/powerpoint/2010/main" val="903795691"/>
+      </p:ext>
+    </p:extLst>
+  </p:cSld>
+  <p:clrMapOvr>
+    <a:masterClrMapping/>
+  </p:clrMapOvr>
+</p:sld>
+</file>
+
+<file path=ppt/slides/slide6.xml><?xml version="1.0" encoding="utf-8"?>
+<p:sld xmlns:a="http://schemas.openxmlformats.org/drawingml/2006/main" xmlns:r="http://schemas.openxmlformats.org/officeDocument/2006/relationships" xmlns:p="http://schemas.openxmlformats.org/presentationml/2006/main">
+  <p:cSld>
+    <p:spTree>
+      <p:nvGrpSpPr>
+        <p:cNvPr id="1" name=""/>
+        <p:cNvGrpSpPr/>
+        <p:nvPr/>
+      </p:nvGrpSpPr>
+      <p:grpSpPr>
+        <a:xfrm>
+          <a:off x="0" y="0"/>
+          <a:ext cx="0" cy="0"/>
+          <a:chOff x="0" y="0"/>
+          <a:chExt cx="0" cy="0"/>
+        </a:xfrm>
+      </p:grpSpPr>
+      <p:sp>
+        <p:nvSpPr>
           <p:cNvPr id="3" name="Content Placeholder 2">
             <a:extLst>
               <a:ext uri="{FF2B5EF4-FFF2-40B4-BE49-F238E27FC236}">
@@ -8449,7 +9426,274 @@
 </p:sld>
 </file>
 
-<file path=ppt/slides/slide6.xml><?xml version="1.0" encoding="utf-8"?>
+<file path=ppt/slides/slide7.xml><?xml version="1.0" encoding="utf-8"?>
+<p:sld xmlns:a="http://schemas.openxmlformats.org/drawingml/2006/main" xmlns:r="http://schemas.openxmlformats.org/officeDocument/2006/relationships" xmlns:p="http://schemas.openxmlformats.org/presentationml/2006/main">
+  <p:cSld>
+    <p:spTree>
+      <p:nvGrpSpPr>
+        <p:cNvPr id="1" name=""/>
+        <p:cNvGrpSpPr/>
+        <p:nvPr/>
+      </p:nvGrpSpPr>
+      <p:grpSpPr>
+        <a:xfrm>
+          <a:off x="0" y="0"/>
+          <a:ext cx="0" cy="0"/>
+          <a:chOff x="0" y="0"/>
+          <a:chExt cx="0" cy="0"/>
+        </a:xfrm>
+      </p:grpSpPr>
+      <p:sp>
+        <p:nvSpPr>
+          <p:cNvPr id="4" name="Content Placeholder 3">
+            <a:extLst>
+              <a:ext uri="{FF2B5EF4-FFF2-40B4-BE49-F238E27FC236}">
+                <a16:creationId xmlns:a16="http://schemas.microsoft.com/office/drawing/2014/main" id="{69C5B0DB-9E09-499E-BE89-759A8FEDEAEC}"/>
+              </a:ext>
+            </a:extLst>
+          </p:cNvPr>
+          <p:cNvSpPr>
+            <a:spLocks noGrp="1"/>
+          </p:cNvSpPr>
+          <p:nvPr>
+            <p:ph idx="1"/>
+          </p:nvPr>
+        </p:nvSpPr>
+        <p:spPr>
+          <a:xfrm>
+            <a:off x="0" y="1825625"/>
+            <a:ext cx="9143999" cy="4351338"/>
+          </a:xfrm>
+        </p:spPr>
+        <p:txBody>
+          <a:bodyPr>
+            <a:normAutofit/>
+          </a:bodyPr>
+          <a:lstStyle/>
+          <a:p>
+            <a:pPr marL="0" indent="0">
+              <a:buNone/>
+            </a:pPr>
+            <a:r>
+              <a:rPr lang="en-US" sz="2600" dirty="0">
+                <a:latin typeface="+mj-lt"/>
+              </a:rPr>
+              <a:t>Press “</a:t>
+            </a:r>
+            <a:r>
+              <a:rPr lang="en-US" sz="2600" b="1" dirty="0">
+                <a:solidFill>
+                  <a:srgbClr val="FF0000"/>
+                </a:solidFill>
+              </a:rPr>
+              <a:t>A</a:t>
+            </a:r>
+            <a:r>
+              <a:rPr lang="en-US" sz="2600" dirty="0">
+                <a:latin typeface="+mj-lt"/>
+              </a:rPr>
+              <a:t>” if the square is in the </a:t>
+            </a:r>
+            <a:r>
+              <a:rPr lang="en-US" sz="2600" b="1" dirty="0">
+                <a:solidFill>
+                  <a:srgbClr val="FF0000"/>
+                </a:solidFill>
+              </a:rPr>
+              <a:t>same</a:t>
+            </a:r>
+            <a:r>
+              <a:rPr lang="en-US" sz="2600" dirty="0">
+                <a:latin typeface="+mj-lt"/>
+              </a:rPr>
+              <a:t> location as the </a:t>
+            </a:r>
+            <a:r>
+              <a:rPr lang="en-US" sz="2600" b="1" dirty="0">
+                <a:solidFill>
+                  <a:srgbClr val="FF0000"/>
+                </a:solidFill>
+              </a:rPr>
+              <a:t>2</a:t>
+            </a:r>
+            <a:r>
+              <a:rPr lang="en-US" sz="2600" dirty="0">
+                <a:latin typeface="+mj-lt"/>
+              </a:rPr>
+              <a:t> trials before</a:t>
+            </a:r>
+          </a:p>
+          <a:p>
+            <a:pPr marL="0" indent="0">
+              <a:buNone/>
+            </a:pPr>
+            <a:r>
+              <a:rPr lang="en-US" sz="2600" dirty="0">
+                <a:latin typeface="+mj-lt"/>
+              </a:rPr>
+              <a:t>Press “</a:t>
+            </a:r>
+            <a:r>
+              <a:rPr lang="en-US" sz="2600" b="1" dirty="0">
+                <a:solidFill>
+                  <a:schemeClr val="accent1"/>
+                </a:solidFill>
+              </a:rPr>
+              <a:t>L</a:t>
+            </a:r>
+            <a:r>
+              <a:rPr lang="en-US" sz="2600" dirty="0">
+                <a:latin typeface="+mj-lt"/>
+              </a:rPr>
+              <a:t>” if the square is in the </a:t>
+            </a:r>
+            <a:r>
+              <a:rPr lang="en-US" sz="2600" b="1" dirty="0">
+                <a:solidFill>
+                  <a:schemeClr val="accent1"/>
+                </a:solidFill>
+              </a:rPr>
+              <a:t>different</a:t>
+            </a:r>
+            <a:r>
+              <a:rPr lang="en-US" sz="2600" dirty="0">
+                <a:latin typeface="+mj-lt"/>
+              </a:rPr>
+              <a:t> location from the </a:t>
+            </a:r>
+            <a:r>
+              <a:rPr lang="en-US" sz="2600" b="1" dirty="0">
+                <a:solidFill>
+                  <a:schemeClr val="accent1"/>
+                </a:solidFill>
+              </a:rPr>
+              <a:t>2</a:t>
+            </a:r>
+            <a:r>
+              <a:rPr lang="en-US" sz="2600" dirty="0">
+                <a:latin typeface="+mj-lt"/>
+              </a:rPr>
+              <a:t> trials before</a:t>
+            </a:r>
+          </a:p>
+          <a:p>
+            <a:pPr marL="0" indent="0">
+              <a:buNone/>
+            </a:pPr>
+            <a:endParaRPr lang="en-US" sz="2600" dirty="0">
+              <a:latin typeface="+mj-lt"/>
+            </a:endParaRPr>
+          </a:p>
+          <a:p>
+            <a:pPr marL="0" indent="0">
+              <a:buNone/>
+            </a:pPr>
+            <a:r>
+              <a:rPr lang="en-US" sz="2600" b="1" dirty="0"/>
+              <a:t>Please try to work as quickly and accurately as possible</a:t>
+            </a:r>
+          </a:p>
+          <a:p>
+            <a:pPr marL="0" indent="0">
+              <a:buNone/>
+            </a:pPr>
+            <a:endParaRPr lang="en-US" sz="2600" b="1" dirty="0"/>
+          </a:p>
+          <a:p>
+            <a:pPr marL="0" indent="0">
+              <a:buNone/>
+            </a:pPr>
+            <a:r>
+              <a:rPr lang="en-US" sz="2600" b="1" dirty="0"/>
+              <a:t>Press any key to continue</a:t>
+            </a:r>
+          </a:p>
+        </p:txBody>
+      </p:sp>
+      <p:sp>
+        <p:nvSpPr>
+          <p:cNvPr id="5" name="Title 1">
+            <a:extLst>
+              <a:ext uri="{FF2B5EF4-FFF2-40B4-BE49-F238E27FC236}">
+                <a16:creationId xmlns:a16="http://schemas.microsoft.com/office/drawing/2014/main" id="{D73BDBF5-7A9F-4E15-AF29-4A0C190914D4}"/>
+              </a:ext>
+            </a:extLst>
+          </p:cNvPr>
+          <p:cNvSpPr>
+            <a:spLocks noGrp="1"/>
+          </p:cNvSpPr>
+          <p:nvPr>
+            <p:ph type="title"/>
+          </p:nvPr>
+        </p:nvSpPr>
+        <p:spPr>
+          <a:xfrm>
+            <a:off x="1704109" y="617714"/>
+            <a:ext cx="5735782" cy="820388"/>
+          </a:xfrm>
+          <a:solidFill>
+            <a:schemeClr val="tx1">
+              <a:lumMod val="50000"/>
+            </a:schemeClr>
+          </a:solidFill>
+        </p:spPr>
+        <p:txBody>
+          <a:bodyPr>
+            <a:normAutofit/>
+          </a:bodyPr>
+          <a:lstStyle/>
+          <a:p>
+            <a:pPr algn="ctr"/>
+            <a:r>
+              <a:rPr lang="en-SG" dirty="0">
+                <a:solidFill>
+                  <a:schemeClr val="bg1"/>
+                </a:solidFill>
+                <a:latin typeface="+mn-lt"/>
+              </a:rPr>
+              <a:t>This is a </a:t>
+            </a:r>
+            <a:r>
+              <a:rPr lang="en-SG" b="1" dirty="0">
+                <a:solidFill>
+                  <a:srgbClr val="FF0000"/>
+                </a:solidFill>
+                <a:latin typeface="+mn-lt"/>
+              </a:rPr>
+              <a:t>2-back</a:t>
+            </a:r>
+            <a:r>
+              <a:rPr lang="en-SG" dirty="0">
+                <a:solidFill>
+                  <a:schemeClr val="bg1"/>
+                </a:solidFill>
+                <a:latin typeface="+mn-lt"/>
+              </a:rPr>
+              <a:t> task</a:t>
+            </a:r>
+            <a:endParaRPr lang="en-US" dirty="0">
+              <a:solidFill>
+                <a:schemeClr val="bg1"/>
+              </a:solidFill>
+              <a:latin typeface="+mn-lt"/>
+            </a:endParaRPr>
+          </a:p>
+        </p:txBody>
+      </p:sp>
+    </p:spTree>
+    <p:extLst>
+      <p:ext uri="{BB962C8B-B14F-4D97-AF65-F5344CB8AC3E}">
+        <p14:creationId xmlns:p14="http://schemas.microsoft.com/office/powerpoint/2010/main" val="1135333401"/>
+      </p:ext>
+    </p:extLst>
+  </p:cSld>
+  <p:clrMapOvr>
+    <a:masterClrMapping/>
+  </p:clrMapOvr>
+</p:sld>
+</file>
+
+<file path=ppt/slides/slide8.xml><?xml version="1.0" encoding="utf-8"?>
 <p:sld xmlns:a="http://schemas.openxmlformats.org/drawingml/2006/main" xmlns:r="http://schemas.openxmlformats.org/officeDocument/2006/relationships" xmlns:p="http://schemas.openxmlformats.org/presentationml/2006/main">
   <p:cSld>
     <p:spTree>
@@ -9686,1406 +10930,6 @@
 </p:sld>
 </file>
 
-<file path=ppt/slides/slide7.xml><?xml version="1.0" encoding="utf-8"?>
-<p:sld xmlns:a="http://schemas.openxmlformats.org/drawingml/2006/main" xmlns:r="http://schemas.openxmlformats.org/officeDocument/2006/relationships" xmlns:p="http://schemas.openxmlformats.org/presentationml/2006/main">
-  <p:cSld>
-    <p:spTree>
-      <p:nvGrpSpPr>
-        <p:cNvPr id="1" name=""/>
-        <p:cNvGrpSpPr/>
-        <p:nvPr/>
-      </p:nvGrpSpPr>
-      <p:grpSpPr>
-        <a:xfrm>
-          <a:off x="0" y="0"/>
-          <a:ext cx="0" cy="0"/>
-          <a:chOff x="0" y="0"/>
-          <a:chExt cx="0" cy="0"/>
-        </a:xfrm>
-      </p:grpSpPr>
-      <p:sp>
-        <p:nvSpPr>
-          <p:cNvPr id="3" name="Content Placeholder 2">
-            <a:extLst>
-              <a:ext uri="{FF2B5EF4-FFF2-40B4-BE49-F238E27FC236}">
-                <a16:creationId xmlns:a16="http://schemas.microsoft.com/office/drawing/2014/main" id="{2440B2AA-4341-4D3C-BA74-F74A6A49AD63}"/>
-              </a:ext>
-            </a:extLst>
-          </p:cNvPr>
-          <p:cNvSpPr>
-            <a:spLocks noGrp="1"/>
-          </p:cNvSpPr>
-          <p:nvPr>
-            <p:ph idx="1"/>
-          </p:nvPr>
-        </p:nvSpPr>
-        <p:spPr>
-          <a:xfrm>
-            <a:off x="628650" y="374254"/>
-            <a:ext cx="7886700" cy="1325563"/>
-          </a:xfrm>
-        </p:spPr>
-        <p:txBody>
-          <a:bodyPr>
-            <a:noAutofit/>
-          </a:bodyPr>
-          <a:lstStyle/>
-          <a:p>
-            <a:pPr marL="0" indent="0">
-              <a:buNone/>
-            </a:pPr>
-            <a:r>
-              <a:rPr lang="en-SG" sz="2000" dirty="0"/>
-              <a:t>If you are asked to do a </a:t>
-            </a:r>
-            <a:r>
-              <a:rPr lang="en-SG" sz="2000" b="1" dirty="0">
-                <a:solidFill>
-                  <a:srgbClr val="FF0000"/>
-                </a:solidFill>
-              </a:rPr>
-              <a:t>4-back</a:t>
-            </a:r>
-            <a:r>
-              <a:rPr lang="en-SG" sz="2000" dirty="0"/>
-              <a:t> task:</a:t>
-            </a:r>
-          </a:p>
-          <a:p>
-            <a:pPr marL="0" indent="0">
-              <a:buNone/>
-            </a:pPr>
-            <a:r>
-              <a:rPr lang="en-US" sz="2000" dirty="0">
-                <a:latin typeface="+mj-lt"/>
-              </a:rPr>
-              <a:t>Press “</a:t>
-            </a:r>
-            <a:r>
-              <a:rPr lang="en-US" sz="2000" b="1" dirty="0">
-                <a:solidFill>
-                  <a:srgbClr val="FF0000"/>
-                </a:solidFill>
-              </a:rPr>
-              <a:t>A</a:t>
-            </a:r>
-            <a:r>
-              <a:rPr lang="en-US" sz="2000" dirty="0">
-                <a:latin typeface="+mj-lt"/>
-              </a:rPr>
-              <a:t>” if the square is in the </a:t>
-            </a:r>
-            <a:r>
-              <a:rPr lang="en-US" sz="2000" b="1" dirty="0">
-                <a:solidFill>
-                  <a:srgbClr val="FF0000"/>
-                </a:solidFill>
-              </a:rPr>
-              <a:t>same</a:t>
-            </a:r>
-            <a:r>
-              <a:rPr lang="en-US" sz="2000" dirty="0">
-                <a:latin typeface="+mj-lt"/>
-              </a:rPr>
-              <a:t> location as the </a:t>
-            </a:r>
-            <a:r>
-              <a:rPr lang="en-US" sz="2000" b="1" dirty="0">
-                <a:solidFill>
-                  <a:srgbClr val="FF0000"/>
-                </a:solidFill>
-              </a:rPr>
-              <a:t>4</a:t>
-            </a:r>
-            <a:r>
-              <a:rPr lang="en-US" sz="2000" dirty="0">
-                <a:latin typeface="+mj-lt"/>
-              </a:rPr>
-              <a:t> trials before</a:t>
-            </a:r>
-            <a:br>
-              <a:rPr lang="en-US" sz="2000" dirty="0">
-                <a:latin typeface="+mj-lt"/>
-              </a:rPr>
-            </a:br>
-            <a:r>
-              <a:rPr lang="en-US" sz="2000" dirty="0">
-                <a:latin typeface="+mj-lt"/>
-              </a:rPr>
-              <a:t>Press “</a:t>
-            </a:r>
-            <a:r>
-              <a:rPr lang="en-US" sz="2000" b="1" dirty="0">
-                <a:solidFill>
-                  <a:schemeClr val="accent1"/>
-                </a:solidFill>
-                <a:latin typeface="+mj-lt"/>
-              </a:rPr>
-              <a:t>L</a:t>
-            </a:r>
-            <a:r>
-              <a:rPr lang="en-US" sz="2000" dirty="0">
-                <a:latin typeface="+mj-lt"/>
-              </a:rPr>
-              <a:t>” if the square is in the </a:t>
-            </a:r>
-            <a:r>
-              <a:rPr lang="en-US" sz="2000" b="1" dirty="0">
-                <a:solidFill>
-                  <a:schemeClr val="accent1"/>
-                </a:solidFill>
-              </a:rPr>
-              <a:t>different</a:t>
-            </a:r>
-            <a:r>
-              <a:rPr lang="en-US" sz="2000" dirty="0">
-                <a:latin typeface="+mj-lt"/>
-              </a:rPr>
-              <a:t> location than </a:t>
-            </a:r>
-            <a:r>
-              <a:rPr lang="en-US" sz="2000" b="1" dirty="0">
-                <a:solidFill>
-                  <a:schemeClr val="accent1"/>
-                </a:solidFill>
-              </a:rPr>
-              <a:t>4</a:t>
-            </a:r>
-            <a:r>
-              <a:rPr lang="en-US" sz="2000" dirty="0">
-                <a:latin typeface="+mj-lt"/>
-              </a:rPr>
-              <a:t> trials before</a:t>
-            </a:r>
-          </a:p>
-        </p:txBody>
-      </p:sp>
-      <p:pic>
-        <p:nvPicPr>
-          <p:cNvPr id="9" name="Picture 8" descr="A picture containing object&#10;&#10;Description automatically generated">
-            <a:extLst>
-              <a:ext uri="{FF2B5EF4-FFF2-40B4-BE49-F238E27FC236}">
-                <a16:creationId xmlns:a16="http://schemas.microsoft.com/office/drawing/2014/main" id="{6A3A441B-6FF9-44A1-836E-A5102A04AF7C}"/>
-              </a:ext>
-            </a:extLst>
-          </p:cNvPr>
-          <p:cNvPicPr>
-            <a:picLocks noChangeAspect="1"/>
-          </p:cNvPicPr>
-          <p:nvPr/>
-        </p:nvPicPr>
-        <p:blipFill rotWithShape="1">
-          <a:blip r:embed="rId2">
-            <a:extLst>
-              <a:ext uri="{28A0092B-C50C-407E-A947-70E740481C1C}">
-                <a14:useLocalDpi xmlns:a14="http://schemas.microsoft.com/office/drawing/2010/main" val="0"/>
-              </a:ext>
-            </a:extLst>
-          </a:blip>
-          <a:srcRect l="22420" t="16030" r="23095" b="22082"/>
-          <a:stretch/>
-        </p:blipFill>
-        <p:spPr>
-          <a:xfrm>
-            <a:off x="3978568" y="2331890"/>
-            <a:ext cx="1151470" cy="1046340"/>
-          </a:xfrm>
-          <a:prstGeom prst="rect">
-            <a:avLst/>
-          </a:prstGeom>
-        </p:spPr>
-      </p:pic>
-      <p:pic>
-        <p:nvPicPr>
-          <p:cNvPr id="10" name="Picture 9" descr="A picture containing object&#10;&#10;Description automatically generated">
-            <a:extLst>
-              <a:ext uri="{FF2B5EF4-FFF2-40B4-BE49-F238E27FC236}">
-                <a16:creationId xmlns:a16="http://schemas.microsoft.com/office/drawing/2014/main" id="{78CF0A7C-3F30-45D9-9B91-E9D37B41657C}"/>
-              </a:ext>
-            </a:extLst>
-          </p:cNvPr>
-          <p:cNvPicPr>
-            <a:picLocks noChangeAspect="1"/>
-          </p:cNvPicPr>
-          <p:nvPr/>
-        </p:nvPicPr>
-        <p:blipFill rotWithShape="1">
-          <a:blip r:embed="rId3">
-            <a:extLst>
-              <a:ext uri="{28A0092B-C50C-407E-A947-70E740481C1C}">
-                <a14:useLocalDpi xmlns:a14="http://schemas.microsoft.com/office/drawing/2010/main" val="0"/>
-              </a:ext>
-            </a:extLst>
-          </a:blip>
-          <a:srcRect l="22757" t="14950" r="22757" b="23162"/>
-          <a:stretch/>
-        </p:blipFill>
-        <p:spPr>
-          <a:xfrm>
-            <a:off x="2648717" y="2313384"/>
-            <a:ext cx="1151470" cy="1046340"/>
-          </a:xfrm>
-          <a:prstGeom prst="rect">
-            <a:avLst/>
-          </a:prstGeom>
-        </p:spPr>
-      </p:pic>
-      <p:sp>
-        <p:nvSpPr>
-          <p:cNvPr id="11" name="TextBox 10">
-            <a:extLst>
-              <a:ext uri="{FF2B5EF4-FFF2-40B4-BE49-F238E27FC236}">
-                <a16:creationId xmlns:a16="http://schemas.microsoft.com/office/drawing/2014/main" id="{48249035-653E-4E93-8EE9-B657746B2CF8}"/>
-              </a:ext>
-            </a:extLst>
-          </p:cNvPr>
-          <p:cNvSpPr txBox="1"/>
-          <p:nvPr/>
-        </p:nvSpPr>
-        <p:spPr>
-          <a:xfrm>
-            <a:off x="140264" y="3509706"/>
-            <a:ext cx="997966" cy="338554"/>
-          </a:xfrm>
-          <a:prstGeom prst="rect">
-            <a:avLst/>
-          </a:prstGeom>
-          <a:noFill/>
-        </p:spPr>
-        <p:txBody>
-          <a:bodyPr wrap="none" rtlCol="0">
-            <a:spAutoFit/>
-          </a:bodyPr>
-          <a:lstStyle/>
-          <a:p>
-            <a:r>
-              <a:rPr lang="en-SG" sz="1600" dirty="0"/>
-              <a:t>1</a:t>
-            </a:r>
-            <a:r>
-              <a:rPr lang="en-US" sz="1600" baseline="30000" dirty="0" err="1"/>
-              <a:t>st</a:t>
-            </a:r>
-            <a:r>
-              <a:rPr lang="en-US" sz="1600" dirty="0"/>
-              <a:t> square</a:t>
-            </a:r>
-          </a:p>
-        </p:txBody>
-      </p:sp>
-      <p:sp>
-        <p:nvSpPr>
-          <p:cNvPr id="16" name="TextBox 15">
-            <a:extLst>
-              <a:ext uri="{FF2B5EF4-FFF2-40B4-BE49-F238E27FC236}">
-                <a16:creationId xmlns:a16="http://schemas.microsoft.com/office/drawing/2014/main" id="{93D87E4F-C42E-41DC-8EB0-4F3FABF8B932}"/>
-              </a:ext>
-            </a:extLst>
-          </p:cNvPr>
-          <p:cNvSpPr txBox="1"/>
-          <p:nvPr/>
-        </p:nvSpPr>
-        <p:spPr>
-          <a:xfrm>
-            <a:off x="1439551" y="3490554"/>
-            <a:ext cx="1044388" cy="338554"/>
-          </a:xfrm>
-          <a:prstGeom prst="rect">
-            <a:avLst/>
-          </a:prstGeom>
-          <a:noFill/>
-        </p:spPr>
-        <p:txBody>
-          <a:bodyPr wrap="none" rtlCol="0">
-            <a:spAutoFit/>
-          </a:bodyPr>
-          <a:lstStyle/>
-          <a:p>
-            <a:r>
-              <a:rPr lang="en-SG" sz="1600" dirty="0"/>
-              <a:t>2</a:t>
-            </a:r>
-            <a:r>
-              <a:rPr lang="en-SG" sz="1600" baseline="30000" dirty="0"/>
-              <a:t>nd</a:t>
-            </a:r>
-            <a:r>
-              <a:rPr lang="en-SG" sz="1600" dirty="0"/>
-              <a:t> </a:t>
-            </a:r>
-            <a:r>
-              <a:rPr lang="en-US" sz="1600" dirty="0"/>
-              <a:t>square</a:t>
-            </a:r>
-          </a:p>
-        </p:txBody>
-      </p:sp>
-      <p:sp>
-        <p:nvSpPr>
-          <p:cNvPr id="18" name="TextBox 17">
-            <a:extLst>
-              <a:ext uri="{FF2B5EF4-FFF2-40B4-BE49-F238E27FC236}">
-                <a16:creationId xmlns:a16="http://schemas.microsoft.com/office/drawing/2014/main" id="{E658F1F7-0901-48C6-B880-2088057E6C7A}"/>
-              </a:ext>
-            </a:extLst>
-          </p:cNvPr>
-          <p:cNvSpPr txBox="1"/>
-          <p:nvPr/>
-        </p:nvSpPr>
-        <p:spPr>
-          <a:xfrm>
-            <a:off x="2666082" y="3497514"/>
-            <a:ext cx="1018484" cy="338554"/>
-          </a:xfrm>
-          <a:prstGeom prst="rect">
-            <a:avLst/>
-          </a:prstGeom>
-          <a:noFill/>
-        </p:spPr>
-        <p:txBody>
-          <a:bodyPr wrap="none" rtlCol="0">
-            <a:spAutoFit/>
-          </a:bodyPr>
-          <a:lstStyle/>
-          <a:p>
-            <a:r>
-              <a:rPr lang="en-SG" sz="1600" dirty="0"/>
-              <a:t>3</a:t>
-            </a:r>
-            <a:r>
-              <a:rPr lang="en-SG" sz="1600" baseline="30000" dirty="0"/>
-              <a:t>rd</a:t>
-            </a:r>
-            <a:r>
-              <a:rPr lang="en-SG" sz="1600" dirty="0"/>
-              <a:t> </a:t>
-            </a:r>
-            <a:r>
-              <a:rPr lang="en-US" sz="1600" dirty="0"/>
-              <a:t>square</a:t>
-            </a:r>
-          </a:p>
-        </p:txBody>
-      </p:sp>
-      <p:sp>
-        <p:nvSpPr>
-          <p:cNvPr id="20" name="TextBox 19">
-            <a:extLst>
-              <a:ext uri="{FF2B5EF4-FFF2-40B4-BE49-F238E27FC236}">
-                <a16:creationId xmlns:a16="http://schemas.microsoft.com/office/drawing/2014/main" id="{ADA9E7B4-9517-4A44-AFA5-A546EC81BEF8}"/>
-              </a:ext>
-            </a:extLst>
-          </p:cNvPr>
-          <p:cNvSpPr txBox="1"/>
-          <p:nvPr/>
-        </p:nvSpPr>
-        <p:spPr>
-          <a:xfrm>
-            <a:off x="4062630" y="3498059"/>
-            <a:ext cx="1018740" cy="338554"/>
-          </a:xfrm>
-          <a:prstGeom prst="rect">
-            <a:avLst/>
-          </a:prstGeom>
-          <a:noFill/>
-        </p:spPr>
-        <p:txBody>
-          <a:bodyPr wrap="none" rtlCol="0">
-            <a:spAutoFit/>
-          </a:bodyPr>
-          <a:lstStyle/>
-          <a:p>
-            <a:r>
-              <a:rPr lang="en-US" sz="1600" dirty="0"/>
-              <a:t>4</a:t>
-            </a:r>
-            <a:r>
-              <a:rPr lang="en-US" sz="1600" baseline="30000" dirty="0"/>
-              <a:t>th</a:t>
-            </a:r>
-            <a:r>
-              <a:rPr lang="en-US" sz="1600" dirty="0"/>
-              <a:t> square</a:t>
-            </a:r>
-          </a:p>
-        </p:txBody>
-      </p:sp>
-      <p:sp>
-        <p:nvSpPr>
-          <p:cNvPr id="21" name="TextBox 20">
-            <a:extLst>
-              <a:ext uri="{FF2B5EF4-FFF2-40B4-BE49-F238E27FC236}">
-                <a16:creationId xmlns:a16="http://schemas.microsoft.com/office/drawing/2014/main" id="{2EBF7953-939B-4B31-AD1C-2B902F8CD350}"/>
-              </a:ext>
-            </a:extLst>
-          </p:cNvPr>
-          <p:cNvSpPr txBox="1"/>
-          <p:nvPr/>
-        </p:nvSpPr>
-        <p:spPr>
-          <a:xfrm>
-            <a:off x="8240385" y="2876295"/>
-            <a:ext cx="763351" cy="523220"/>
-          </a:xfrm>
-          <a:prstGeom prst="rect">
-            <a:avLst/>
-          </a:prstGeom>
-          <a:noFill/>
-        </p:spPr>
-        <p:txBody>
-          <a:bodyPr wrap="none" rtlCol="0">
-            <a:spAutoFit/>
-          </a:bodyPr>
-          <a:lstStyle/>
-          <a:p>
-            <a:r>
-              <a:rPr lang="en-US" sz="2800" dirty="0"/>
-              <a:t>… …</a:t>
-            </a:r>
-          </a:p>
-        </p:txBody>
-      </p:sp>
-      <p:sp>
-        <p:nvSpPr>
-          <p:cNvPr id="23" name="Content Placeholder 2">
-            <a:extLst>
-              <a:ext uri="{FF2B5EF4-FFF2-40B4-BE49-F238E27FC236}">
-                <a16:creationId xmlns:a16="http://schemas.microsoft.com/office/drawing/2014/main" id="{ECDB1AEC-1D3E-4BA6-BE80-A9CA8FBEEECB}"/>
-              </a:ext>
-            </a:extLst>
-          </p:cNvPr>
-          <p:cNvSpPr txBox="1">
-            <a:spLocks/>
-          </p:cNvSpPr>
-          <p:nvPr/>
-        </p:nvSpPr>
-        <p:spPr>
-          <a:xfrm>
-            <a:off x="6703173" y="4390136"/>
-            <a:ext cx="1149816" cy="1744744"/>
-          </a:xfrm>
-          <a:prstGeom prst="rect">
-            <a:avLst/>
-          </a:prstGeom>
-        </p:spPr>
-        <p:txBody>
-          <a:bodyPr vert="horz" lIns="91440" tIns="45720" rIns="91440" bIns="45720" rtlCol="0">
-            <a:noAutofit/>
-          </a:bodyPr>
-          <a:lstStyle>
-            <a:lvl1pPr marL="228600" indent="-228600" algn="l" defTabSz="914400" rtl="0" eaLnBrk="1" latinLnBrk="0" hangingPunct="1">
-              <a:lnSpc>
-                <a:spcPct val="90000"/>
-              </a:lnSpc>
-              <a:spcBef>
-                <a:spcPts val="1000"/>
-              </a:spcBef>
-              <a:buFont typeface="Arial" panose="020B0604020202020204" pitchFamily="34" charset="0"/>
-              <a:buChar char="•"/>
-              <a:defRPr sz="2800" kern="1200">
-                <a:solidFill>
-                  <a:schemeClr val="tx1"/>
-                </a:solidFill>
-                <a:latin typeface="+mn-lt"/>
-                <a:ea typeface="+mn-ea"/>
-                <a:cs typeface="+mn-cs"/>
-              </a:defRPr>
-            </a:lvl1pPr>
-            <a:lvl2pPr marL="685800" indent="-228600" algn="l" defTabSz="914400" rtl="0" eaLnBrk="1" latinLnBrk="0" hangingPunct="1">
-              <a:lnSpc>
-                <a:spcPct val="90000"/>
-              </a:lnSpc>
-              <a:spcBef>
-                <a:spcPts val="500"/>
-              </a:spcBef>
-              <a:buFont typeface="Arial" panose="020B0604020202020204" pitchFamily="34" charset="0"/>
-              <a:buChar char="•"/>
-              <a:defRPr sz="2400" kern="1200">
-                <a:solidFill>
-                  <a:schemeClr val="tx1"/>
-                </a:solidFill>
-                <a:latin typeface="+mn-lt"/>
-                <a:ea typeface="+mn-ea"/>
-                <a:cs typeface="+mn-cs"/>
-              </a:defRPr>
-            </a:lvl2pPr>
-            <a:lvl3pPr marL="1143000" indent="-228600" algn="l" defTabSz="914400" rtl="0" eaLnBrk="1" latinLnBrk="0" hangingPunct="1">
-              <a:lnSpc>
-                <a:spcPct val="90000"/>
-              </a:lnSpc>
-              <a:spcBef>
-                <a:spcPts val="500"/>
-              </a:spcBef>
-              <a:buFont typeface="Arial" panose="020B0604020202020204" pitchFamily="34" charset="0"/>
-              <a:buChar char="•"/>
-              <a:defRPr sz="2000" kern="1200">
-                <a:solidFill>
-                  <a:schemeClr val="tx1"/>
-                </a:solidFill>
-                <a:latin typeface="+mn-lt"/>
-                <a:ea typeface="+mn-ea"/>
-                <a:cs typeface="+mn-cs"/>
-              </a:defRPr>
-            </a:lvl3pPr>
-            <a:lvl4pPr marL="1600200" indent="-228600" algn="l" defTabSz="914400" rtl="0" eaLnBrk="1" latinLnBrk="0" hangingPunct="1">
-              <a:lnSpc>
-                <a:spcPct val="90000"/>
-              </a:lnSpc>
-              <a:spcBef>
-                <a:spcPts val="500"/>
-              </a:spcBef>
-              <a:buFont typeface="Arial" panose="020B0604020202020204" pitchFamily="34" charset="0"/>
-              <a:buChar char="•"/>
-              <a:defRPr sz="1800" kern="1200">
-                <a:solidFill>
-                  <a:schemeClr val="tx1"/>
-                </a:solidFill>
-                <a:latin typeface="+mn-lt"/>
-                <a:ea typeface="+mn-ea"/>
-                <a:cs typeface="+mn-cs"/>
-              </a:defRPr>
-            </a:lvl4pPr>
-            <a:lvl5pPr marL="2057400" indent="-228600" algn="l" defTabSz="914400" rtl="0" eaLnBrk="1" latinLnBrk="0" hangingPunct="1">
-              <a:lnSpc>
-                <a:spcPct val="90000"/>
-              </a:lnSpc>
-              <a:spcBef>
-                <a:spcPts val="500"/>
-              </a:spcBef>
-              <a:buFont typeface="Arial" panose="020B0604020202020204" pitchFamily="34" charset="0"/>
-              <a:buChar char="•"/>
-              <a:defRPr sz="1800" kern="1200">
-                <a:solidFill>
-                  <a:schemeClr val="tx1"/>
-                </a:solidFill>
-                <a:latin typeface="+mn-lt"/>
-                <a:ea typeface="+mn-ea"/>
-                <a:cs typeface="+mn-cs"/>
-              </a:defRPr>
-            </a:lvl5pPr>
-            <a:lvl6pPr marL="2514600" indent="-228600" algn="l" defTabSz="914400" rtl="0" eaLnBrk="1" latinLnBrk="0" hangingPunct="1">
-              <a:lnSpc>
-                <a:spcPct val="90000"/>
-              </a:lnSpc>
-              <a:spcBef>
-                <a:spcPts val="500"/>
-              </a:spcBef>
-              <a:buFont typeface="Arial" panose="020B0604020202020204" pitchFamily="34" charset="0"/>
-              <a:buChar char="•"/>
-              <a:defRPr sz="1800" kern="1200">
-                <a:solidFill>
-                  <a:schemeClr val="tx1"/>
-                </a:solidFill>
-                <a:latin typeface="+mn-lt"/>
-                <a:ea typeface="+mn-ea"/>
-                <a:cs typeface="+mn-cs"/>
-              </a:defRPr>
-            </a:lvl6pPr>
-            <a:lvl7pPr marL="2971800" indent="-228600" algn="l" defTabSz="914400" rtl="0" eaLnBrk="1" latinLnBrk="0" hangingPunct="1">
-              <a:lnSpc>
-                <a:spcPct val="90000"/>
-              </a:lnSpc>
-              <a:spcBef>
-                <a:spcPts val="500"/>
-              </a:spcBef>
-              <a:buFont typeface="Arial" panose="020B0604020202020204" pitchFamily="34" charset="0"/>
-              <a:buChar char="•"/>
-              <a:defRPr sz="1800" kern="1200">
-                <a:solidFill>
-                  <a:schemeClr val="tx1"/>
-                </a:solidFill>
-                <a:latin typeface="+mn-lt"/>
-                <a:ea typeface="+mn-ea"/>
-                <a:cs typeface="+mn-cs"/>
-              </a:defRPr>
-            </a:lvl7pPr>
-            <a:lvl8pPr marL="3429000" indent="-228600" algn="l" defTabSz="914400" rtl="0" eaLnBrk="1" latinLnBrk="0" hangingPunct="1">
-              <a:lnSpc>
-                <a:spcPct val="90000"/>
-              </a:lnSpc>
-              <a:spcBef>
-                <a:spcPts val="500"/>
-              </a:spcBef>
-              <a:buFont typeface="Arial" panose="020B0604020202020204" pitchFamily="34" charset="0"/>
-              <a:buChar char="•"/>
-              <a:defRPr sz="1800" kern="1200">
-                <a:solidFill>
-                  <a:schemeClr val="tx1"/>
-                </a:solidFill>
-                <a:latin typeface="+mn-lt"/>
-                <a:ea typeface="+mn-ea"/>
-                <a:cs typeface="+mn-cs"/>
-              </a:defRPr>
-            </a:lvl8pPr>
-            <a:lvl9pPr marL="3886200" indent="-228600" algn="l" defTabSz="914400" rtl="0" eaLnBrk="1" latinLnBrk="0" hangingPunct="1">
-              <a:lnSpc>
-                <a:spcPct val="90000"/>
-              </a:lnSpc>
-              <a:spcBef>
-                <a:spcPts val="500"/>
-              </a:spcBef>
-              <a:buFont typeface="Arial" panose="020B0604020202020204" pitchFamily="34" charset="0"/>
-              <a:buChar char="•"/>
-              <a:defRPr sz="1800" kern="1200">
-                <a:solidFill>
-                  <a:schemeClr val="tx1"/>
-                </a:solidFill>
-                <a:latin typeface="+mn-lt"/>
-                <a:ea typeface="+mn-ea"/>
-                <a:cs typeface="+mn-cs"/>
-              </a:defRPr>
-            </a:lvl9pPr>
-          </a:lstStyle>
-          <a:p>
-            <a:pPr marL="0" indent="0">
-              <a:buNone/>
-            </a:pPr>
-            <a:r>
-              <a:rPr lang="en-SG" sz="1400" dirty="0"/>
-              <a:t>Here, you have to press “</a:t>
-            </a:r>
-            <a:r>
-              <a:rPr lang="en-SG" sz="1400" b="1" dirty="0">
-                <a:solidFill>
-                  <a:srgbClr val="0070C0"/>
-                </a:solidFill>
-              </a:rPr>
-              <a:t>L</a:t>
-            </a:r>
-            <a:r>
-              <a:rPr lang="en-SG" sz="1400" dirty="0"/>
-              <a:t>”, because the square does not appear at the same location 4 trials before</a:t>
-            </a:r>
-            <a:endParaRPr lang="en-US" sz="1400" dirty="0"/>
-          </a:p>
-        </p:txBody>
-      </p:sp>
-      <p:cxnSp>
-        <p:nvCxnSpPr>
-          <p:cNvPr id="24" name="Straight Arrow Connector 23">
-            <a:extLst>
-              <a:ext uri="{FF2B5EF4-FFF2-40B4-BE49-F238E27FC236}">
-                <a16:creationId xmlns:a16="http://schemas.microsoft.com/office/drawing/2014/main" id="{0372979D-4DDC-416E-B455-10626BA9930A}"/>
-              </a:ext>
-            </a:extLst>
-          </p:cNvPr>
-          <p:cNvCxnSpPr>
-            <a:cxnSpLocks/>
-            <a:stCxn id="23" idx="0"/>
-          </p:cNvCxnSpPr>
-          <p:nvPr/>
-        </p:nvCxnSpPr>
-        <p:spPr>
-          <a:xfrm flipV="1">
-            <a:off x="7278081" y="3836613"/>
-            <a:ext cx="0" cy="553523"/>
-          </a:xfrm>
-          <a:prstGeom prst="straightConnector1">
-            <a:avLst/>
-          </a:prstGeom>
-          <a:ln w="28575">
-            <a:solidFill>
-              <a:srgbClr val="0070C0"/>
-            </a:solidFill>
-            <a:tailEnd type="triangle"/>
-          </a:ln>
-        </p:spPr>
-        <p:style>
-          <a:lnRef idx="1">
-            <a:schemeClr val="accent2"/>
-          </a:lnRef>
-          <a:fillRef idx="0">
-            <a:schemeClr val="accent2"/>
-          </a:fillRef>
-          <a:effectRef idx="0">
-            <a:schemeClr val="accent2"/>
-          </a:effectRef>
-          <a:fontRef idx="minor">
-            <a:schemeClr val="tx1"/>
-          </a:fontRef>
-        </p:style>
-      </p:cxnSp>
-      <p:sp>
-        <p:nvSpPr>
-          <p:cNvPr id="42" name="Content Placeholder 2">
-            <a:extLst>
-              <a:ext uri="{FF2B5EF4-FFF2-40B4-BE49-F238E27FC236}">
-                <a16:creationId xmlns:a16="http://schemas.microsoft.com/office/drawing/2014/main" id="{FA4F994D-014C-42C7-892B-D402172C62F5}"/>
-              </a:ext>
-            </a:extLst>
-          </p:cNvPr>
-          <p:cNvSpPr txBox="1">
-            <a:spLocks/>
-          </p:cNvSpPr>
-          <p:nvPr/>
-        </p:nvSpPr>
-        <p:spPr>
-          <a:xfrm>
-            <a:off x="5316950" y="4390136"/>
-            <a:ext cx="1149816" cy="1744744"/>
-          </a:xfrm>
-          <a:prstGeom prst="rect">
-            <a:avLst/>
-          </a:prstGeom>
-        </p:spPr>
-        <p:txBody>
-          <a:bodyPr vert="horz" lIns="91440" tIns="45720" rIns="91440" bIns="45720" rtlCol="0">
-            <a:noAutofit/>
-          </a:bodyPr>
-          <a:lstStyle>
-            <a:lvl1pPr marL="228600" indent="-228600" algn="l" defTabSz="914400" rtl="0" eaLnBrk="1" latinLnBrk="0" hangingPunct="1">
-              <a:lnSpc>
-                <a:spcPct val="90000"/>
-              </a:lnSpc>
-              <a:spcBef>
-                <a:spcPts val="1000"/>
-              </a:spcBef>
-              <a:buFont typeface="Arial" panose="020B0604020202020204" pitchFamily="34" charset="0"/>
-              <a:buChar char="•"/>
-              <a:defRPr sz="2800" kern="1200">
-                <a:solidFill>
-                  <a:schemeClr val="tx1"/>
-                </a:solidFill>
-                <a:latin typeface="+mn-lt"/>
-                <a:ea typeface="+mn-ea"/>
-                <a:cs typeface="+mn-cs"/>
-              </a:defRPr>
-            </a:lvl1pPr>
-            <a:lvl2pPr marL="685800" indent="-228600" algn="l" defTabSz="914400" rtl="0" eaLnBrk="1" latinLnBrk="0" hangingPunct="1">
-              <a:lnSpc>
-                <a:spcPct val="90000"/>
-              </a:lnSpc>
-              <a:spcBef>
-                <a:spcPts val="500"/>
-              </a:spcBef>
-              <a:buFont typeface="Arial" panose="020B0604020202020204" pitchFamily="34" charset="0"/>
-              <a:buChar char="•"/>
-              <a:defRPr sz="2400" kern="1200">
-                <a:solidFill>
-                  <a:schemeClr val="tx1"/>
-                </a:solidFill>
-                <a:latin typeface="+mn-lt"/>
-                <a:ea typeface="+mn-ea"/>
-                <a:cs typeface="+mn-cs"/>
-              </a:defRPr>
-            </a:lvl2pPr>
-            <a:lvl3pPr marL="1143000" indent="-228600" algn="l" defTabSz="914400" rtl="0" eaLnBrk="1" latinLnBrk="0" hangingPunct="1">
-              <a:lnSpc>
-                <a:spcPct val="90000"/>
-              </a:lnSpc>
-              <a:spcBef>
-                <a:spcPts val="500"/>
-              </a:spcBef>
-              <a:buFont typeface="Arial" panose="020B0604020202020204" pitchFamily="34" charset="0"/>
-              <a:buChar char="•"/>
-              <a:defRPr sz="2000" kern="1200">
-                <a:solidFill>
-                  <a:schemeClr val="tx1"/>
-                </a:solidFill>
-                <a:latin typeface="+mn-lt"/>
-                <a:ea typeface="+mn-ea"/>
-                <a:cs typeface="+mn-cs"/>
-              </a:defRPr>
-            </a:lvl3pPr>
-            <a:lvl4pPr marL="1600200" indent="-228600" algn="l" defTabSz="914400" rtl="0" eaLnBrk="1" latinLnBrk="0" hangingPunct="1">
-              <a:lnSpc>
-                <a:spcPct val="90000"/>
-              </a:lnSpc>
-              <a:spcBef>
-                <a:spcPts val="500"/>
-              </a:spcBef>
-              <a:buFont typeface="Arial" panose="020B0604020202020204" pitchFamily="34" charset="0"/>
-              <a:buChar char="•"/>
-              <a:defRPr sz="1800" kern="1200">
-                <a:solidFill>
-                  <a:schemeClr val="tx1"/>
-                </a:solidFill>
-                <a:latin typeface="+mn-lt"/>
-                <a:ea typeface="+mn-ea"/>
-                <a:cs typeface="+mn-cs"/>
-              </a:defRPr>
-            </a:lvl4pPr>
-            <a:lvl5pPr marL="2057400" indent="-228600" algn="l" defTabSz="914400" rtl="0" eaLnBrk="1" latinLnBrk="0" hangingPunct="1">
-              <a:lnSpc>
-                <a:spcPct val="90000"/>
-              </a:lnSpc>
-              <a:spcBef>
-                <a:spcPts val="500"/>
-              </a:spcBef>
-              <a:buFont typeface="Arial" panose="020B0604020202020204" pitchFamily="34" charset="0"/>
-              <a:buChar char="•"/>
-              <a:defRPr sz="1800" kern="1200">
-                <a:solidFill>
-                  <a:schemeClr val="tx1"/>
-                </a:solidFill>
-                <a:latin typeface="+mn-lt"/>
-                <a:ea typeface="+mn-ea"/>
-                <a:cs typeface="+mn-cs"/>
-              </a:defRPr>
-            </a:lvl5pPr>
-            <a:lvl6pPr marL="2514600" indent="-228600" algn="l" defTabSz="914400" rtl="0" eaLnBrk="1" latinLnBrk="0" hangingPunct="1">
-              <a:lnSpc>
-                <a:spcPct val="90000"/>
-              </a:lnSpc>
-              <a:spcBef>
-                <a:spcPts val="500"/>
-              </a:spcBef>
-              <a:buFont typeface="Arial" panose="020B0604020202020204" pitchFamily="34" charset="0"/>
-              <a:buChar char="•"/>
-              <a:defRPr sz="1800" kern="1200">
-                <a:solidFill>
-                  <a:schemeClr val="tx1"/>
-                </a:solidFill>
-                <a:latin typeface="+mn-lt"/>
-                <a:ea typeface="+mn-ea"/>
-                <a:cs typeface="+mn-cs"/>
-              </a:defRPr>
-            </a:lvl6pPr>
-            <a:lvl7pPr marL="2971800" indent="-228600" algn="l" defTabSz="914400" rtl="0" eaLnBrk="1" latinLnBrk="0" hangingPunct="1">
-              <a:lnSpc>
-                <a:spcPct val="90000"/>
-              </a:lnSpc>
-              <a:spcBef>
-                <a:spcPts val="500"/>
-              </a:spcBef>
-              <a:buFont typeface="Arial" panose="020B0604020202020204" pitchFamily="34" charset="0"/>
-              <a:buChar char="•"/>
-              <a:defRPr sz="1800" kern="1200">
-                <a:solidFill>
-                  <a:schemeClr val="tx1"/>
-                </a:solidFill>
-                <a:latin typeface="+mn-lt"/>
-                <a:ea typeface="+mn-ea"/>
-                <a:cs typeface="+mn-cs"/>
-              </a:defRPr>
-            </a:lvl7pPr>
-            <a:lvl8pPr marL="3429000" indent="-228600" algn="l" defTabSz="914400" rtl="0" eaLnBrk="1" latinLnBrk="0" hangingPunct="1">
-              <a:lnSpc>
-                <a:spcPct val="90000"/>
-              </a:lnSpc>
-              <a:spcBef>
-                <a:spcPts val="500"/>
-              </a:spcBef>
-              <a:buFont typeface="Arial" panose="020B0604020202020204" pitchFamily="34" charset="0"/>
-              <a:buChar char="•"/>
-              <a:defRPr sz="1800" kern="1200">
-                <a:solidFill>
-                  <a:schemeClr val="tx1"/>
-                </a:solidFill>
-                <a:latin typeface="+mn-lt"/>
-                <a:ea typeface="+mn-ea"/>
-                <a:cs typeface="+mn-cs"/>
-              </a:defRPr>
-            </a:lvl8pPr>
-            <a:lvl9pPr marL="3886200" indent="-228600" algn="l" defTabSz="914400" rtl="0" eaLnBrk="1" latinLnBrk="0" hangingPunct="1">
-              <a:lnSpc>
-                <a:spcPct val="90000"/>
-              </a:lnSpc>
-              <a:spcBef>
-                <a:spcPts val="500"/>
-              </a:spcBef>
-              <a:buFont typeface="Arial" panose="020B0604020202020204" pitchFamily="34" charset="0"/>
-              <a:buChar char="•"/>
-              <a:defRPr sz="1800" kern="1200">
-                <a:solidFill>
-                  <a:schemeClr val="tx1"/>
-                </a:solidFill>
-                <a:latin typeface="+mn-lt"/>
-                <a:ea typeface="+mn-ea"/>
-                <a:cs typeface="+mn-cs"/>
-              </a:defRPr>
-            </a:lvl9pPr>
-          </a:lstStyle>
-          <a:p>
-            <a:pPr marL="0" indent="0">
-              <a:buNone/>
-            </a:pPr>
-            <a:r>
-              <a:rPr lang="en-SG" sz="1400" dirty="0"/>
-              <a:t>Here, you have to press “</a:t>
-            </a:r>
-            <a:r>
-              <a:rPr lang="en-SG" sz="1400" b="1" dirty="0">
-                <a:solidFill>
-                  <a:srgbClr val="FF0000"/>
-                </a:solidFill>
-              </a:rPr>
-              <a:t>A</a:t>
-            </a:r>
-            <a:r>
-              <a:rPr lang="en-SG" sz="1400" dirty="0"/>
-              <a:t>”, because the square appears at the same location 4 trials before</a:t>
-            </a:r>
-            <a:endParaRPr lang="en-US" sz="1400" dirty="0"/>
-          </a:p>
-        </p:txBody>
-      </p:sp>
-      <p:cxnSp>
-        <p:nvCxnSpPr>
-          <p:cNvPr id="43" name="Straight Arrow Connector 42">
-            <a:extLst>
-              <a:ext uri="{FF2B5EF4-FFF2-40B4-BE49-F238E27FC236}">
-                <a16:creationId xmlns:a16="http://schemas.microsoft.com/office/drawing/2014/main" id="{41951042-B4E8-4BBA-A153-16D706400279}"/>
-              </a:ext>
-            </a:extLst>
-          </p:cNvPr>
-          <p:cNvCxnSpPr>
-            <a:cxnSpLocks/>
-            <a:stCxn id="42" idx="0"/>
-          </p:cNvCxnSpPr>
-          <p:nvPr/>
-        </p:nvCxnSpPr>
-        <p:spPr>
-          <a:xfrm flipV="1">
-            <a:off x="5891858" y="3829108"/>
-            <a:ext cx="827" cy="561028"/>
-          </a:xfrm>
-          <a:prstGeom prst="straightConnector1">
-            <a:avLst/>
-          </a:prstGeom>
-          <a:ln w="28575">
-            <a:solidFill>
-              <a:srgbClr val="FF0000"/>
-            </a:solidFill>
-            <a:tailEnd type="triangle"/>
-          </a:ln>
-        </p:spPr>
-        <p:style>
-          <a:lnRef idx="1">
-            <a:schemeClr val="accent2"/>
-          </a:lnRef>
-          <a:fillRef idx="0">
-            <a:schemeClr val="accent2"/>
-          </a:fillRef>
-          <a:effectRef idx="0">
-            <a:schemeClr val="accent2"/>
-          </a:effectRef>
-          <a:fontRef idx="minor">
-            <a:schemeClr val="tx1"/>
-          </a:fontRef>
-        </p:style>
-      </p:cxnSp>
-      <p:pic>
-        <p:nvPicPr>
-          <p:cNvPr id="8" name="Picture 7" descr="A picture containing object&#10;&#10;Description automatically generated">
-            <a:extLst>
-              <a:ext uri="{FF2B5EF4-FFF2-40B4-BE49-F238E27FC236}">
-                <a16:creationId xmlns:a16="http://schemas.microsoft.com/office/drawing/2014/main" id="{4EA5B0B9-868C-4651-BBA1-B8905DFD751B}"/>
-              </a:ext>
-            </a:extLst>
-          </p:cNvPr>
-          <p:cNvPicPr>
-            <a:picLocks noChangeAspect="1"/>
-          </p:cNvPicPr>
-          <p:nvPr/>
-        </p:nvPicPr>
-        <p:blipFill rotWithShape="1">
-          <a:blip r:embed="rId4">
-            <a:extLst>
-              <a:ext uri="{28A0092B-C50C-407E-A947-70E740481C1C}">
-                <a14:useLocalDpi xmlns:a14="http://schemas.microsoft.com/office/drawing/2010/main" val="0"/>
-              </a:ext>
-            </a:extLst>
-          </a:blip>
-          <a:srcRect l="26517" t="16593" r="26517" b="24238"/>
-          <a:stretch/>
-        </p:blipFill>
-        <p:spPr>
-          <a:xfrm>
-            <a:off x="1436193" y="2300881"/>
-            <a:ext cx="1034143" cy="1042278"/>
-          </a:xfrm>
-          <a:prstGeom prst="rect">
-            <a:avLst/>
-          </a:prstGeom>
-        </p:spPr>
-      </p:pic>
-      <p:sp>
-        <p:nvSpPr>
-          <p:cNvPr id="34" name="TextBox 33">
-            <a:extLst>
-              <a:ext uri="{FF2B5EF4-FFF2-40B4-BE49-F238E27FC236}">
-                <a16:creationId xmlns:a16="http://schemas.microsoft.com/office/drawing/2014/main" id="{72C2675F-51B7-4478-B502-C0A28FB1F189}"/>
-              </a:ext>
-            </a:extLst>
-          </p:cNvPr>
-          <p:cNvSpPr txBox="1"/>
-          <p:nvPr/>
-        </p:nvSpPr>
-        <p:spPr>
-          <a:xfrm>
-            <a:off x="5374786" y="3490554"/>
-            <a:ext cx="1018740" cy="338554"/>
-          </a:xfrm>
-          <a:prstGeom prst="rect">
-            <a:avLst/>
-          </a:prstGeom>
-          <a:noFill/>
-        </p:spPr>
-        <p:txBody>
-          <a:bodyPr wrap="none" rtlCol="0">
-            <a:spAutoFit/>
-          </a:bodyPr>
-          <a:lstStyle/>
-          <a:p>
-            <a:r>
-              <a:rPr lang="en-US" sz="1600" dirty="0"/>
-              <a:t>5</a:t>
-            </a:r>
-            <a:r>
-              <a:rPr lang="en-US" sz="1600" baseline="30000" dirty="0"/>
-              <a:t>th</a:t>
-            </a:r>
-            <a:r>
-              <a:rPr lang="en-US" sz="1600" dirty="0"/>
-              <a:t> square</a:t>
-            </a:r>
-          </a:p>
-        </p:txBody>
-      </p:sp>
-      <p:cxnSp>
-        <p:nvCxnSpPr>
-          <p:cNvPr id="35" name="Connector: Elbow 34">
-            <a:extLst>
-              <a:ext uri="{FF2B5EF4-FFF2-40B4-BE49-F238E27FC236}">
-                <a16:creationId xmlns:a16="http://schemas.microsoft.com/office/drawing/2014/main" id="{E779BFFD-BBA7-47CF-A66D-B2A3F9818A42}"/>
-              </a:ext>
-            </a:extLst>
-          </p:cNvPr>
-          <p:cNvCxnSpPr>
-            <a:cxnSpLocks/>
-            <a:stCxn id="8" idx="0"/>
-            <a:endCxn id="22" idx="0"/>
-          </p:cNvCxnSpPr>
-          <p:nvPr/>
-        </p:nvCxnSpPr>
-        <p:spPr>
-          <a:xfrm rot="16200000" flipH="1">
-            <a:off x="4573730" y="-319584"/>
-            <a:ext cx="35216" cy="5276147"/>
-          </a:xfrm>
-          <a:prstGeom prst="bentConnector3">
-            <a:avLst>
-              <a:gd name="adj1" fmla="val -790763"/>
-            </a:avLst>
-          </a:prstGeom>
-          <a:ln w="19050">
-            <a:solidFill>
-              <a:srgbClr val="0070C0"/>
-            </a:solidFill>
-            <a:tailEnd type="triangle"/>
-          </a:ln>
-        </p:spPr>
-        <p:style>
-          <a:lnRef idx="1">
-            <a:schemeClr val="accent1"/>
-          </a:lnRef>
-          <a:fillRef idx="0">
-            <a:schemeClr val="accent1"/>
-          </a:fillRef>
-          <a:effectRef idx="0">
-            <a:schemeClr val="accent1"/>
-          </a:effectRef>
-          <a:fontRef idx="minor">
-            <a:schemeClr val="tx1"/>
-          </a:fontRef>
-        </p:style>
-      </p:cxnSp>
-      <p:pic>
-        <p:nvPicPr>
-          <p:cNvPr id="25" name="Picture 24" descr="A picture containing object&#10;&#10;Description automatically generated">
-            <a:extLst>
-              <a:ext uri="{FF2B5EF4-FFF2-40B4-BE49-F238E27FC236}">
-                <a16:creationId xmlns:a16="http://schemas.microsoft.com/office/drawing/2014/main" id="{0CFB91C0-C7D7-447C-B637-087EB4AC246E}"/>
-              </a:ext>
-            </a:extLst>
-          </p:cNvPr>
-          <p:cNvPicPr>
-            <a:picLocks noChangeAspect="1"/>
-          </p:cNvPicPr>
-          <p:nvPr/>
-        </p:nvPicPr>
-        <p:blipFill rotWithShape="1">
-          <a:blip r:embed="rId4">
-            <a:extLst>
-              <a:ext uri="{28A0092B-C50C-407E-A947-70E740481C1C}">
-                <a14:useLocalDpi xmlns:a14="http://schemas.microsoft.com/office/drawing/2010/main" val="0"/>
-              </a:ext>
-            </a:extLst>
-          </a:blip>
-          <a:srcRect l="26517" t="16593" r="26517" b="24238"/>
-          <a:stretch/>
-        </p:blipFill>
-        <p:spPr>
-          <a:xfrm>
-            <a:off x="5374786" y="2321993"/>
-            <a:ext cx="1034143" cy="1042278"/>
-          </a:xfrm>
-          <a:prstGeom prst="rect">
-            <a:avLst/>
-          </a:prstGeom>
-        </p:spPr>
-      </p:pic>
-      <p:cxnSp>
-        <p:nvCxnSpPr>
-          <p:cNvPr id="30" name="Connector: Elbow 29">
-            <a:extLst>
-              <a:ext uri="{FF2B5EF4-FFF2-40B4-BE49-F238E27FC236}">
-                <a16:creationId xmlns:a16="http://schemas.microsoft.com/office/drawing/2014/main" id="{D3EDD2F5-C087-4EAD-BA29-62BAD65D094A}"/>
-              </a:ext>
-            </a:extLst>
-          </p:cNvPr>
-          <p:cNvCxnSpPr>
-            <a:cxnSpLocks/>
-            <a:endCxn id="25" idx="0"/>
-          </p:cNvCxnSpPr>
-          <p:nvPr/>
-        </p:nvCxnSpPr>
-        <p:spPr>
-          <a:xfrm rot="16200000" flipH="1">
-            <a:off x="3280499" y="-289366"/>
-            <a:ext cx="29897" cy="5192820"/>
-          </a:xfrm>
-          <a:prstGeom prst="bentConnector3">
-            <a:avLst>
-              <a:gd name="adj1" fmla="val -430963"/>
-            </a:avLst>
-          </a:prstGeom>
-          <a:ln w="19050">
-            <a:solidFill>
-              <a:srgbClr val="FF0000"/>
-            </a:solidFill>
-            <a:tailEnd type="triangle"/>
-          </a:ln>
-        </p:spPr>
-        <p:style>
-          <a:lnRef idx="1">
-            <a:schemeClr val="accent1"/>
-          </a:lnRef>
-          <a:fillRef idx="0">
-            <a:schemeClr val="accent1"/>
-          </a:fillRef>
-          <a:effectRef idx="0">
-            <a:schemeClr val="accent1"/>
-          </a:effectRef>
-          <a:fontRef idx="minor">
-            <a:schemeClr val="tx1"/>
-          </a:fontRef>
-        </p:style>
-      </p:cxnSp>
-      <p:pic>
-        <p:nvPicPr>
-          <p:cNvPr id="22" name="Picture 21" descr="A picture containing object&#10;&#10;Description automatically generated">
-            <a:extLst>
-              <a:ext uri="{FF2B5EF4-FFF2-40B4-BE49-F238E27FC236}">
-                <a16:creationId xmlns:a16="http://schemas.microsoft.com/office/drawing/2014/main" id="{86DA8CFF-5A22-43E5-8C19-7BF73307C2F1}"/>
-              </a:ext>
-            </a:extLst>
-          </p:cNvPr>
-          <p:cNvPicPr>
-            <a:picLocks noChangeAspect="1"/>
-          </p:cNvPicPr>
-          <p:nvPr/>
-        </p:nvPicPr>
-        <p:blipFill rotWithShape="1">
-          <a:blip r:embed="rId2">
-            <a:extLst>
-              <a:ext uri="{28A0092B-C50C-407E-A947-70E740481C1C}">
-                <a14:useLocalDpi xmlns:a14="http://schemas.microsoft.com/office/drawing/2010/main" val="0"/>
-              </a:ext>
-            </a:extLst>
-          </a:blip>
-          <a:srcRect l="22420" t="16030" r="23095" b="22082"/>
-          <a:stretch/>
-        </p:blipFill>
-        <p:spPr>
-          <a:xfrm>
-            <a:off x="6653677" y="2336097"/>
-            <a:ext cx="1151470" cy="1046340"/>
-          </a:xfrm>
-          <a:prstGeom prst="rect">
-            <a:avLst/>
-          </a:prstGeom>
-        </p:spPr>
-      </p:pic>
-      <p:sp>
-        <p:nvSpPr>
-          <p:cNvPr id="29" name="TextBox 28">
-            <a:extLst>
-              <a:ext uri="{FF2B5EF4-FFF2-40B4-BE49-F238E27FC236}">
-                <a16:creationId xmlns:a16="http://schemas.microsoft.com/office/drawing/2014/main" id="{8DFFFE9B-AAC3-4903-8D15-14CEA90BFEDF}"/>
-              </a:ext>
-            </a:extLst>
-          </p:cNvPr>
-          <p:cNvSpPr txBox="1"/>
-          <p:nvPr/>
-        </p:nvSpPr>
-        <p:spPr>
-          <a:xfrm>
-            <a:off x="6768711" y="3475508"/>
-            <a:ext cx="1018740" cy="338554"/>
-          </a:xfrm>
-          <a:prstGeom prst="rect">
-            <a:avLst/>
-          </a:prstGeom>
-          <a:noFill/>
-        </p:spPr>
-        <p:txBody>
-          <a:bodyPr wrap="none" rtlCol="0">
-            <a:spAutoFit/>
-          </a:bodyPr>
-          <a:lstStyle/>
-          <a:p>
-            <a:r>
-              <a:rPr lang="en-US" sz="1600" dirty="0"/>
-              <a:t>6</a:t>
-            </a:r>
-            <a:r>
-              <a:rPr lang="en-US" sz="1600" baseline="30000" dirty="0"/>
-              <a:t>th</a:t>
-            </a:r>
-            <a:r>
-              <a:rPr lang="en-US" sz="1600" dirty="0"/>
-              <a:t> square</a:t>
-            </a:r>
-          </a:p>
-        </p:txBody>
-      </p:sp>
-      <p:pic>
-        <p:nvPicPr>
-          <p:cNvPr id="26" name="Picture 25" descr="A picture containing object&#10;&#10;Description automatically generated">
-            <a:extLst>
-              <a:ext uri="{FF2B5EF4-FFF2-40B4-BE49-F238E27FC236}">
-                <a16:creationId xmlns:a16="http://schemas.microsoft.com/office/drawing/2014/main" id="{6236ADFA-83EC-48B0-80B2-38367DD5C29B}"/>
-              </a:ext>
-            </a:extLst>
-          </p:cNvPr>
-          <p:cNvPicPr>
-            <a:picLocks noChangeAspect="1"/>
-          </p:cNvPicPr>
-          <p:nvPr/>
-        </p:nvPicPr>
-        <p:blipFill rotWithShape="1">
-          <a:blip r:embed="rId4">
-            <a:extLst>
-              <a:ext uri="{28A0092B-C50C-407E-A947-70E740481C1C}">
-                <a14:useLocalDpi xmlns:a14="http://schemas.microsoft.com/office/drawing/2010/main" val="0"/>
-              </a:ext>
-            </a:extLst>
-          </a:blip>
-          <a:srcRect l="26517" t="16593" r="26517" b="24238"/>
-          <a:stretch/>
-        </p:blipFill>
-        <p:spPr>
-          <a:xfrm>
-            <a:off x="222327" y="2311437"/>
-            <a:ext cx="1034143" cy="1042278"/>
-          </a:xfrm>
-          <a:prstGeom prst="rect">
-            <a:avLst/>
-          </a:prstGeom>
-        </p:spPr>
-      </p:pic>
-    </p:spTree>
-    <p:extLst>
-      <p:ext uri="{BB962C8B-B14F-4D97-AF65-F5344CB8AC3E}">
-        <p14:creationId xmlns:p14="http://schemas.microsoft.com/office/powerpoint/2010/main" val="3114232756"/>
-      </p:ext>
-    </p:extLst>
-  </p:cSld>
-  <p:clrMapOvr>
-    <a:masterClrMapping/>
-  </p:clrMapOvr>
-</p:sld>
-</file>
-
-<file path=ppt/slides/slide8.xml><?xml version="1.0" encoding="utf-8"?>
-<p:sld xmlns:a="http://schemas.openxmlformats.org/drawingml/2006/main" xmlns:r="http://schemas.openxmlformats.org/officeDocument/2006/relationships" xmlns:p="http://schemas.openxmlformats.org/presentationml/2006/main">
-  <p:cSld>
-    <p:spTree>
-      <p:nvGrpSpPr>
-        <p:cNvPr id="1" name=""/>
-        <p:cNvGrpSpPr/>
-        <p:nvPr/>
-      </p:nvGrpSpPr>
-      <p:grpSpPr>
-        <a:xfrm>
-          <a:off x="0" y="0"/>
-          <a:ext cx="0" cy="0"/>
-          <a:chOff x="0" y="0"/>
-          <a:chExt cx="0" cy="0"/>
-        </a:xfrm>
-      </p:grpSpPr>
-      <p:sp>
-        <p:nvSpPr>
-          <p:cNvPr id="10" name="Content Placeholder 2">
-            <a:extLst>
-              <a:ext uri="{FF2B5EF4-FFF2-40B4-BE49-F238E27FC236}">
-                <a16:creationId xmlns:a16="http://schemas.microsoft.com/office/drawing/2014/main" id="{8FCEBCFA-B8CB-4E1D-A9EF-59F08665C71B}"/>
-              </a:ext>
-            </a:extLst>
-          </p:cNvPr>
-          <p:cNvSpPr>
-            <a:spLocks noGrp="1"/>
-          </p:cNvSpPr>
-          <p:nvPr>
-            <p:ph idx="1"/>
-          </p:nvPr>
-        </p:nvSpPr>
-        <p:spPr>
-          <a:xfrm>
-            <a:off x="0" y="490601"/>
-            <a:ext cx="9144000" cy="3252343"/>
-          </a:xfrm>
-        </p:spPr>
-        <p:txBody>
-          <a:bodyPr>
-            <a:noAutofit/>
-          </a:bodyPr>
-          <a:lstStyle/>
-          <a:p>
-            <a:pPr marL="0" indent="0">
-              <a:buNone/>
-            </a:pPr>
-            <a:r>
-              <a:rPr lang="en-US" sz="3200" b="0" i="0" dirty="0">
-                <a:effectLst/>
-                <a:latin typeface="Slack-Lato"/>
-              </a:rPr>
-              <a:t>As you have probably noticed, the test gets harder from 1-back, 2-back, to 3-back. The 3-back task is challenging for many people, but some could do very well.</a:t>
-            </a:r>
-          </a:p>
-          <a:p>
-            <a:pPr marL="0" indent="0" algn="ctr">
-              <a:buNone/>
-            </a:pPr>
-            <a:endParaRPr lang="en-SG" sz="3200" dirty="0"/>
-          </a:p>
-          <a:p>
-            <a:pPr marL="0" indent="0" algn="ctr">
-              <a:buNone/>
-            </a:pPr>
-            <a:r>
-              <a:rPr lang="en-SG" sz="3200" dirty="0"/>
-              <a:t>Please relax, keep your mind in it and try your best!</a:t>
-            </a:r>
-            <a:endParaRPr lang="en-US" sz="3200" dirty="0"/>
-          </a:p>
-        </p:txBody>
-      </p:sp>
-    </p:spTree>
-    <p:extLst>
-      <p:ext uri="{BB962C8B-B14F-4D97-AF65-F5344CB8AC3E}">
-        <p14:creationId xmlns:p14="http://schemas.microsoft.com/office/powerpoint/2010/main" val="1448015613"/>
-      </p:ext>
-    </p:extLst>
-  </p:cSld>
-  <p:clrMapOvr>
-    <a:masterClrMapping/>
-  </p:clrMapOvr>
-</p:sld>
-</file>
-
 <file path=ppt/slides/slide9.xml><?xml version="1.0" encoding="utf-8"?>
 <p:sld xmlns:a="http://schemas.openxmlformats.org/drawingml/2006/main" xmlns:r="http://schemas.openxmlformats.org/officeDocument/2006/relationships" xmlns:p="http://schemas.openxmlformats.org/presentationml/2006/main">
   <p:cSld>
@@ -11105,10 +10949,10 @@
       </p:grpSpPr>
       <p:sp>
         <p:nvSpPr>
-          <p:cNvPr id="8" name="Content Placeholder 2">
+          <p:cNvPr id="4" name="Content Placeholder 3">
             <a:extLst>
               <a:ext uri="{FF2B5EF4-FFF2-40B4-BE49-F238E27FC236}">
-                <a16:creationId xmlns:a16="http://schemas.microsoft.com/office/drawing/2014/main" id="{C38BEF0F-0A72-4148-9B38-6C3B01FBCA6C}"/>
+                <a16:creationId xmlns:a16="http://schemas.microsoft.com/office/drawing/2014/main" id="{69C5B0DB-9E09-499E-BE89-759A8FEDEAEC}"/>
               </a:ext>
             </a:extLst>
           </p:cNvPr>
@@ -11121,8 +10965,8 @@
         </p:nvSpPr>
         <p:spPr>
           <a:xfrm>
-            <a:off x="0" y="490601"/>
-            <a:ext cx="9144000" cy="5527814"/>
+            <a:off x="0" y="1825625"/>
+            <a:ext cx="9143999" cy="4351338"/>
           </a:xfrm>
         </p:spPr>
         <p:txBody>
@@ -11135,59 +10979,215 @@
               <a:buNone/>
             </a:pPr>
             <a:r>
-              <a:rPr lang="en-SG" sz="3200" dirty="0"/>
-              <a:t>To make you familiar with the task, you can now practice by doing a 1-back, 2-back, and 3-back.</a:t>
+              <a:rPr lang="en-US" sz="2600" dirty="0">
+                <a:latin typeface="+mj-lt"/>
+              </a:rPr>
+              <a:t>Press “</a:t>
+            </a:r>
+            <a:r>
+              <a:rPr lang="en-US" sz="2600" b="1" dirty="0">
+                <a:solidFill>
+                  <a:srgbClr val="FF0000"/>
+                </a:solidFill>
+              </a:rPr>
+              <a:t>A</a:t>
+            </a:r>
+            <a:r>
+              <a:rPr lang="en-US" sz="2600" dirty="0">
+                <a:latin typeface="+mj-lt"/>
+              </a:rPr>
+              <a:t>” if the square is in the </a:t>
+            </a:r>
+            <a:r>
+              <a:rPr lang="en-US" sz="2600" b="1" dirty="0">
+                <a:solidFill>
+                  <a:srgbClr val="FF0000"/>
+                </a:solidFill>
+              </a:rPr>
+              <a:t>same</a:t>
+            </a:r>
+            <a:r>
+              <a:rPr lang="en-US" sz="2600" dirty="0">
+                <a:latin typeface="+mj-lt"/>
+              </a:rPr>
+              <a:t> location as the </a:t>
+            </a:r>
+            <a:r>
+              <a:rPr lang="en-US" sz="2600" b="1" dirty="0">
+                <a:solidFill>
+                  <a:srgbClr val="FF0000"/>
+                </a:solidFill>
+              </a:rPr>
+              <a:t>2</a:t>
+            </a:r>
+            <a:r>
+              <a:rPr lang="en-US" sz="2600" dirty="0">
+                <a:latin typeface="+mj-lt"/>
+              </a:rPr>
+              <a:t> trials before</a:t>
             </a:r>
           </a:p>
           <a:p>
             <a:pPr marL="0" indent="0">
               <a:buNone/>
             </a:pPr>
-            <a:endParaRPr lang="en-SG" sz="3200" dirty="0"/>
+            <a:r>
+              <a:rPr lang="en-US" sz="2600" dirty="0">
+                <a:latin typeface="+mj-lt"/>
+              </a:rPr>
+              <a:t>Press “</a:t>
+            </a:r>
+            <a:r>
+              <a:rPr lang="en-US" sz="2600" b="1" dirty="0">
+                <a:solidFill>
+                  <a:schemeClr val="accent1"/>
+                </a:solidFill>
+              </a:rPr>
+              <a:t>L</a:t>
+            </a:r>
+            <a:r>
+              <a:rPr lang="en-US" sz="2600" dirty="0">
+                <a:latin typeface="+mj-lt"/>
+              </a:rPr>
+              <a:t>” if the square is in the </a:t>
+            </a:r>
+            <a:r>
+              <a:rPr lang="en-US" sz="2600" b="1" dirty="0">
+                <a:solidFill>
+                  <a:schemeClr val="accent1"/>
+                </a:solidFill>
+              </a:rPr>
+              <a:t>different</a:t>
+            </a:r>
+            <a:r>
+              <a:rPr lang="en-US" sz="2600" dirty="0">
+                <a:latin typeface="+mj-lt"/>
+              </a:rPr>
+              <a:t> location from the </a:t>
+            </a:r>
+            <a:r>
+              <a:rPr lang="en-US" sz="2600" b="1" dirty="0">
+                <a:solidFill>
+                  <a:schemeClr val="accent1"/>
+                </a:solidFill>
+              </a:rPr>
+              <a:t>2</a:t>
+            </a:r>
+            <a:r>
+              <a:rPr lang="en-US" sz="2600" dirty="0">
+                <a:latin typeface="+mj-lt"/>
+              </a:rPr>
+              <a:t> trials before</a:t>
+            </a:r>
           </a:p>
           <a:p>
             <a:pPr marL="0" indent="0">
               <a:buNone/>
             </a:pPr>
-            <a:r>
-              <a:rPr lang="en-SG" sz="3200" dirty="0"/>
-              <a:t>For the first n-trials of the task, please press “</a:t>
-            </a:r>
-            <a:r>
-              <a:rPr lang="en-SG" sz="3200" dirty="0">
-                <a:solidFill>
-                  <a:srgbClr val="0070C0"/>
-                </a:solidFill>
-              </a:rPr>
-              <a:t>L</a:t>
-            </a:r>
-            <a:r>
-              <a:rPr lang="en-SG" sz="3200" dirty="0"/>
-              <a:t>” as there are no trials to compare with.</a:t>
-            </a:r>
+            <a:endParaRPr lang="en-US" sz="2600" dirty="0">
+              <a:latin typeface="+mj-lt"/>
+            </a:endParaRPr>
           </a:p>
           <a:p>
             <a:pPr marL="0" indent="0">
               <a:buNone/>
             </a:pPr>
-            <a:endParaRPr lang="en-SG" sz="3200" dirty="0"/>
+            <a:r>
+              <a:rPr lang="en-US" sz="2600" b="1" dirty="0"/>
+              <a:t>Please try to work as quickly and accurately as possible</a:t>
+            </a:r>
           </a:p>
           <a:p>
             <a:pPr marL="0" indent="0">
               <a:buNone/>
             </a:pPr>
-            <a:r>
-              <a:rPr lang="en-SG" sz="3200" dirty="0"/>
-              <a:t>If you have forgotten the pattern during the task, please restart the count from that trial.</a:t>
-            </a:r>
-            <a:endParaRPr lang="en-US" sz="3200" dirty="0"/>
+            <a:endParaRPr lang="en-US" sz="2600" b="1" dirty="0"/>
+          </a:p>
+          <a:p>
+            <a:pPr marL="0" indent="0">
+              <a:buNone/>
+            </a:pPr>
+            <a:r>
+              <a:rPr lang="en-US" sz="2600" b="1" dirty="0"/>
+              <a:t>Press any key to continue</a:t>
+            </a:r>
+          </a:p>
+        </p:txBody>
+      </p:sp>
+      <p:sp>
+        <p:nvSpPr>
+          <p:cNvPr id="5" name="Title 1">
+            <a:extLst>
+              <a:ext uri="{FF2B5EF4-FFF2-40B4-BE49-F238E27FC236}">
+                <a16:creationId xmlns:a16="http://schemas.microsoft.com/office/drawing/2014/main" id="{D73BDBF5-7A9F-4E15-AF29-4A0C190914D4}"/>
+              </a:ext>
+            </a:extLst>
+          </p:cNvPr>
+          <p:cNvSpPr>
+            <a:spLocks noGrp="1"/>
+          </p:cNvSpPr>
+          <p:nvPr>
+            <p:ph type="title"/>
+          </p:nvPr>
+        </p:nvSpPr>
+        <p:spPr>
+          <a:xfrm>
+            <a:off x="1704109" y="617714"/>
+            <a:ext cx="5735782" cy="820388"/>
+          </a:xfrm>
+          <a:solidFill>
+            <a:schemeClr val="tx1">
+              <a:lumMod val="50000"/>
+            </a:schemeClr>
+          </a:solidFill>
+        </p:spPr>
+        <p:txBody>
+          <a:bodyPr>
+            <a:normAutofit/>
+          </a:bodyPr>
+          <a:lstStyle/>
+          <a:p>
+            <a:pPr algn="ctr"/>
+            <a:r>
+              <a:rPr lang="en-SG" dirty="0">
+                <a:solidFill>
+                  <a:schemeClr val="bg1"/>
+                </a:solidFill>
+                <a:latin typeface="+mn-lt"/>
+              </a:rPr>
+              <a:t>This is a </a:t>
+            </a:r>
+            <a:r>
+              <a:rPr lang="en-SG" b="1" dirty="0">
+                <a:solidFill>
+                  <a:srgbClr val="FF0000"/>
+                </a:solidFill>
+                <a:latin typeface="+mn-lt"/>
+              </a:rPr>
+              <a:t>3-back</a:t>
+            </a:r>
+            <a:r>
+              <a:rPr lang="en-SG" dirty="0">
+                <a:solidFill>
+                  <a:schemeClr val="bg1"/>
+                </a:solidFill>
+                <a:latin typeface="+mn-lt"/>
+              </a:rPr>
+              <a:t> task</a:t>
+            </a:r>
+            <a:endParaRPr lang="en-US" dirty="0">
+              <a:solidFill>
+                <a:schemeClr val="bg1"/>
+              </a:solidFill>
+              <a:latin typeface="+mn-lt"/>
+            </a:endParaRPr>
           </a:p>
         </p:txBody>
       </p:sp>
     </p:spTree>
     <p:extLst>
       <p:ext uri="{BB962C8B-B14F-4D97-AF65-F5344CB8AC3E}">
-        <p14:creationId xmlns:p14="http://schemas.microsoft.com/office/powerpoint/2010/main" val="1184106991"/>
+        <p14:creationId xmlns:p14="http://schemas.microsoft.com/office/powerpoint/2010/main" val="4031541314"/>
       </p:ext>
     </p:extLst>
   </p:cSld>

--- a/public/img/WMT/WMT_instructions.pptx
+++ b/public/img/WMT/WMT_instructions.pptx
@@ -209,7 +209,7 @@
           <a:p>
             <a:fld id="{92567192-85A7-4BFC-899C-6404A791965D}" type="datetimeFigureOut">
               <a:rPr lang="en-US" smtClean="0"/>
-              <a:t>3/10/2021</a:t>
+              <a:t>3/12/2021</a:t>
             </a:fld>
             <a:endParaRPr lang="en-US"/>
           </a:p>
@@ -694,7 +694,7 @@
           <a:p>
             <a:fld id="{A9621F3F-A60B-4790-965F-DED3750481E9}" type="datetimeFigureOut">
               <a:rPr lang="en-US" smtClean="0"/>
-              <a:t>3/10/2021</a:t>
+              <a:t>3/12/2021</a:t>
             </a:fld>
             <a:endParaRPr lang="en-US"/>
           </a:p>
@@ -864,7 +864,7 @@
           <a:p>
             <a:fld id="{A9621F3F-A60B-4790-965F-DED3750481E9}" type="datetimeFigureOut">
               <a:rPr lang="en-US" smtClean="0"/>
-              <a:t>3/10/2021</a:t>
+              <a:t>3/12/2021</a:t>
             </a:fld>
             <a:endParaRPr lang="en-US"/>
           </a:p>
@@ -1044,7 +1044,7 @@
           <a:p>
             <a:fld id="{A9621F3F-A60B-4790-965F-DED3750481E9}" type="datetimeFigureOut">
               <a:rPr lang="en-US" smtClean="0"/>
-              <a:t>3/10/2021</a:t>
+              <a:t>3/12/2021</a:t>
             </a:fld>
             <a:endParaRPr lang="en-US"/>
           </a:p>
@@ -1214,7 +1214,7 @@
           <a:p>
             <a:fld id="{A9621F3F-A60B-4790-965F-DED3750481E9}" type="datetimeFigureOut">
               <a:rPr lang="en-US" smtClean="0"/>
-              <a:t>3/10/2021</a:t>
+              <a:t>3/12/2021</a:t>
             </a:fld>
             <a:endParaRPr lang="en-US"/>
           </a:p>
@@ -1460,7 +1460,7 @@
           <a:p>
             <a:fld id="{A9621F3F-A60B-4790-965F-DED3750481E9}" type="datetimeFigureOut">
               <a:rPr lang="en-US" smtClean="0"/>
-              <a:t>3/10/2021</a:t>
+              <a:t>3/12/2021</a:t>
             </a:fld>
             <a:endParaRPr lang="en-US"/>
           </a:p>
@@ -1692,7 +1692,7 @@
           <a:p>
             <a:fld id="{A9621F3F-A60B-4790-965F-DED3750481E9}" type="datetimeFigureOut">
               <a:rPr lang="en-US" smtClean="0"/>
-              <a:t>3/10/2021</a:t>
+              <a:t>3/12/2021</a:t>
             </a:fld>
             <a:endParaRPr lang="en-US"/>
           </a:p>
@@ -2059,7 +2059,7 @@
           <a:p>
             <a:fld id="{A9621F3F-A60B-4790-965F-DED3750481E9}" type="datetimeFigureOut">
               <a:rPr lang="en-US" smtClean="0"/>
-              <a:t>3/10/2021</a:t>
+              <a:t>3/12/2021</a:t>
             </a:fld>
             <a:endParaRPr lang="en-US"/>
           </a:p>
@@ -2177,7 +2177,7 @@
           <a:p>
             <a:fld id="{A9621F3F-A60B-4790-965F-DED3750481E9}" type="datetimeFigureOut">
               <a:rPr lang="en-US" smtClean="0"/>
-              <a:t>3/10/2021</a:t>
+              <a:t>3/12/2021</a:t>
             </a:fld>
             <a:endParaRPr lang="en-US"/>
           </a:p>
@@ -2272,7 +2272,7 @@
           <a:p>
             <a:fld id="{A9621F3F-A60B-4790-965F-DED3750481E9}" type="datetimeFigureOut">
               <a:rPr lang="en-US" smtClean="0"/>
-              <a:t>3/10/2021</a:t>
+              <a:t>3/12/2021</a:t>
             </a:fld>
             <a:endParaRPr lang="en-US"/>
           </a:p>
@@ -2549,7 +2549,7 @@
           <a:p>
             <a:fld id="{A9621F3F-A60B-4790-965F-DED3750481E9}" type="datetimeFigureOut">
               <a:rPr lang="en-US" smtClean="0"/>
-              <a:t>3/10/2021</a:t>
+              <a:t>3/12/2021</a:t>
             </a:fld>
             <a:endParaRPr lang="en-US"/>
           </a:p>
@@ -2806,7 +2806,7 @@
           <a:p>
             <a:fld id="{A9621F3F-A60B-4790-965F-DED3750481E9}" type="datetimeFigureOut">
               <a:rPr lang="en-US" smtClean="0"/>
-              <a:t>3/10/2021</a:t>
+              <a:t>3/12/2021</a:t>
             </a:fld>
             <a:endParaRPr lang="en-US"/>
           </a:p>
@@ -3019,7 +3019,7 @@
           <a:p>
             <a:fld id="{A9621F3F-A60B-4790-965F-DED3750481E9}" type="datetimeFigureOut">
               <a:rPr lang="en-US" smtClean="0"/>
-              <a:t>3/10/2021</a:t>
+              <a:t>3/12/2021</a:t>
             </a:fld>
             <a:endParaRPr lang="en-US"/>
           </a:p>
@@ -11018,7 +11018,7 @@
                   <a:srgbClr val="FF0000"/>
                 </a:solidFill>
               </a:rPr>
-              <a:t>2</a:t>
+              <a:t>3</a:t>
             </a:r>
             <a:r>
               <a:rPr lang="en-US" sz="2600" dirty="0">
@@ -11063,21 +11063,33 @@
               <a:rPr lang="en-US" sz="2600" dirty="0">
                 <a:latin typeface="+mj-lt"/>
               </a:rPr>
-              <a:t> location from the </a:t>
-            </a:r>
-            <a:r>
-              <a:rPr lang="en-US" sz="2600" b="1" dirty="0">
+              <a:t> location from </a:t>
+            </a:r>
+            <a:r>
+              <a:rPr lang="en-US" sz="2600">
+                <a:latin typeface="+mj-lt"/>
+              </a:rPr>
+              <a:t>the </a:t>
+            </a:r>
+            <a:r>
+              <a:rPr lang="en-US" sz="2600" b="1">
                 <a:solidFill>
                   <a:schemeClr val="accent1"/>
                 </a:solidFill>
               </a:rPr>
-              <a:t>2</a:t>
+              <a:t>3</a:t>
+            </a:r>
+            <a:r>
+              <a:rPr lang="en-US" sz="2600">
+                <a:latin typeface="+mj-lt"/>
+              </a:rPr>
+              <a:t> </a:t>
             </a:r>
             <a:r>
               <a:rPr lang="en-US" sz="2600" dirty="0">
                 <a:latin typeface="+mj-lt"/>
               </a:rPr>
-              <a:t> trials before</a:t>
+              <a:t>trials before</a:t>
             </a:r>
           </a:p>
           <a:p>

--- a/public/img/WMT/WMT_instructions.pptx
+++ b/public/img/WMT/WMT_instructions.pptx
@@ -4791,6 +4791,1038 @@
           </a:prstGeom>
         </p:spPr>
       </p:pic>
+      <p:sp>
+        <p:nvSpPr>
+          <p:cNvPr id="27" name="Content Placeholder 2">
+            <a:extLst>
+              <a:ext uri="{FF2B5EF4-FFF2-40B4-BE49-F238E27FC236}">
+                <a16:creationId xmlns:a16="http://schemas.microsoft.com/office/drawing/2014/main" id="{8F067F73-F797-4BA7-A736-68E76E250567}"/>
+              </a:ext>
+            </a:extLst>
+          </p:cNvPr>
+          <p:cNvSpPr txBox="1">
+            <a:spLocks/>
+          </p:cNvSpPr>
+          <p:nvPr/>
+        </p:nvSpPr>
+        <p:spPr>
+          <a:xfrm>
+            <a:off x="40267" y="4423129"/>
+            <a:ext cx="1117548" cy="1131338"/>
+          </a:xfrm>
+          <a:prstGeom prst="rect">
+            <a:avLst/>
+          </a:prstGeom>
+        </p:spPr>
+        <p:txBody>
+          <a:bodyPr vert="horz" lIns="91440" tIns="45720" rIns="91440" bIns="45720" rtlCol="0">
+            <a:normAutofit fontScale="92500" lnSpcReduction="10000"/>
+          </a:bodyPr>
+          <a:lstStyle>
+            <a:lvl1pPr marL="228600" indent="-228600" algn="l" defTabSz="914400" rtl="0" eaLnBrk="1" latinLnBrk="0" hangingPunct="1">
+              <a:lnSpc>
+                <a:spcPct val="90000"/>
+              </a:lnSpc>
+              <a:spcBef>
+                <a:spcPts val="1000"/>
+              </a:spcBef>
+              <a:buFont typeface="Arial" panose="020B0604020202020204" pitchFamily="34" charset="0"/>
+              <a:buChar char="•"/>
+              <a:defRPr sz="2800" kern="1200">
+                <a:solidFill>
+                  <a:schemeClr val="tx1"/>
+                </a:solidFill>
+                <a:latin typeface="+mn-lt"/>
+                <a:ea typeface="+mn-ea"/>
+                <a:cs typeface="+mn-cs"/>
+              </a:defRPr>
+            </a:lvl1pPr>
+            <a:lvl2pPr marL="685800" indent="-228600" algn="l" defTabSz="914400" rtl="0" eaLnBrk="1" latinLnBrk="0" hangingPunct="1">
+              <a:lnSpc>
+                <a:spcPct val="90000"/>
+              </a:lnSpc>
+              <a:spcBef>
+                <a:spcPts val="500"/>
+              </a:spcBef>
+              <a:buFont typeface="Arial" panose="020B0604020202020204" pitchFamily="34" charset="0"/>
+              <a:buChar char="•"/>
+              <a:defRPr sz="2400" kern="1200">
+                <a:solidFill>
+                  <a:schemeClr val="tx1"/>
+                </a:solidFill>
+                <a:latin typeface="+mn-lt"/>
+                <a:ea typeface="+mn-ea"/>
+                <a:cs typeface="+mn-cs"/>
+              </a:defRPr>
+            </a:lvl2pPr>
+            <a:lvl3pPr marL="1143000" indent="-228600" algn="l" defTabSz="914400" rtl="0" eaLnBrk="1" latinLnBrk="0" hangingPunct="1">
+              <a:lnSpc>
+                <a:spcPct val="90000"/>
+              </a:lnSpc>
+              <a:spcBef>
+                <a:spcPts val="500"/>
+              </a:spcBef>
+              <a:buFont typeface="Arial" panose="020B0604020202020204" pitchFamily="34" charset="0"/>
+              <a:buChar char="•"/>
+              <a:defRPr sz="2000" kern="1200">
+                <a:solidFill>
+                  <a:schemeClr val="tx1"/>
+                </a:solidFill>
+                <a:latin typeface="+mn-lt"/>
+                <a:ea typeface="+mn-ea"/>
+                <a:cs typeface="+mn-cs"/>
+              </a:defRPr>
+            </a:lvl3pPr>
+            <a:lvl4pPr marL="1600200" indent="-228600" algn="l" defTabSz="914400" rtl="0" eaLnBrk="1" latinLnBrk="0" hangingPunct="1">
+              <a:lnSpc>
+                <a:spcPct val="90000"/>
+              </a:lnSpc>
+              <a:spcBef>
+                <a:spcPts val="500"/>
+              </a:spcBef>
+              <a:buFont typeface="Arial" panose="020B0604020202020204" pitchFamily="34" charset="0"/>
+              <a:buChar char="•"/>
+              <a:defRPr sz="1800" kern="1200">
+                <a:solidFill>
+                  <a:schemeClr val="tx1"/>
+                </a:solidFill>
+                <a:latin typeface="+mn-lt"/>
+                <a:ea typeface="+mn-ea"/>
+                <a:cs typeface="+mn-cs"/>
+              </a:defRPr>
+            </a:lvl4pPr>
+            <a:lvl5pPr marL="2057400" indent="-228600" algn="l" defTabSz="914400" rtl="0" eaLnBrk="1" latinLnBrk="0" hangingPunct="1">
+              <a:lnSpc>
+                <a:spcPct val="90000"/>
+              </a:lnSpc>
+              <a:spcBef>
+                <a:spcPts val="500"/>
+              </a:spcBef>
+              <a:buFont typeface="Arial" panose="020B0604020202020204" pitchFamily="34" charset="0"/>
+              <a:buChar char="•"/>
+              <a:defRPr sz="1800" kern="1200">
+                <a:solidFill>
+                  <a:schemeClr val="tx1"/>
+                </a:solidFill>
+                <a:latin typeface="+mn-lt"/>
+                <a:ea typeface="+mn-ea"/>
+                <a:cs typeface="+mn-cs"/>
+              </a:defRPr>
+            </a:lvl5pPr>
+            <a:lvl6pPr marL="2514600" indent="-228600" algn="l" defTabSz="914400" rtl="0" eaLnBrk="1" latinLnBrk="0" hangingPunct="1">
+              <a:lnSpc>
+                <a:spcPct val="90000"/>
+              </a:lnSpc>
+              <a:spcBef>
+                <a:spcPts val="500"/>
+              </a:spcBef>
+              <a:buFont typeface="Arial" panose="020B0604020202020204" pitchFamily="34" charset="0"/>
+              <a:buChar char="•"/>
+              <a:defRPr sz="1800" kern="1200">
+                <a:solidFill>
+                  <a:schemeClr val="tx1"/>
+                </a:solidFill>
+                <a:latin typeface="+mn-lt"/>
+                <a:ea typeface="+mn-ea"/>
+                <a:cs typeface="+mn-cs"/>
+              </a:defRPr>
+            </a:lvl6pPr>
+            <a:lvl7pPr marL="2971800" indent="-228600" algn="l" defTabSz="914400" rtl="0" eaLnBrk="1" latinLnBrk="0" hangingPunct="1">
+              <a:lnSpc>
+                <a:spcPct val="90000"/>
+              </a:lnSpc>
+              <a:spcBef>
+                <a:spcPts val="500"/>
+              </a:spcBef>
+              <a:buFont typeface="Arial" panose="020B0604020202020204" pitchFamily="34" charset="0"/>
+              <a:buChar char="•"/>
+              <a:defRPr sz="1800" kern="1200">
+                <a:solidFill>
+                  <a:schemeClr val="tx1"/>
+                </a:solidFill>
+                <a:latin typeface="+mn-lt"/>
+                <a:ea typeface="+mn-ea"/>
+                <a:cs typeface="+mn-cs"/>
+              </a:defRPr>
+            </a:lvl7pPr>
+            <a:lvl8pPr marL="3429000" indent="-228600" algn="l" defTabSz="914400" rtl="0" eaLnBrk="1" latinLnBrk="0" hangingPunct="1">
+              <a:lnSpc>
+                <a:spcPct val="90000"/>
+              </a:lnSpc>
+              <a:spcBef>
+                <a:spcPts val="500"/>
+              </a:spcBef>
+              <a:buFont typeface="Arial" panose="020B0604020202020204" pitchFamily="34" charset="0"/>
+              <a:buChar char="•"/>
+              <a:defRPr sz="1800" kern="1200">
+                <a:solidFill>
+                  <a:schemeClr val="tx1"/>
+                </a:solidFill>
+                <a:latin typeface="+mn-lt"/>
+                <a:ea typeface="+mn-ea"/>
+                <a:cs typeface="+mn-cs"/>
+              </a:defRPr>
+            </a:lvl8pPr>
+            <a:lvl9pPr marL="3886200" indent="-228600" algn="l" defTabSz="914400" rtl="0" eaLnBrk="1" latinLnBrk="0" hangingPunct="1">
+              <a:lnSpc>
+                <a:spcPct val="90000"/>
+              </a:lnSpc>
+              <a:spcBef>
+                <a:spcPts val="500"/>
+              </a:spcBef>
+              <a:buFont typeface="Arial" panose="020B0604020202020204" pitchFamily="34" charset="0"/>
+              <a:buChar char="•"/>
+              <a:defRPr sz="1800" kern="1200">
+                <a:solidFill>
+                  <a:schemeClr val="tx1"/>
+                </a:solidFill>
+                <a:latin typeface="+mn-lt"/>
+                <a:ea typeface="+mn-ea"/>
+                <a:cs typeface="+mn-cs"/>
+              </a:defRPr>
+            </a:lvl9pPr>
+          </a:lstStyle>
+          <a:p>
+            <a:pPr marL="0" indent="0">
+              <a:buFont typeface="Arial" panose="020B0604020202020204" pitchFamily="34" charset="0"/>
+              <a:buNone/>
+            </a:pPr>
+            <a:r>
+              <a:rPr lang="en-SG" sz="1400" dirty="0"/>
+              <a:t>Here, you have to press “</a:t>
+            </a:r>
+            <a:r>
+              <a:rPr lang="en-SG" sz="1400" b="1" dirty="0">
+                <a:solidFill>
+                  <a:srgbClr val="0070C0"/>
+                </a:solidFill>
+              </a:rPr>
+              <a:t>L</a:t>
+            </a:r>
+            <a:r>
+              <a:rPr lang="en-SG" sz="1400" dirty="0"/>
+              <a:t>”, because there is nothing to compare with</a:t>
+            </a:r>
+            <a:endParaRPr lang="en-US" sz="1400" dirty="0"/>
+          </a:p>
+        </p:txBody>
+      </p:sp>
+      <p:cxnSp>
+        <p:nvCxnSpPr>
+          <p:cNvPr id="28" name="Straight Arrow Connector 27">
+            <a:extLst>
+              <a:ext uri="{FF2B5EF4-FFF2-40B4-BE49-F238E27FC236}">
+                <a16:creationId xmlns:a16="http://schemas.microsoft.com/office/drawing/2014/main" id="{8A19B054-1D75-4E62-BF87-44AE5B3B5F3B}"/>
+              </a:ext>
+            </a:extLst>
+          </p:cNvPr>
+          <p:cNvCxnSpPr/>
+          <p:nvPr/>
+        </p:nvCxnSpPr>
+        <p:spPr>
+          <a:xfrm flipV="1">
+            <a:off x="599041" y="3848260"/>
+            <a:ext cx="0" cy="483830"/>
+          </a:xfrm>
+          <a:prstGeom prst="straightConnector1">
+            <a:avLst/>
+          </a:prstGeom>
+          <a:ln w="28575">
+            <a:solidFill>
+              <a:srgbClr val="0070C0"/>
+            </a:solidFill>
+            <a:tailEnd type="triangle"/>
+          </a:ln>
+        </p:spPr>
+        <p:style>
+          <a:lnRef idx="1">
+            <a:schemeClr val="accent2"/>
+          </a:lnRef>
+          <a:fillRef idx="0">
+            <a:schemeClr val="accent2"/>
+          </a:fillRef>
+          <a:effectRef idx="0">
+            <a:schemeClr val="accent2"/>
+          </a:effectRef>
+          <a:fontRef idx="minor">
+            <a:schemeClr val="tx1"/>
+          </a:fontRef>
+        </p:style>
+      </p:cxnSp>
+      <p:sp>
+        <p:nvSpPr>
+          <p:cNvPr id="31" name="Content Placeholder 2">
+            <a:extLst>
+              <a:ext uri="{FF2B5EF4-FFF2-40B4-BE49-F238E27FC236}">
+                <a16:creationId xmlns:a16="http://schemas.microsoft.com/office/drawing/2014/main" id="{8D163C47-F109-4899-BFC6-FCD1B46FCCB8}"/>
+              </a:ext>
+            </a:extLst>
+          </p:cNvPr>
+          <p:cNvSpPr txBox="1">
+            <a:spLocks/>
+          </p:cNvSpPr>
+          <p:nvPr/>
+        </p:nvSpPr>
+        <p:spPr>
+          <a:xfrm>
+            <a:off x="1366391" y="4423129"/>
+            <a:ext cx="1117548" cy="1131338"/>
+          </a:xfrm>
+          <a:prstGeom prst="rect">
+            <a:avLst/>
+          </a:prstGeom>
+        </p:spPr>
+        <p:txBody>
+          <a:bodyPr vert="horz" lIns="91440" tIns="45720" rIns="91440" bIns="45720" rtlCol="0">
+            <a:normAutofit fontScale="92500" lnSpcReduction="10000"/>
+          </a:bodyPr>
+          <a:lstStyle>
+            <a:lvl1pPr marL="228600" indent="-228600" algn="l" defTabSz="914400" rtl="0" eaLnBrk="1" latinLnBrk="0" hangingPunct="1">
+              <a:lnSpc>
+                <a:spcPct val="90000"/>
+              </a:lnSpc>
+              <a:spcBef>
+                <a:spcPts val="1000"/>
+              </a:spcBef>
+              <a:buFont typeface="Arial" panose="020B0604020202020204" pitchFamily="34" charset="0"/>
+              <a:buChar char="•"/>
+              <a:defRPr sz="2800" kern="1200">
+                <a:solidFill>
+                  <a:schemeClr val="tx1"/>
+                </a:solidFill>
+                <a:latin typeface="+mn-lt"/>
+                <a:ea typeface="+mn-ea"/>
+                <a:cs typeface="+mn-cs"/>
+              </a:defRPr>
+            </a:lvl1pPr>
+            <a:lvl2pPr marL="685800" indent="-228600" algn="l" defTabSz="914400" rtl="0" eaLnBrk="1" latinLnBrk="0" hangingPunct="1">
+              <a:lnSpc>
+                <a:spcPct val="90000"/>
+              </a:lnSpc>
+              <a:spcBef>
+                <a:spcPts val="500"/>
+              </a:spcBef>
+              <a:buFont typeface="Arial" panose="020B0604020202020204" pitchFamily="34" charset="0"/>
+              <a:buChar char="•"/>
+              <a:defRPr sz="2400" kern="1200">
+                <a:solidFill>
+                  <a:schemeClr val="tx1"/>
+                </a:solidFill>
+                <a:latin typeface="+mn-lt"/>
+                <a:ea typeface="+mn-ea"/>
+                <a:cs typeface="+mn-cs"/>
+              </a:defRPr>
+            </a:lvl2pPr>
+            <a:lvl3pPr marL="1143000" indent="-228600" algn="l" defTabSz="914400" rtl="0" eaLnBrk="1" latinLnBrk="0" hangingPunct="1">
+              <a:lnSpc>
+                <a:spcPct val="90000"/>
+              </a:lnSpc>
+              <a:spcBef>
+                <a:spcPts val="500"/>
+              </a:spcBef>
+              <a:buFont typeface="Arial" panose="020B0604020202020204" pitchFamily="34" charset="0"/>
+              <a:buChar char="•"/>
+              <a:defRPr sz="2000" kern="1200">
+                <a:solidFill>
+                  <a:schemeClr val="tx1"/>
+                </a:solidFill>
+                <a:latin typeface="+mn-lt"/>
+                <a:ea typeface="+mn-ea"/>
+                <a:cs typeface="+mn-cs"/>
+              </a:defRPr>
+            </a:lvl3pPr>
+            <a:lvl4pPr marL="1600200" indent="-228600" algn="l" defTabSz="914400" rtl="0" eaLnBrk="1" latinLnBrk="0" hangingPunct="1">
+              <a:lnSpc>
+                <a:spcPct val="90000"/>
+              </a:lnSpc>
+              <a:spcBef>
+                <a:spcPts val="500"/>
+              </a:spcBef>
+              <a:buFont typeface="Arial" panose="020B0604020202020204" pitchFamily="34" charset="0"/>
+              <a:buChar char="•"/>
+              <a:defRPr sz="1800" kern="1200">
+                <a:solidFill>
+                  <a:schemeClr val="tx1"/>
+                </a:solidFill>
+                <a:latin typeface="+mn-lt"/>
+                <a:ea typeface="+mn-ea"/>
+                <a:cs typeface="+mn-cs"/>
+              </a:defRPr>
+            </a:lvl4pPr>
+            <a:lvl5pPr marL="2057400" indent="-228600" algn="l" defTabSz="914400" rtl="0" eaLnBrk="1" latinLnBrk="0" hangingPunct="1">
+              <a:lnSpc>
+                <a:spcPct val="90000"/>
+              </a:lnSpc>
+              <a:spcBef>
+                <a:spcPts val="500"/>
+              </a:spcBef>
+              <a:buFont typeface="Arial" panose="020B0604020202020204" pitchFamily="34" charset="0"/>
+              <a:buChar char="•"/>
+              <a:defRPr sz="1800" kern="1200">
+                <a:solidFill>
+                  <a:schemeClr val="tx1"/>
+                </a:solidFill>
+                <a:latin typeface="+mn-lt"/>
+                <a:ea typeface="+mn-ea"/>
+                <a:cs typeface="+mn-cs"/>
+              </a:defRPr>
+            </a:lvl5pPr>
+            <a:lvl6pPr marL="2514600" indent="-228600" algn="l" defTabSz="914400" rtl="0" eaLnBrk="1" latinLnBrk="0" hangingPunct="1">
+              <a:lnSpc>
+                <a:spcPct val="90000"/>
+              </a:lnSpc>
+              <a:spcBef>
+                <a:spcPts val="500"/>
+              </a:spcBef>
+              <a:buFont typeface="Arial" panose="020B0604020202020204" pitchFamily="34" charset="0"/>
+              <a:buChar char="•"/>
+              <a:defRPr sz="1800" kern="1200">
+                <a:solidFill>
+                  <a:schemeClr val="tx1"/>
+                </a:solidFill>
+                <a:latin typeface="+mn-lt"/>
+                <a:ea typeface="+mn-ea"/>
+                <a:cs typeface="+mn-cs"/>
+              </a:defRPr>
+            </a:lvl6pPr>
+            <a:lvl7pPr marL="2971800" indent="-228600" algn="l" defTabSz="914400" rtl="0" eaLnBrk="1" latinLnBrk="0" hangingPunct="1">
+              <a:lnSpc>
+                <a:spcPct val="90000"/>
+              </a:lnSpc>
+              <a:spcBef>
+                <a:spcPts val="500"/>
+              </a:spcBef>
+              <a:buFont typeface="Arial" panose="020B0604020202020204" pitchFamily="34" charset="0"/>
+              <a:buChar char="•"/>
+              <a:defRPr sz="1800" kern="1200">
+                <a:solidFill>
+                  <a:schemeClr val="tx1"/>
+                </a:solidFill>
+                <a:latin typeface="+mn-lt"/>
+                <a:ea typeface="+mn-ea"/>
+                <a:cs typeface="+mn-cs"/>
+              </a:defRPr>
+            </a:lvl7pPr>
+            <a:lvl8pPr marL="3429000" indent="-228600" algn="l" defTabSz="914400" rtl="0" eaLnBrk="1" latinLnBrk="0" hangingPunct="1">
+              <a:lnSpc>
+                <a:spcPct val="90000"/>
+              </a:lnSpc>
+              <a:spcBef>
+                <a:spcPts val="500"/>
+              </a:spcBef>
+              <a:buFont typeface="Arial" panose="020B0604020202020204" pitchFamily="34" charset="0"/>
+              <a:buChar char="•"/>
+              <a:defRPr sz="1800" kern="1200">
+                <a:solidFill>
+                  <a:schemeClr val="tx1"/>
+                </a:solidFill>
+                <a:latin typeface="+mn-lt"/>
+                <a:ea typeface="+mn-ea"/>
+                <a:cs typeface="+mn-cs"/>
+              </a:defRPr>
+            </a:lvl8pPr>
+            <a:lvl9pPr marL="3886200" indent="-228600" algn="l" defTabSz="914400" rtl="0" eaLnBrk="1" latinLnBrk="0" hangingPunct="1">
+              <a:lnSpc>
+                <a:spcPct val="90000"/>
+              </a:lnSpc>
+              <a:spcBef>
+                <a:spcPts val="500"/>
+              </a:spcBef>
+              <a:buFont typeface="Arial" panose="020B0604020202020204" pitchFamily="34" charset="0"/>
+              <a:buChar char="•"/>
+              <a:defRPr sz="1800" kern="1200">
+                <a:solidFill>
+                  <a:schemeClr val="tx1"/>
+                </a:solidFill>
+                <a:latin typeface="+mn-lt"/>
+                <a:ea typeface="+mn-ea"/>
+                <a:cs typeface="+mn-cs"/>
+              </a:defRPr>
+            </a:lvl9pPr>
+          </a:lstStyle>
+          <a:p>
+            <a:pPr marL="0" indent="0">
+              <a:buFont typeface="Arial" panose="020B0604020202020204" pitchFamily="34" charset="0"/>
+              <a:buNone/>
+            </a:pPr>
+            <a:r>
+              <a:rPr lang="en-SG" sz="1400" dirty="0"/>
+              <a:t>Here, you have to press “</a:t>
+            </a:r>
+            <a:r>
+              <a:rPr lang="en-SG" sz="1400" b="1" dirty="0">
+                <a:solidFill>
+                  <a:srgbClr val="0070C0"/>
+                </a:solidFill>
+              </a:rPr>
+              <a:t>L</a:t>
+            </a:r>
+            <a:r>
+              <a:rPr lang="en-SG" sz="1400" dirty="0"/>
+              <a:t>”, because there is nothing to compare with</a:t>
+            </a:r>
+            <a:endParaRPr lang="en-US" sz="1400" dirty="0"/>
+          </a:p>
+        </p:txBody>
+      </p:sp>
+      <p:cxnSp>
+        <p:nvCxnSpPr>
+          <p:cNvPr id="32" name="Straight Arrow Connector 31">
+            <a:extLst>
+              <a:ext uri="{FF2B5EF4-FFF2-40B4-BE49-F238E27FC236}">
+                <a16:creationId xmlns:a16="http://schemas.microsoft.com/office/drawing/2014/main" id="{946FB090-75F5-472A-932F-E65AA314F65E}"/>
+              </a:ext>
+            </a:extLst>
+          </p:cNvPr>
+          <p:cNvCxnSpPr/>
+          <p:nvPr/>
+        </p:nvCxnSpPr>
+        <p:spPr>
+          <a:xfrm flipV="1">
+            <a:off x="1963449" y="3848260"/>
+            <a:ext cx="0" cy="483830"/>
+          </a:xfrm>
+          <a:prstGeom prst="straightConnector1">
+            <a:avLst/>
+          </a:prstGeom>
+          <a:ln w="28575">
+            <a:solidFill>
+              <a:srgbClr val="0070C0"/>
+            </a:solidFill>
+            <a:tailEnd type="triangle"/>
+          </a:ln>
+        </p:spPr>
+        <p:style>
+          <a:lnRef idx="1">
+            <a:schemeClr val="accent2"/>
+          </a:lnRef>
+          <a:fillRef idx="0">
+            <a:schemeClr val="accent2"/>
+          </a:fillRef>
+          <a:effectRef idx="0">
+            <a:schemeClr val="accent2"/>
+          </a:effectRef>
+          <a:fontRef idx="minor">
+            <a:schemeClr val="tx1"/>
+          </a:fontRef>
+        </p:style>
+      </p:cxnSp>
+      <p:sp>
+        <p:nvSpPr>
+          <p:cNvPr id="33" name="Content Placeholder 2">
+            <a:extLst>
+              <a:ext uri="{FF2B5EF4-FFF2-40B4-BE49-F238E27FC236}">
+                <a16:creationId xmlns:a16="http://schemas.microsoft.com/office/drawing/2014/main" id="{E6125EFD-E1B4-4D7D-88AB-01555F20F890}"/>
+              </a:ext>
+            </a:extLst>
+          </p:cNvPr>
+          <p:cNvSpPr txBox="1">
+            <a:spLocks/>
+          </p:cNvSpPr>
+          <p:nvPr/>
+        </p:nvSpPr>
+        <p:spPr>
+          <a:xfrm>
+            <a:off x="2664702" y="4423129"/>
+            <a:ext cx="1117548" cy="1131338"/>
+          </a:xfrm>
+          <a:prstGeom prst="rect">
+            <a:avLst/>
+          </a:prstGeom>
+        </p:spPr>
+        <p:txBody>
+          <a:bodyPr vert="horz" lIns="91440" tIns="45720" rIns="91440" bIns="45720" rtlCol="0">
+            <a:normAutofit fontScale="92500" lnSpcReduction="10000"/>
+          </a:bodyPr>
+          <a:lstStyle>
+            <a:lvl1pPr marL="228600" indent="-228600" algn="l" defTabSz="914400" rtl="0" eaLnBrk="1" latinLnBrk="0" hangingPunct="1">
+              <a:lnSpc>
+                <a:spcPct val="90000"/>
+              </a:lnSpc>
+              <a:spcBef>
+                <a:spcPts val="1000"/>
+              </a:spcBef>
+              <a:buFont typeface="Arial" panose="020B0604020202020204" pitchFamily="34" charset="0"/>
+              <a:buChar char="•"/>
+              <a:defRPr sz="2800" kern="1200">
+                <a:solidFill>
+                  <a:schemeClr val="tx1"/>
+                </a:solidFill>
+                <a:latin typeface="+mn-lt"/>
+                <a:ea typeface="+mn-ea"/>
+                <a:cs typeface="+mn-cs"/>
+              </a:defRPr>
+            </a:lvl1pPr>
+            <a:lvl2pPr marL="685800" indent="-228600" algn="l" defTabSz="914400" rtl="0" eaLnBrk="1" latinLnBrk="0" hangingPunct="1">
+              <a:lnSpc>
+                <a:spcPct val="90000"/>
+              </a:lnSpc>
+              <a:spcBef>
+                <a:spcPts val="500"/>
+              </a:spcBef>
+              <a:buFont typeface="Arial" panose="020B0604020202020204" pitchFamily="34" charset="0"/>
+              <a:buChar char="•"/>
+              <a:defRPr sz="2400" kern="1200">
+                <a:solidFill>
+                  <a:schemeClr val="tx1"/>
+                </a:solidFill>
+                <a:latin typeface="+mn-lt"/>
+                <a:ea typeface="+mn-ea"/>
+                <a:cs typeface="+mn-cs"/>
+              </a:defRPr>
+            </a:lvl2pPr>
+            <a:lvl3pPr marL="1143000" indent="-228600" algn="l" defTabSz="914400" rtl="0" eaLnBrk="1" latinLnBrk="0" hangingPunct="1">
+              <a:lnSpc>
+                <a:spcPct val="90000"/>
+              </a:lnSpc>
+              <a:spcBef>
+                <a:spcPts val="500"/>
+              </a:spcBef>
+              <a:buFont typeface="Arial" panose="020B0604020202020204" pitchFamily="34" charset="0"/>
+              <a:buChar char="•"/>
+              <a:defRPr sz="2000" kern="1200">
+                <a:solidFill>
+                  <a:schemeClr val="tx1"/>
+                </a:solidFill>
+                <a:latin typeface="+mn-lt"/>
+                <a:ea typeface="+mn-ea"/>
+                <a:cs typeface="+mn-cs"/>
+              </a:defRPr>
+            </a:lvl3pPr>
+            <a:lvl4pPr marL="1600200" indent="-228600" algn="l" defTabSz="914400" rtl="0" eaLnBrk="1" latinLnBrk="0" hangingPunct="1">
+              <a:lnSpc>
+                <a:spcPct val="90000"/>
+              </a:lnSpc>
+              <a:spcBef>
+                <a:spcPts val="500"/>
+              </a:spcBef>
+              <a:buFont typeface="Arial" panose="020B0604020202020204" pitchFamily="34" charset="0"/>
+              <a:buChar char="•"/>
+              <a:defRPr sz="1800" kern="1200">
+                <a:solidFill>
+                  <a:schemeClr val="tx1"/>
+                </a:solidFill>
+                <a:latin typeface="+mn-lt"/>
+                <a:ea typeface="+mn-ea"/>
+                <a:cs typeface="+mn-cs"/>
+              </a:defRPr>
+            </a:lvl4pPr>
+            <a:lvl5pPr marL="2057400" indent="-228600" algn="l" defTabSz="914400" rtl="0" eaLnBrk="1" latinLnBrk="0" hangingPunct="1">
+              <a:lnSpc>
+                <a:spcPct val="90000"/>
+              </a:lnSpc>
+              <a:spcBef>
+                <a:spcPts val="500"/>
+              </a:spcBef>
+              <a:buFont typeface="Arial" panose="020B0604020202020204" pitchFamily="34" charset="0"/>
+              <a:buChar char="•"/>
+              <a:defRPr sz="1800" kern="1200">
+                <a:solidFill>
+                  <a:schemeClr val="tx1"/>
+                </a:solidFill>
+                <a:latin typeface="+mn-lt"/>
+                <a:ea typeface="+mn-ea"/>
+                <a:cs typeface="+mn-cs"/>
+              </a:defRPr>
+            </a:lvl5pPr>
+            <a:lvl6pPr marL="2514600" indent="-228600" algn="l" defTabSz="914400" rtl="0" eaLnBrk="1" latinLnBrk="0" hangingPunct="1">
+              <a:lnSpc>
+                <a:spcPct val="90000"/>
+              </a:lnSpc>
+              <a:spcBef>
+                <a:spcPts val="500"/>
+              </a:spcBef>
+              <a:buFont typeface="Arial" panose="020B0604020202020204" pitchFamily="34" charset="0"/>
+              <a:buChar char="•"/>
+              <a:defRPr sz="1800" kern="1200">
+                <a:solidFill>
+                  <a:schemeClr val="tx1"/>
+                </a:solidFill>
+                <a:latin typeface="+mn-lt"/>
+                <a:ea typeface="+mn-ea"/>
+                <a:cs typeface="+mn-cs"/>
+              </a:defRPr>
+            </a:lvl6pPr>
+            <a:lvl7pPr marL="2971800" indent="-228600" algn="l" defTabSz="914400" rtl="0" eaLnBrk="1" latinLnBrk="0" hangingPunct="1">
+              <a:lnSpc>
+                <a:spcPct val="90000"/>
+              </a:lnSpc>
+              <a:spcBef>
+                <a:spcPts val="500"/>
+              </a:spcBef>
+              <a:buFont typeface="Arial" panose="020B0604020202020204" pitchFamily="34" charset="0"/>
+              <a:buChar char="•"/>
+              <a:defRPr sz="1800" kern="1200">
+                <a:solidFill>
+                  <a:schemeClr val="tx1"/>
+                </a:solidFill>
+                <a:latin typeface="+mn-lt"/>
+                <a:ea typeface="+mn-ea"/>
+                <a:cs typeface="+mn-cs"/>
+              </a:defRPr>
+            </a:lvl7pPr>
+            <a:lvl8pPr marL="3429000" indent="-228600" algn="l" defTabSz="914400" rtl="0" eaLnBrk="1" latinLnBrk="0" hangingPunct="1">
+              <a:lnSpc>
+                <a:spcPct val="90000"/>
+              </a:lnSpc>
+              <a:spcBef>
+                <a:spcPts val="500"/>
+              </a:spcBef>
+              <a:buFont typeface="Arial" panose="020B0604020202020204" pitchFamily="34" charset="0"/>
+              <a:buChar char="•"/>
+              <a:defRPr sz="1800" kern="1200">
+                <a:solidFill>
+                  <a:schemeClr val="tx1"/>
+                </a:solidFill>
+                <a:latin typeface="+mn-lt"/>
+                <a:ea typeface="+mn-ea"/>
+                <a:cs typeface="+mn-cs"/>
+              </a:defRPr>
+            </a:lvl8pPr>
+            <a:lvl9pPr marL="3886200" indent="-228600" algn="l" defTabSz="914400" rtl="0" eaLnBrk="1" latinLnBrk="0" hangingPunct="1">
+              <a:lnSpc>
+                <a:spcPct val="90000"/>
+              </a:lnSpc>
+              <a:spcBef>
+                <a:spcPts val="500"/>
+              </a:spcBef>
+              <a:buFont typeface="Arial" panose="020B0604020202020204" pitchFamily="34" charset="0"/>
+              <a:buChar char="•"/>
+              <a:defRPr sz="1800" kern="1200">
+                <a:solidFill>
+                  <a:schemeClr val="tx1"/>
+                </a:solidFill>
+                <a:latin typeface="+mn-lt"/>
+                <a:ea typeface="+mn-ea"/>
+                <a:cs typeface="+mn-cs"/>
+              </a:defRPr>
+            </a:lvl9pPr>
+          </a:lstStyle>
+          <a:p>
+            <a:pPr marL="0" indent="0">
+              <a:buFont typeface="Arial" panose="020B0604020202020204" pitchFamily="34" charset="0"/>
+              <a:buNone/>
+            </a:pPr>
+            <a:r>
+              <a:rPr lang="en-SG" sz="1400" dirty="0"/>
+              <a:t>Here, you have to press “</a:t>
+            </a:r>
+            <a:r>
+              <a:rPr lang="en-SG" sz="1400" b="1" dirty="0">
+                <a:solidFill>
+                  <a:srgbClr val="0070C0"/>
+                </a:solidFill>
+              </a:rPr>
+              <a:t>L</a:t>
+            </a:r>
+            <a:r>
+              <a:rPr lang="en-SG" sz="1400" dirty="0"/>
+              <a:t>”, because there is nothing to compare with</a:t>
+            </a:r>
+            <a:endParaRPr lang="en-US" sz="1400" dirty="0"/>
+          </a:p>
+        </p:txBody>
+      </p:sp>
+      <p:cxnSp>
+        <p:nvCxnSpPr>
+          <p:cNvPr id="36" name="Straight Arrow Connector 35">
+            <a:extLst>
+              <a:ext uri="{FF2B5EF4-FFF2-40B4-BE49-F238E27FC236}">
+                <a16:creationId xmlns:a16="http://schemas.microsoft.com/office/drawing/2014/main" id="{D7AD2AE4-D08D-48C4-9D1A-E7534E7F2E1F}"/>
+              </a:ext>
+            </a:extLst>
+          </p:cNvPr>
+          <p:cNvCxnSpPr/>
+          <p:nvPr/>
+        </p:nvCxnSpPr>
+        <p:spPr>
+          <a:xfrm flipV="1">
+            <a:off x="3223476" y="3848260"/>
+            <a:ext cx="0" cy="483830"/>
+          </a:xfrm>
+          <a:prstGeom prst="straightConnector1">
+            <a:avLst/>
+          </a:prstGeom>
+          <a:ln w="28575">
+            <a:solidFill>
+              <a:srgbClr val="0070C0"/>
+            </a:solidFill>
+            <a:tailEnd type="triangle"/>
+          </a:ln>
+        </p:spPr>
+        <p:style>
+          <a:lnRef idx="1">
+            <a:schemeClr val="accent2"/>
+          </a:lnRef>
+          <a:fillRef idx="0">
+            <a:schemeClr val="accent2"/>
+          </a:fillRef>
+          <a:effectRef idx="0">
+            <a:schemeClr val="accent2"/>
+          </a:effectRef>
+          <a:fontRef idx="minor">
+            <a:schemeClr val="tx1"/>
+          </a:fontRef>
+        </p:style>
+      </p:cxnSp>
+      <p:sp>
+        <p:nvSpPr>
+          <p:cNvPr id="37" name="Content Placeholder 2">
+            <a:extLst>
+              <a:ext uri="{FF2B5EF4-FFF2-40B4-BE49-F238E27FC236}">
+                <a16:creationId xmlns:a16="http://schemas.microsoft.com/office/drawing/2014/main" id="{DE7CE874-F5D6-49F6-9E53-16376CBFB00A}"/>
+              </a:ext>
+            </a:extLst>
+          </p:cNvPr>
+          <p:cNvSpPr txBox="1">
+            <a:spLocks/>
+          </p:cNvSpPr>
+          <p:nvPr/>
+        </p:nvSpPr>
+        <p:spPr>
+          <a:xfrm>
+            <a:off x="3990826" y="4423129"/>
+            <a:ext cx="1117548" cy="1131338"/>
+          </a:xfrm>
+          <a:prstGeom prst="rect">
+            <a:avLst/>
+          </a:prstGeom>
+        </p:spPr>
+        <p:txBody>
+          <a:bodyPr vert="horz" lIns="91440" tIns="45720" rIns="91440" bIns="45720" rtlCol="0">
+            <a:normAutofit fontScale="92500" lnSpcReduction="10000"/>
+          </a:bodyPr>
+          <a:lstStyle>
+            <a:lvl1pPr marL="228600" indent="-228600" algn="l" defTabSz="914400" rtl="0" eaLnBrk="1" latinLnBrk="0" hangingPunct="1">
+              <a:lnSpc>
+                <a:spcPct val="90000"/>
+              </a:lnSpc>
+              <a:spcBef>
+                <a:spcPts val="1000"/>
+              </a:spcBef>
+              <a:buFont typeface="Arial" panose="020B0604020202020204" pitchFamily="34" charset="0"/>
+              <a:buChar char="•"/>
+              <a:defRPr sz="2800" kern="1200">
+                <a:solidFill>
+                  <a:schemeClr val="tx1"/>
+                </a:solidFill>
+                <a:latin typeface="+mn-lt"/>
+                <a:ea typeface="+mn-ea"/>
+                <a:cs typeface="+mn-cs"/>
+              </a:defRPr>
+            </a:lvl1pPr>
+            <a:lvl2pPr marL="685800" indent="-228600" algn="l" defTabSz="914400" rtl="0" eaLnBrk="1" latinLnBrk="0" hangingPunct="1">
+              <a:lnSpc>
+                <a:spcPct val="90000"/>
+              </a:lnSpc>
+              <a:spcBef>
+                <a:spcPts val="500"/>
+              </a:spcBef>
+              <a:buFont typeface="Arial" panose="020B0604020202020204" pitchFamily="34" charset="0"/>
+              <a:buChar char="•"/>
+              <a:defRPr sz="2400" kern="1200">
+                <a:solidFill>
+                  <a:schemeClr val="tx1"/>
+                </a:solidFill>
+                <a:latin typeface="+mn-lt"/>
+                <a:ea typeface="+mn-ea"/>
+                <a:cs typeface="+mn-cs"/>
+              </a:defRPr>
+            </a:lvl2pPr>
+            <a:lvl3pPr marL="1143000" indent="-228600" algn="l" defTabSz="914400" rtl="0" eaLnBrk="1" latinLnBrk="0" hangingPunct="1">
+              <a:lnSpc>
+                <a:spcPct val="90000"/>
+              </a:lnSpc>
+              <a:spcBef>
+                <a:spcPts val="500"/>
+              </a:spcBef>
+              <a:buFont typeface="Arial" panose="020B0604020202020204" pitchFamily="34" charset="0"/>
+              <a:buChar char="•"/>
+              <a:defRPr sz="2000" kern="1200">
+                <a:solidFill>
+                  <a:schemeClr val="tx1"/>
+                </a:solidFill>
+                <a:latin typeface="+mn-lt"/>
+                <a:ea typeface="+mn-ea"/>
+                <a:cs typeface="+mn-cs"/>
+              </a:defRPr>
+            </a:lvl3pPr>
+            <a:lvl4pPr marL="1600200" indent="-228600" algn="l" defTabSz="914400" rtl="0" eaLnBrk="1" latinLnBrk="0" hangingPunct="1">
+              <a:lnSpc>
+                <a:spcPct val="90000"/>
+              </a:lnSpc>
+              <a:spcBef>
+                <a:spcPts val="500"/>
+              </a:spcBef>
+              <a:buFont typeface="Arial" panose="020B0604020202020204" pitchFamily="34" charset="0"/>
+              <a:buChar char="•"/>
+              <a:defRPr sz="1800" kern="1200">
+                <a:solidFill>
+                  <a:schemeClr val="tx1"/>
+                </a:solidFill>
+                <a:latin typeface="+mn-lt"/>
+                <a:ea typeface="+mn-ea"/>
+                <a:cs typeface="+mn-cs"/>
+              </a:defRPr>
+            </a:lvl4pPr>
+            <a:lvl5pPr marL="2057400" indent="-228600" algn="l" defTabSz="914400" rtl="0" eaLnBrk="1" latinLnBrk="0" hangingPunct="1">
+              <a:lnSpc>
+                <a:spcPct val="90000"/>
+              </a:lnSpc>
+              <a:spcBef>
+                <a:spcPts val="500"/>
+              </a:spcBef>
+              <a:buFont typeface="Arial" panose="020B0604020202020204" pitchFamily="34" charset="0"/>
+              <a:buChar char="•"/>
+              <a:defRPr sz="1800" kern="1200">
+                <a:solidFill>
+                  <a:schemeClr val="tx1"/>
+                </a:solidFill>
+                <a:latin typeface="+mn-lt"/>
+                <a:ea typeface="+mn-ea"/>
+                <a:cs typeface="+mn-cs"/>
+              </a:defRPr>
+            </a:lvl5pPr>
+            <a:lvl6pPr marL="2514600" indent="-228600" algn="l" defTabSz="914400" rtl="0" eaLnBrk="1" latinLnBrk="0" hangingPunct="1">
+              <a:lnSpc>
+                <a:spcPct val="90000"/>
+              </a:lnSpc>
+              <a:spcBef>
+                <a:spcPts val="500"/>
+              </a:spcBef>
+              <a:buFont typeface="Arial" panose="020B0604020202020204" pitchFamily="34" charset="0"/>
+              <a:buChar char="•"/>
+              <a:defRPr sz="1800" kern="1200">
+                <a:solidFill>
+                  <a:schemeClr val="tx1"/>
+                </a:solidFill>
+                <a:latin typeface="+mn-lt"/>
+                <a:ea typeface="+mn-ea"/>
+                <a:cs typeface="+mn-cs"/>
+              </a:defRPr>
+            </a:lvl6pPr>
+            <a:lvl7pPr marL="2971800" indent="-228600" algn="l" defTabSz="914400" rtl="0" eaLnBrk="1" latinLnBrk="0" hangingPunct="1">
+              <a:lnSpc>
+                <a:spcPct val="90000"/>
+              </a:lnSpc>
+              <a:spcBef>
+                <a:spcPts val="500"/>
+              </a:spcBef>
+              <a:buFont typeface="Arial" panose="020B0604020202020204" pitchFamily="34" charset="0"/>
+              <a:buChar char="•"/>
+              <a:defRPr sz="1800" kern="1200">
+                <a:solidFill>
+                  <a:schemeClr val="tx1"/>
+                </a:solidFill>
+                <a:latin typeface="+mn-lt"/>
+                <a:ea typeface="+mn-ea"/>
+                <a:cs typeface="+mn-cs"/>
+              </a:defRPr>
+            </a:lvl7pPr>
+            <a:lvl8pPr marL="3429000" indent="-228600" algn="l" defTabSz="914400" rtl="0" eaLnBrk="1" latinLnBrk="0" hangingPunct="1">
+              <a:lnSpc>
+                <a:spcPct val="90000"/>
+              </a:lnSpc>
+              <a:spcBef>
+                <a:spcPts val="500"/>
+              </a:spcBef>
+              <a:buFont typeface="Arial" panose="020B0604020202020204" pitchFamily="34" charset="0"/>
+              <a:buChar char="•"/>
+              <a:defRPr sz="1800" kern="1200">
+                <a:solidFill>
+                  <a:schemeClr val="tx1"/>
+                </a:solidFill>
+                <a:latin typeface="+mn-lt"/>
+                <a:ea typeface="+mn-ea"/>
+                <a:cs typeface="+mn-cs"/>
+              </a:defRPr>
+            </a:lvl8pPr>
+            <a:lvl9pPr marL="3886200" indent="-228600" algn="l" defTabSz="914400" rtl="0" eaLnBrk="1" latinLnBrk="0" hangingPunct="1">
+              <a:lnSpc>
+                <a:spcPct val="90000"/>
+              </a:lnSpc>
+              <a:spcBef>
+                <a:spcPts val="500"/>
+              </a:spcBef>
+              <a:buFont typeface="Arial" panose="020B0604020202020204" pitchFamily="34" charset="0"/>
+              <a:buChar char="•"/>
+              <a:defRPr sz="1800" kern="1200">
+                <a:solidFill>
+                  <a:schemeClr val="tx1"/>
+                </a:solidFill>
+                <a:latin typeface="+mn-lt"/>
+                <a:ea typeface="+mn-ea"/>
+                <a:cs typeface="+mn-cs"/>
+              </a:defRPr>
+            </a:lvl9pPr>
+          </a:lstStyle>
+          <a:p>
+            <a:pPr marL="0" indent="0">
+              <a:buFont typeface="Arial" panose="020B0604020202020204" pitchFamily="34" charset="0"/>
+              <a:buNone/>
+            </a:pPr>
+            <a:r>
+              <a:rPr lang="en-SG" sz="1400" dirty="0"/>
+              <a:t>Here, you have to press “</a:t>
+            </a:r>
+            <a:r>
+              <a:rPr lang="en-SG" sz="1400" b="1" dirty="0">
+                <a:solidFill>
+                  <a:srgbClr val="0070C0"/>
+                </a:solidFill>
+              </a:rPr>
+              <a:t>L</a:t>
+            </a:r>
+            <a:r>
+              <a:rPr lang="en-SG" sz="1400" dirty="0"/>
+              <a:t>”, because there is nothing to compare with</a:t>
+            </a:r>
+            <a:endParaRPr lang="en-US" sz="1400" dirty="0"/>
+          </a:p>
+        </p:txBody>
+      </p:sp>
+      <p:cxnSp>
+        <p:nvCxnSpPr>
+          <p:cNvPr id="38" name="Straight Arrow Connector 37">
+            <a:extLst>
+              <a:ext uri="{FF2B5EF4-FFF2-40B4-BE49-F238E27FC236}">
+                <a16:creationId xmlns:a16="http://schemas.microsoft.com/office/drawing/2014/main" id="{F903A831-22E9-4598-A6BC-9B1A5597DFF0}"/>
+              </a:ext>
+            </a:extLst>
+          </p:cNvPr>
+          <p:cNvCxnSpPr/>
+          <p:nvPr/>
+        </p:nvCxnSpPr>
+        <p:spPr>
+          <a:xfrm flipV="1">
+            <a:off x="4587884" y="3848260"/>
+            <a:ext cx="0" cy="483830"/>
+          </a:xfrm>
+          <a:prstGeom prst="straightConnector1">
+            <a:avLst/>
+          </a:prstGeom>
+          <a:ln w="28575">
+            <a:solidFill>
+              <a:srgbClr val="0070C0"/>
+            </a:solidFill>
+            <a:tailEnd type="triangle"/>
+          </a:ln>
+        </p:spPr>
+        <p:style>
+          <a:lnRef idx="1">
+            <a:schemeClr val="accent2"/>
+          </a:lnRef>
+          <a:fillRef idx="0">
+            <a:schemeClr val="accent2"/>
+          </a:fillRef>
+          <a:effectRef idx="0">
+            <a:schemeClr val="accent2"/>
+          </a:effectRef>
+          <a:fontRef idx="minor">
+            <a:schemeClr val="tx1"/>
+          </a:fontRef>
+        </p:style>
+      </p:cxnSp>
     </p:spTree>
     <p:extLst>
       <p:ext uri="{BB962C8B-B14F-4D97-AF65-F5344CB8AC3E}">
@@ -7595,6 +8627,264 @@
           </a:fontRef>
         </p:style>
       </p:cxnSp>
+      <p:sp>
+        <p:nvSpPr>
+          <p:cNvPr id="25" name="Content Placeholder 2">
+            <a:extLst>
+              <a:ext uri="{FF2B5EF4-FFF2-40B4-BE49-F238E27FC236}">
+                <a16:creationId xmlns:a16="http://schemas.microsoft.com/office/drawing/2014/main" id="{2C7BD950-38B0-48F3-A144-F4CCAF7B24E1}"/>
+              </a:ext>
+            </a:extLst>
+          </p:cNvPr>
+          <p:cNvSpPr txBox="1">
+            <a:spLocks/>
+          </p:cNvSpPr>
+          <p:nvPr/>
+        </p:nvSpPr>
+        <p:spPr>
+          <a:xfrm>
+            <a:off x="628650" y="4481175"/>
+            <a:ext cx="1625288" cy="1131338"/>
+          </a:xfrm>
+          <a:prstGeom prst="rect">
+            <a:avLst/>
+          </a:prstGeom>
+        </p:spPr>
+        <p:txBody>
+          <a:bodyPr vert="horz" lIns="91440" tIns="45720" rIns="91440" bIns="45720" rtlCol="0">
+            <a:normAutofit/>
+          </a:bodyPr>
+          <a:lstStyle>
+            <a:lvl1pPr marL="228600" indent="-228600" algn="l" defTabSz="914400" rtl="0" eaLnBrk="1" latinLnBrk="0" hangingPunct="1">
+              <a:lnSpc>
+                <a:spcPct val="90000"/>
+              </a:lnSpc>
+              <a:spcBef>
+                <a:spcPts val="1000"/>
+              </a:spcBef>
+              <a:buFont typeface="Arial" panose="020B0604020202020204" pitchFamily="34" charset="0"/>
+              <a:buChar char="•"/>
+              <a:defRPr sz="2800" kern="1200">
+                <a:solidFill>
+                  <a:schemeClr val="tx1"/>
+                </a:solidFill>
+                <a:latin typeface="+mn-lt"/>
+                <a:ea typeface="+mn-ea"/>
+                <a:cs typeface="+mn-cs"/>
+              </a:defRPr>
+            </a:lvl1pPr>
+            <a:lvl2pPr marL="685800" indent="-228600" algn="l" defTabSz="914400" rtl="0" eaLnBrk="1" latinLnBrk="0" hangingPunct="1">
+              <a:lnSpc>
+                <a:spcPct val="90000"/>
+              </a:lnSpc>
+              <a:spcBef>
+                <a:spcPts val="500"/>
+              </a:spcBef>
+              <a:buFont typeface="Arial" panose="020B0604020202020204" pitchFamily="34" charset="0"/>
+              <a:buChar char="•"/>
+              <a:defRPr sz="2400" kern="1200">
+                <a:solidFill>
+                  <a:schemeClr val="tx1"/>
+                </a:solidFill>
+                <a:latin typeface="+mn-lt"/>
+                <a:ea typeface="+mn-ea"/>
+                <a:cs typeface="+mn-cs"/>
+              </a:defRPr>
+            </a:lvl2pPr>
+            <a:lvl3pPr marL="1143000" indent="-228600" algn="l" defTabSz="914400" rtl="0" eaLnBrk="1" latinLnBrk="0" hangingPunct="1">
+              <a:lnSpc>
+                <a:spcPct val="90000"/>
+              </a:lnSpc>
+              <a:spcBef>
+                <a:spcPts val="500"/>
+              </a:spcBef>
+              <a:buFont typeface="Arial" panose="020B0604020202020204" pitchFamily="34" charset="0"/>
+              <a:buChar char="•"/>
+              <a:defRPr sz="2000" kern="1200">
+                <a:solidFill>
+                  <a:schemeClr val="tx1"/>
+                </a:solidFill>
+                <a:latin typeface="+mn-lt"/>
+                <a:ea typeface="+mn-ea"/>
+                <a:cs typeface="+mn-cs"/>
+              </a:defRPr>
+            </a:lvl3pPr>
+            <a:lvl4pPr marL="1600200" indent="-228600" algn="l" defTabSz="914400" rtl="0" eaLnBrk="1" latinLnBrk="0" hangingPunct="1">
+              <a:lnSpc>
+                <a:spcPct val="90000"/>
+              </a:lnSpc>
+              <a:spcBef>
+                <a:spcPts val="500"/>
+              </a:spcBef>
+              <a:buFont typeface="Arial" panose="020B0604020202020204" pitchFamily="34" charset="0"/>
+              <a:buChar char="•"/>
+              <a:defRPr sz="1800" kern="1200">
+                <a:solidFill>
+                  <a:schemeClr val="tx1"/>
+                </a:solidFill>
+                <a:latin typeface="+mn-lt"/>
+                <a:ea typeface="+mn-ea"/>
+                <a:cs typeface="+mn-cs"/>
+              </a:defRPr>
+            </a:lvl4pPr>
+            <a:lvl5pPr marL="2057400" indent="-228600" algn="l" defTabSz="914400" rtl="0" eaLnBrk="1" latinLnBrk="0" hangingPunct="1">
+              <a:lnSpc>
+                <a:spcPct val="90000"/>
+              </a:lnSpc>
+              <a:spcBef>
+                <a:spcPts val="500"/>
+              </a:spcBef>
+              <a:buFont typeface="Arial" panose="020B0604020202020204" pitchFamily="34" charset="0"/>
+              <a:buChar char="•"/>
+              <a:defRPr sz="1800" kern="1200">
+                <a:solidFill>
+                  <a:schemeClr val="tx1"/>
+                </a:solidFill>
+                <a:latin typeface="+mn-lt"/>
+                <a:ea typeface="+mn-ea"/>
+                <a:cs typeface="+mn-cs"/>
+              </a:defRPr>
+            </a:lvl5pPr>
+            <a:lvl6pPr marL="2514600" indent="-228600" algn="l" defTabSz="914400" rtl="0" eaLnBrk="1" latinLnBrk="0" hangingPunct="1">
+              <a:lnSpc>
+                <a:spcPct val="90000"/>
+              </a:lnSpc>
+              <a:spcBef>
+                <a:spcPts val="500"/>
+              </a:spcBef>
+              <a:buFont typeface="Arial" panose="020B0604020202020204" pitchFamily="34" charset="0"/>
+              <a:buChar char="•"/>
+              <a:defRPr sz="1800" kern="1200">
+                <a:solidFill>
+                  <a:schemeClr val="tx1"/>
+                </a:solidFill>
+                <a:latin typeface="+mn-lt"/>
+                <a:ea typeface="+mn-ea"/>
+                <a:cs typeface="+mn-cs"/>
+              </a:defRPr>
+            </a:lvl6pPr>
+            <a:lvl7pPr marL="2971800" indent="-228600" algn="l" defTabSz="914400" rtl="0" eaLnBrk="1" latinLnBrk="0" hangingPunct="1">
+              <a:lnSpc>
+                <a:spcPct val="90000"/>
+              </a:lnSpc>
+              <a:spcBef>
+                <a:spcPts val="500"/>
+              </a:spcBef>
+              <a:buFont typeface="Arial" panose="020B0604020202020204" pitchFamily="34" charset="0"/>
+              <a:buChar char="•"/>
+              <a:defRPr sz="1800" kern="1200">
+                <a:solidFill>
+                  <a:schemeClr val="tx1"/>
+                </a:solidFill>
+                <a:latin typeface="+mn-lt"/>
+                <a:ea typeface="+mn-ea"/>
+                <a:cs typeface="+mn-cs"/>
+              </a:defRPr>
+            </a:lvl7pPr>
+            <a:lvl8pPr marL="3429000" indent="-228600" algn="l" defTabSz="914400" rtl="0" eaLnBrk="1" latinLnBrk="0" hangingPunct="1">
+              <a:lnSpc>
+                <a:spcPct val="90000"/>
+              </a:lnSpc>
+              <a:spcBef>
+                <a:spcPts val="500"/>
+              </a:spcBef>
+              <a:buFont typeface="Arial" panose="020B0604020202020204" pitchFamily="34" charset="0"/>
+              <a:buChar char="•"/>
+              <a:defRPr sz="1800" kern="1200">
+                <a:solidFill>
+                  <a:schemeClr val="tx1"/>
+                </a:solidFill>
+                <a:latin typeface="+mn-lt"/>
+                <a:ea typeface="+mn-ea"/>
+                <a:cs typeface="+mn-cs"/>
+              </a:defRPr>
+            </a:lvl8pPr>
+            <a:lvl9pPr marL="3886200" indent="-228600" algn="l" defTabSz="914400" rtl="0" eaLnBrk="1" latinLnBrk="0" hangingPunct="1">
+              <a:lnSpc>
+                <a:spcPct val="90000"/>
+              </a:lnSpc>
+              <a:spcBef>
+                <a:spcPts val="500"/>
+              </a:spcBef>
+              <a:buFont typeface="Arial" panose="020B0604020202020204" pitchFamily="34" charset="0"/>
+              <a:buChar char="•"/>
+              <a:defRPr sz="1800" kern="1200">
+                <a:solidFill>
+                  <a:schemeClr val="tx1"/>
+                </a:solidFill>
+                <a:latin typeface="+mn-lt"/>
+                <a:ea typeface="+mn-ea"/>
+                <a:cs typeface="+mn-cs"/>
+              </a:defRPr>
+            </a:lvl9pPr>
+          </a:lstStyle>
+          <a:p>
+            <a:pPr marL="0" indent="0">
+              <a:buFont typeface="Arial" panose="020B0604020202020204" pitchFamily="34" charset="0"/>
+              <a:buNone/>
+            </a:pPr>
+            <a:r>
+              <a:rPr lang="en-SG" sz="1500" dirty="0"/>
+              <a:t>Here, you have to press “</a:t>
+            </a:r>
+            <a:r>
+              <a:rPr lang="en-SG" sz="1500" b="1" dirty="0">
+                <a:solidFill>
+                  <a:srgbClr val="0070C0"/>
+                </a:solidFill>
+              </a:rPr>
+              <a:t>L</a:t>
+            </a:r>
+            <a:r>
+              <a:rPr lang="en-SG" sz="1500" dirty="0"/>
+              <a:t>”, because there is nothing to compare with</a:t>
+            </a:r>
+            <a:endParaRPr lang="en-US" sz="1500" dirty="0"/>
+          </a:p>
+        </p:txBody>
+      </p:sp>
+      <p:cxnSp>
+        <p:nvCxnSpPr>
+          <p:cNvPr id="26" name="Straight Arrow Connector 25">
+            <a:extLst>
+              <a:ext uri="{FF2B5EF4-FFF2-40B4-BE49-F238E27FC236}">
+                <a16:creationId xmlns:a16="http://schemas.microsoft.com/office/drawing/2014/main" id="{9594D1F4-5A99-485F-897C-6F5A4B3E4EDA}"/>
+              </a:ext>
+            </a:extLst>
+          </p:cNvPr>
+          <p:cNvCxnSpPr/>
+          <p:nvPr/>
+        </p:nvCxnSpPr>
+        <p:spPr>
+          <a:xfrm flipV="1">
+            <a:off x="1407434" y="3906306"/>
+            <a:ext cx="0" cy="483830"/>
+          </a:xfrm>
+          <a:prstGeom prst="straightConnector1">
+            <a:avLst/>
+          </a:prstGeom>
+          <a:ln w="28575">
+            <a:solidFill>
+              <a:srgbClr val="0070C0"/>
+            </a:solidFill>
+            <a:tailEnd type="triangle"/>
+          </a:ln>
+        </p:spPr>
+        <p:style>
+          <a:lnRef idx="1">
+            <a:schemeClr val="accent2"/>
+          </a:lnRef>
+          <a:fillRef idx="0">
+            <a:schemeClr val="accent2"/>
+          </a:fillRef>
+          <a:effectRef idx="0">
+            <a:schemeClr val="accent2"/>
+          </a:effectRef>
+          <a:fontRef idx="minor">
+            <a:schemeClr val="tx1"/>
+          </a:fontRef>
+        </p:style>
+      </p:cxnSp>
     </p:spTree>
     <p:extLst>
       <p:ext uri="{BB962C8B-B14F-4D97-AF65-F5344CB8AC3E}">
@@ -9407,6 +10697,522 @@
           </a:fillRef>
           <a:effectRef idx="0">
             <a:schemeClr val="accent1"/>
+          </a:effectRef>
+          <a:fontRef idx="minor">
+            <a:schemeClr val="tx1"/>
+          </a:fontRef>
+        </p:style>
+      </p:cxnSp>
+      <p:sp>
+        <p:nvSpPr>
+          <p:cNvPr id="25" name="Content Placeholder 2">
+            <a:extLst>
+              <a:ext uri="{FF2B5EF4-FFF2-40B4-BE49-F238E27FC236}">
+                <a16:creationId xmlns:a16="http://schemas.microsoft.com/office/drawing/2014/main" id="{83835A61-69E4-44CA-9FE2-B71C64DD8F3D}"/>
+              </a:ext>
+            </a:extLst>
+          </p:cNvPr>
+          <p:cNvSpPr txBox="1">
+            <a:spLocks/>
+          </p:cNvSpPr>
+          <p:nvPr/>
+        </p:nvSpPr>
+        <p:spPr>
+          <a:xfrm>
+            <a:off x="848660" y="4423129"/>
+            <a:ext cx="1117548" cy="1131338"/>
+          </a:xfrm>
+          <a:prstGeom prst="rect">
+            <a:avLst/>
+          </a:prstGeom>
+        </p:spPr>
+        <p:txBody>
+          <a:bodyPr vert="horz" lIns="91440" tIns="45720" rIns="91440" bIns="45720" rtlCol="0">
+            <a:normAutofit fontScale="92500" lnSpcReduction="10000"/>
+          </a:bodyPr>
+          <a:lstStyle>
+            <a:lvl1pPr marL="228600" indent="-228600" algn="l" defTabSz="914400" rtl="0" eaLnBrk="1" latinLnBrk="0" hangingPunct="1">
+              <a:lnSpc>
+                <a:spcPct val="90000"/>
+              </a:lnSpc>
+              <a:spcBef>
+                <a:spcPts val="1000"/>
+              </a:spcBef>
+              <a:buFont typeface="Arial" panose="020B0604020202020204" pitchFamily="34" charset="0"/>
+              <a:buChar char="•"/>
+              <a:defRPr sz="2800" kern="1200">
+                <a:solidFill>
+                  <a:schemeClr val="tx1"/>
+                </a:solidFill>
+                <a:latin typeface="+mn-lt"/>
+                <a:ea typeface="+mn-ea"/>
+                <a:cs typeface="+mn-cs"/>
+              </a:defRPr>
+            </a:lvl1pPr>
+            <a:lvl2pPr marL="685800" indent="-228600" algn="l" defTabSz="914400" rtl="0" eaLnBrk="1" latinLnBrk="0" hangingPunct="1">
+              <a:lnSpc>
+                <a:spcPct val="90000"/>
+              </a:lnSpc>
+              <a:spcBef>
+                <a:spcPts val="500"/>
+              </a:spcBef>
+              <a:buFont typeface="Arial" panose="020B0604020202020204" pitchFamily="34" charset="0"/>
+              <a:buChar char="•"/>
+              <a:defRPr sz="2400" kern="1200">
+                <a:solidFill>
+                  <a:schemeClr val="tx1"/>
+                </a:solidFill>
+                <a:latin typeface="+mn-lt"/>
+                <a:ea typeface="+mn-ea"/>
+                <a:cs typeface="+mn-cs"/>
+              </a:defRPr>
+            </a:lvl2pPr>
+            <a:lvl3pPr marL="1143000" indent="-228600" algn="l" defTabSz="914400" rtl="0" eaLnBrk="1" latinLnBrk="0" hangingPunct="1">
+              <a:lnSpc>
+                <a:spcPct val="90000"/>
+              </a:lnSpc>
+              <a:spcBef>
+                <a:spcPts val="500"/>
+              </a:spcBef>
+              <a:buFont typeface="Arial" panose="020B0604020202020204" pitchFamily="34" charset="0"/>
+              <a:buChar char="•"/>
+              <a:defRPr sz="2000" kern="1200">
+                <a:solidFill>
+                  <a:schemeClr val="tx1"/>
+                </a:solidFill>
+                <a:latin typeface="+mn-lt"/>
+                <a:ea typeface="+mn-ea"/>
+                <a:cs typeface="+mn-cs"/>
+              </a:defRPr>
+            </a:lvl3pPr>
+            <a:lvl4pPr marL="1600200" indent="-228600" algn="l" defTabSz="914400" rtl="0" eaLnBrk="1" latinLnBrk="0" hangingPunct="1">
+              <a:lnSpc>
+                <a:spcPct val="90000"/>
+              </a:lnSpc>
+              <a:spcBef>
+                <a:spcPts val="500"/>
+              </a:spcBef>
+              <a:buFont typeface="Arial" panose="020B0604020202020204" pitchFamily="34" charset="0"/>
+              <a:buChar char="•"/>
+              <a:defRPr sz="1800" kern="1200">
+                <a:solidFill>
+                  <a:schemeClr val="tx1"/>
+                </a:solidFill>
+                <a:latin typeface="+mn-lt"/>
+                <a:ea typeface="+mn-ea"/>
+                <a:cs typeface="+mn-cs"/>
+              </a:defRPr>
+            </a:lvl4pPr>
+            <a:lvl5pPr marL="2057400" indent="-228600" algn="l" defTabSz="914400" rtl="0" eaLnBrk="1" latinLnBrk="0" hangingPunct="1">
+              <a:lnSpc>
+                <a:spcPct val="90000"/>
+              </a:lnSpc>
+              <a:spcBef>
+                <a:spcPts val="500"/>
+              </a:spcBef>
+              <a:buFont typeface="Arial" panose="020B0604020202020204" pitchFamily="34" charset="0"/>
+              <a:buChar char="•"/>
+              <a:defRPr sz="1800" kern="1200">
+                <a:solidFill>
+                  <a:schemeClr val="tx1"/>
+                </a:solidFill>
+                <a:latin typeface="+mn-lt"/>
+                <a:ea typeface="+mn-ea"/>
+                <a:cs typeface="+mn-cs"/>
+              </a:defRPr>
+            </a:lvl5pPr>
+            <a:lvl6pPr marL="2514600" indent="-228600" algn="l" defTabSz="914400" rtl="0" eaLnBrk="1" latinLnBrk="0" hangingPunct="1">
+              <a:lnSpc>
+                <a:spcPct val="90000"/>
+              </a:lnSpc>
+              <a:spcBef>
+                <a:spcPts val="500"/>
+              </a:spcBef>
+              <a:buFont typeface="Arial" panose="020B0604020202020204" pitchFamily="34" charset="0"/>
+              <a:buChar char="•"/>
+              <a:defRPr sz="1800" kern="1200">
+                <a:solidFill>
+                  <a:schemeClr val="tx1"/>
+                </a:solidFill>
+                <a:latin typeface="+mn-lt"/>
+                <a:ea typeface="+mn-ea"/>
+                <a:cs typeface="+mn-cs"/>
+              </a:defRPr>
+            </a:lvl6pPr>
+            <a:lvl7pPr marL="2971800" indent="-228600" algn="l" defTabSz="914400" rtl="0" eaLnBrk="1" latinLnBrk="0" hangingPunct="1">
+              <a:lnSpc>
+                <a:spcPct val="90000"/>
+              </a:lnSpc>
+              <a:spcBef>
+                <a:spcPts val="500"/>
+              </a:spcBef>
+              <a:buFont typeface="Arial" panose="020B0604020202020204" pitchFamily="34" charset="0"/>
+              <a:buChar char="•"/>
+              <a:defRPr sz="1800" kern="1200">
+                <a:solidFill>
+                  <a:schemeClr val="tx1"/>
+                </a:solidFill>
+                <a:latin typeface="+mn-lt"/>
+                <a:ea typeface="+mn-ea"/>
+                <a:cs typeface="+mn-cs"/>
+              </a:defRPr>
+            </a:lvl7pPr>
+            <a:lvl8pPr marL="3429000" indent="-228600" algn="l" defTabSz="914400" rtl="0" eaLnBrk="1" latinLnBrk="0" hangingPunct="1">
+              <a:lnSpc>
+                <a:spcPct val="90000"/>
+              </a:lnSpc>
+              <a:spcBef>
+                <a:spcPts val="500"/>
+              </a:spcBef>
+              <a:buFont typeface="Arial" panose="020B0604020202020204" pitchFamily="34" charset="0"/>
+              <a:buChar char="•"/>
+              <a:defRPr sz="1800" kern="1200">
+                <a:solidFill>
+                  <a:schemeClr val="tx1"/>
+                </a:solidFill>
+                <a:latin typeface="+mn-lt"/>
+                <a:ea typeface="+mn-ea"/>
+                <a:cs typeface="+mn-cs"/>
+              </a:defRPr>
+            </a:lvl8pPr>
+            <a:lvl9pPr marL="3886200" indent="-228600" algn="l" defTabSz="914400" rtl="0" eaLnBrk="1" latinLnBrk="0" hangingPunct="1">
+              <a:lnSpc>
+                <a:spcPct val="90000"/>
+              </a:lnSpc>
+              <a:spcBef>
+                <a:spcPts val="500"/>
+              </a:spcBef>
+              <a:buFont typeface="Arial" panose="020B0604020202020204" pitchFamily="34" charset="0"/>
+              <a:buChar char="•"/>
+              <a:defRPr sz="1800" kern="1200">
+                <a:solidFill>
+                  <a:schemeClr val="tx1"/>
+                </a:solidFill>
+                <a:latin typeface="+mn-lt"/>
+                <a:ea typeface="+mn-ea"/>
+                <a:cs typeface="+mn-cs"/>
+              </a:defRPr>
+            </a:lvl9pPr>
+          </a:lstStyle>
+          <a:p>
+            <a:pPr marL="0" indent="0">
+              <a:buFont typeface="Arial" panose="020B0604020202020204" pitchFamily="34" charset="0"/>
+              <a:buNone/>
+            </a:pPr>
+            <a:r>
+              <a:rPr lang="en-SG" sz="1400" dirty="0"/>
+              <a:t>Here, you have to press “</a:t>
+            </a:r>
+            <a:r>
+              <a:rPr lang="en-SG" sz="1400" b="1" dirty="0">
+                <a:solidFill>
+                  <a:srgbClr val="0070C0"/>
+                </a:solidFill>
+              </a:rPr>
+              <a:t>L</a:t>
+            </a:r>
+            <a:r>
+              <a:rPr lang="en-SG" sz="1400" dirty="0"/>
+              <a:t>”, because there is nothing to compare with</a:t>
+            </a:r>
+            <a:endParaRPr lang="en-US" sz="1400" dirty="0"/>
+          </a:p>
+        </p:txBody>
+      </p:sp>
+      <p:cxnSp>
+        <p:nvCxnSpPr>
+          <p:cNvPr id="26" name="Straight Arrow Connector 25">
+            <a:extLst>
+              <a:ext uri="{FF2B5EF4-FFF2-40B4-BE49-F238E27FC236}">
+                <a16:creationId xmlns:a16="http://schemas.microsoft.com/office/drawing/2014/main" id="{4317A2BF-C363-4F9B-9BBF-72DB036E468C}"/>
+              </a:ext>
+            </a:extLst>
+          </p:cNvPr>
+          <p:cNvCxnSpPr/>
+          <p:nvPr/>
+        </p:nvCxnSpPr>
+        <p:spPr>
+          <a:xfrm flipV="1">
+            <a:off x="1407434" y="3848260"/>
+            <a:ext cx="0" cy="483830"/>
+          </a:xfrm>
+          <a:prstGeom prst="straightConnector1">
+            <a:avLst/>
+          </a:prstGeom>
+          <a:ln w="28575">
+            <a:solidFill>
+              <a:srgbClr val="0070C0"/>
+            </a:solidFill>
+            <a:tailEnd type="triangle"/>
+          </a:ln>
+        </p:spPr>
+        <p:style>
+          <a:lnRef idx="1">
+            <a:schemeClr val="accent2"/>
+          </a:lnRef>
+          <a:fillRef idx="0">
+            <a:schemeClr val="accent2"/>
+          </a:fillRef>
+          <a:effectRef idx="0">
+            <a:schemeClr val="accent2"/>
+          </a:effectRef>
+          <a:fontRef idx="minor">
+            <a:schemeClr val="tx1"/>
+          </a:fontRef>
+        </p:style>
+      </p:cxnSp>
+      <p:sp>
+        <p:nvSpPr>
+          <p:cNvPr id="29" name="Content Placeholder 2">
+            <a:extLst>
+              <a:ext uri="{FF2B5EF4-FFF2-40B4-BE49-F238E27FC236}">
+                <a16:creationId xmlns:a16="http://schemas.microsoft.com/office/drawing/2014/main" id="{CB7B656A-8607-47C7-9BBC-CFEABFBB0514}"/>
+              </a:ext>
+            </a:extLst>
+          </p:cNvPr>
+          <p:cNvSpPr txBox="1">
+            <a:spLocks/>
+          </p:cNvSpPr>
+          <p:nvPr/>
+        </p:nvSpPr>
+        <p:spPr>
+          <a:xfrm>
+            <a:off x="2213068" y="4423129"/>
+            <a:ext cx="1117548" cy="1131338"/>
+          </a:xfrm>
+          <a:prstGeom prst="rect">
+            <a:avLst/>
+          </a:prstGeom>
+        </p:spPr>
+        <p:txBody>
+          <a:bodyPr vert="horz" lIns="91440" tIns="45720" rIns="91440" bIns="45720" rtlCol="0">
+            <a:normAutofit fontScale="92500" lnSpcReduction="10000"/>
+          </a:bodyPr>
+          <a:lstStyle>
+            <a:lvl1pPr marL="228600" indent="-228600" algn="l" defTabSz="914400" rtl="0" eaLnBrk="1" latinLnBrk="0" hangingPunct="1">
+              <a:lnSpc>
+                <a:spcPct val="90000"/>
+              </a:lnSpc>
+              <a:spcBef>
+                <a:spcPts val="1000"/>
+              </a:spcBef>
+              <a:buFont typeface="Arial" panose="020B0604020202020204" pitchFamily="34" charset="0"/>
+              <a:buChar char="•"/>
+              <a:defRPr sz="2800" kern="1200">
+                <a:solidFill>
+                  <a:schemeClr val="tx1"/>
+                </a:solidFill>
+                <a:latin typeface="+mn-lt"/>
+                <a:ea typeface="+mn-ea"/>
+                <a:cs typeface="+mn-cs"/>
+              </a:defRPr>
+            </a:lvl1pPr>
+            <a:lvl2pPr marL="685800" indent="-228600" algn="l" defTabSz="914400" rtl="0" eaLnBrk="1" latinLnBrk="0" hangingPunct="1">
+              <a:lnSpc>
+                <a:spcPct val="90000"/>
+              </a:lnSpc>
+              <a:spcBef>
+                <a:spcPts val="500"/>
+              </a:spcBef>
+              <a:buFont typeface="Arial" panose="020B0604020202020204" pitchFamily="34" charset="0"/>
+              <a:buChar char="•"/>
+              <a:defRPr sz="2400" kern="1200">
+                <a:solidFill>
+                  <a:schemeClr val="tx1"/>
+                </a:solidFill>
+                <a:latin typeface="+mn-lt"/>
+                <a:ea typeface="+mn-ea"/>
+                <a:cs typeface="+mn-cs"/>
+              </a:defRPr>
+            </a:lvl2pPr>
+            <a:lvl3pPr marL="1143000" indent="-228600" algn="l" defTabSz="914400" rtl="0" eaLnBrk="1" latinLnBrk="0" hangingPunct="1">
+              <a:lnSpc>
+                <a:spcPct val="90000"/>
+              </a:lnSpc>
+              <a:spcBef>
+                <a:spcPts val="500"/>
+              </a:spcBef>
+              <a:buFont typeface="Arial" panose="020B0604020202020204" pitchFamily="34" charset="0"/>
+              <a:buChar char="•"/>
+              <a:defRPr sz="2000" kern="1200">
+                <a:solidFill>
+                  <a:schemeClr val="tx1"/>
+                </a:solidFill>
+                <a:latin typeface="+mn-lt"/>
+                <a:ea typeface="+mn-ea"/>
+                <a:cs typeface="+mn-cs"/>
+              </a:defRPr>
+            </a:lvl3pPr>
+            <a:lvl4pPr marL="1600200" indent="-228600" algn="l" defTabSz="914400" rtl="0" eaLnBrk="1" latinLnBrk="0" hangingPunct="1">
+              <a:lnSpc>
+                <a:spcPct val="90000"/>
+              </a:lnSpc>
+              <a:spcBef>
+                <a:spcPts val="500"/>
+              </a:spcBef>
+              <a:buFont typeface="Arial" panose="020B0604020202020204" pitchFamily="34" charset="0"/>
+              <a:buChar char="•"/>
+              <a:defRPr sz="1800" kern="1200">
+                <a:solidFill>
+                  <a:schemeClr val="tx1"/>
+                </a:solidFill>
+                <a:latin typeface="+mn-lt"/>
+                <a:ea typeface="+mn-ea"/>
+                <a:cs typeface="+mn-cs"/>
+              </a:defRPr>
+            </a:lvl4pPr>
+            <a:lvl5pPr marL="2057400" indent="-228600" algn="l" defTabSz="914400" rtl="0" eaLnBrk="1" latinLnBrk="0" hangingPunct="1">
+              <a:lnSpc>
+                <a:spcPct val="90000"/>
+              </a:lnSpc>
+              <a:spcBef>
+                <a:spcPts val="500"/>
+              </a:spcBef>
+              <a:buFont typeface="Arial" panose="020B0604020202020204" pitchFamily="34" charset="0"/>
+              <a:buChar char="•"/>
+              <a:defRPr sz="1800" kern="1200">
+                <a:solidFill>
+                  <a:schemeClr val="tx1"/>
+                </a:solidFill>
+                <a:latin typeface="+mn-lt"/>
+                <a:ea typeface="+mn-ea"/>
+                <a:cs typeface="+mn-cs"/>
+              </a:defRPr>
+            </a:lvl5pPr>
+            <a:lvl6pPr marL="2514600" indent="-228600" algn="l" defTabSz="914400" rtl="0" eaLnBrk="1" latinLnBrk="0" hangingPunct="1">
+              <a:lnSpc>
+                <a:spcPct val="90000"/>
+              </a:lnSpc>
+              <a:spcBef>
+                <a:spcPts val="500"/>
+              </a:spcBef>
+              <a:buFont typeface="Arial" panose="020B0604020202020204" pitchFamily="34" charset="0"/>
+              <a:buChar char="•"/>
+              <a:defRPr sz="1800" kern="1200">
+                <a:solidFill>
+                  <a:schemeClr val="tx1"/>
+                </a:solidFill>
+                <a:latin typeface="+mn-lt"/>
+                <a:ea typeface="+mn-ea"/>
+                <a:cs typeface="+mn-cs"/>
+              </a:defRPr>
+            </a:lvl6pPr>
+            <a:lvl7pPr marL="2971800" indent="-228600" algn="l" defTabSz="914400" rtl="0" eaLnBrk="1" latinLnBrk="0" hangingPunct="1">
+              <a:lnSpc>
+                <a:spcPct val="90000"/>
+              </a:lnSpc>
+              <a:spcBef>
+                <a:spcPts val="500"/>
+              </a:spcBef>
+              <a:buFont typeface="Arial" panose="020B0604020202020204" pitchFamily="34" charset="0"/>
+              <a:buChar char="•"/>
+              <a:defRPr sz="1800" kern="1200">
+                <a:solidFill>
+                  <a:schemeClr val="tx1"/>
+                </a:solidFill>
+                <a:latin typeface="+mn-lt"/>
+                <a:ea typeface="+mn-ea"/>
+                <a:cs typeface="+mn-cs"/>
+              </a:defRPr>
+            </a:lvl7pPr>
+            <a:lvl8pPr marL="3429000" indent="-228600" algn="l" defTabSz="914400" rtl="0" eaLnBrk="1" latinLnBrk="0" hangingPunct="1">
+              <a:lnSpc>
+                <a:spcPct val="90000"/>
+              </a:lnSpc>
+              <a:spcBef>
+                <a:spcPts val="500"/>
+              </a:spcBef>
+              <a:buFont typeface="Arial" panose="020B0604020202020204" pitchFamily="34" charset="0"/>
+              <a:buChar char="•"/>
+              <a:defRPr sz="1800" kern="1200">
+                <a:solidFill>
+                  <a:schemeClr val="tx1"/>
+                </a:solidFill>
+                <a:latin typeface="+mn-lt"/>
+                <a:ea typeface="+mn-ea"/>
+                <a:cs typeface="+mn-cs"/>
+              </a:defRPr>
+            </a:lvl8pPr>
+            <a:lvl9pPr marL="3886200" indent="-228600" algn="l" defTabSz="914400" rtl="0" eaLnBrk="1" latinLnBrk="0" hangingPunct="1">
+              <a:lnSpc>
+                <a:spcPct val="90000"/>
+              </a:lnSpc>
+              <a:spcBef>
+                <a:spcPts val="500"/>
+              </a:spcBef>
+              <a:buFont typeface="Arial" panose="020B0604020202020204" pitchFamily="34" charset="0"/>
+              <a:buChar char="•"/>
+              <a:defRPr sz="1800" kern="1200">
+                <a:solidFill>
+                  <a:schemeClr val="tx1"/>
+                </a:solidFill>
+                <a:latin typeface="+mn-lt"/>
+                <a:ea typeface="+mn-ea"/>
+                <a:cs typeface="+mn-cs"/>
+              </a:defRPr>
+            </a:lvl9pPr>
+          </a:lstStyle>
+          <a:p>
+            <a:pPr marL="0" indent="0">
+              <a:buFont typeface="Arial" panose="020B0604020202020204" pitchFamily="34" charset="0"/>
+              <a:buNone/>
+            </a:pPr>
+            <a:r>
+              <a:rPr lang="en-SG" sz="1400" dirty="0"/>
+              <a:t>Here, you have to press “</a:t>
+            </a:r>
+            <a:r>
+              <a:rPr lang="en-SG" sz="1400" b="1" dirty="0">
+                <a:solidFill>
+                  <a:srgbClr val="0070C0"/>
+                </a:solidFill>
+              </a:rPr>
+              <a:t>L</a:t>
+            </a:r>
+            <a:r>
+              <a:rPr lang="en-SG" sz="1400" dirty="0"/>
+              <a:t>”, because there is nothing to compare with</a:t>
+            </a:r>
+            <a:endParaRPr lang="en-US" sz="1400" dirty="0"/>
+          </a:p>
+        </p:txBody>
+      </p:sp>
+      <p:cxnSp>
+        <p:nvCxnSpPr>
+          <p:cNvPr id="30" name="Straight Arrow Connector 29">
+            <a:extLst>
+              <a:ext uri="{FF2B5EF4-FFF2-40B4-BE49-F238E27FC236}">
+                <a16:creationId xmlns:a16="http://schemas.microsoft.com/office/drawing/2014/main" id="{6A2721F0-6054-4D4B-AA1A-98BD0CBF95FC}"/>
+              </a:ext>
+            </a:extLst>
+          </p:cNvPr>
+          <p:cNvCxnSpPr/>
+          <p:nvPr/>
+        </p:nvCxnSpPr>
+        <p:spPr>
+          <a:xfrm flipV="1">
+            <a:off x="2771842" y="3848260"/>
+            <a:ext cx="0" cy="483830"/>
+          </a:xfrm>
+          <a:prstGeom prst="straightConnector1">
+            <a:avLst/>
+          </a:prstGeom>
+          <a:ln w="28575">
+            <a:solidFill>
+              <a:srgbClr val="0070C0"/>
+            </a:solidFill>
+            <a:tailEnd type="triangle"/>
+          </a:ln>
+        </p:spPr>
+        <p:style>
+          <a:lnRef idx="1">
+            <a:schemeClr val="accent2"/>
+          </a:lnRef>
+          <a:fillRef idx="0">
+            <a:schemeClr val="accent2"/>
+          </a:fillRef>
+          <a:effectRef idx="0">
+            <a:schemeClr val="accent2"/>
           </a:effectRef>
           <a:fontRef idx="minor">
             <a:schemeClr val="tx1"/>
@@ -10911,6 +12717,780 @@
           </a:fillRef>
           <a:effectRef idx="0">
             <a:schemeClr val="accent1"/>
+          </a:effectRef>
+          <a:fontRef idx="minor">
+            <a:schemeClr val="tx1"/>
+          </a:fontRef>
+        </p:style>
+      </p:cxnSp>
+      <p:sp>
+        <p:nvSpPr>
+          <p:cNvPr id="22" name="Content Placeholder 2">
+            <a:extLst>
+              <a:ext uri="{FF2B5EF4-FFF2-40B4-BE49-F238E27FC236}">
+                <a16:creationId xmlns:a16="http://schemas.microsoft.com/office/drawing/2014/main" id="{3FAC11DA-CB96-47CE-9311-2ED09B6DE670}"/>
+              </a:ext>
+            </a:extLst>
+          </p:cNvPr>
+          <p:cNvSpPr txBox="1">
+            <a:spLocks/>
+          </p:cNvSpPr>
+          <p:nvPr/>
+        </p:nvSpPr>
+        <p:spPr>
+          <a:xfrm>
+            <a:off x="848660" y="4423129"/>
+            <a:ext cx="1117548" cy="1131338"/>
+          </a:xfrm>
+          <a:prstGeom prst="rect">
+            <a:avLst/>
+          </a:prstGeom>
+        </p:spPr>
+        <p:txBody>
+          <a:bodyPr vert="horz" lIns="91440" tIns="45720" rIns="91440" bIns="45720" rtlCol="0">
+            <a:normAutofit fontScale="92500" lnSpcReduction="10000"/>
+          </a:bodyPr>
+          <a:lstStyle>
+            <a:lvl1pPr marL="228600" indent="-228600" algn="l" defTabSz="914400" rtl="0" eaLnBrk="1" latinLnBrk="0" hangingPunct="1">
+              <a:lnSpc>
+                <a:spcPct val="90000"/>
+              </a:lnSpc>
+              <a:spcBef>
+                <a:spcPts val="1000"/>
+              </a:spcBef>
+              <a:buFont typeface="Arial" panose="020B0604020202020204" pitchFamily="34" charset="0"/>
+              <a:buChar char="•"/>
+              <a:defRPr sz="2800" kern="1200">
+                <a:solidFill>
+                  <a:schemeClr val="tx1"/>
+                </a:solidFill>
+                <a:latin typeface="+mn-lt"/>
+                <a:ea typeface="+mn-ea"/>
+                <a:cs typeface="+mn-cs"/>
+              </a:defRPr>
+            </a:lvl1pPr>
+            <a:lvl2pPr marL="685800" indent="-228600" algn="l" defTabSz="914400" rtl="0" eaLnBrk="1" latinLnBrk="0" hangingPunct="1">
+              <a:lnSpc>
+                <a:spcPct val="90000"/>
+              </a:lnSpc>
+              <a:spcBef>
+                <a:spcPts val="500"/>
+              </a:spcBef>
+              <a:buFont typeface="Arial" panose="020B0604020202020204" pitchFamily="34" charset="0"/>
+              <a:buChar char="•"/>
+              <a:defRPr sz="2400" kern="1200">
+                <a:solidFill>
+                  <a:schemeClr val="tx1"/>
+                </a:solidFill>
+                <a:latin typeface="+mn-lt"/>
+                <a:ea typeface="+mn-ea"/>
+                <a:cs typeface="+mn-cs"/>
+              </a:defRPr>
+            </a:lvl2pPr>
+            <a:lvl3pPr marL="1143000" indent="-228600" algn="l" defTabSz="914400" rtl="0" eaLnBrk="1" latinLnBrk="0" hangingPunct="1">
+              <a:lnSpc>
+                <a:spcPct val="90000"/>
+              </a:lnSpc>
+              <a:spcBef>
+                <a:spcPts val="500"/>
+              </a:spcBef>
+              <a:buFont typeface="Arial" panose="020B0604020202020204" pitchFamily="34" charset="0"/>
+              <a:buChar char="•"/>
+              <a:defRPr sz="2000" kern="1200">
+                <a:solidFill>
+                  <a:schemeClr val="tx1"/>
+                </a:solidFill>
+                <a:latin typeface="+mn-lt"/>
+                <a:ea typeface="+mn-ea"/>
+                <a:cs typeface="+mn-cs"/>
+              </a:defRPr>
+            </a:lvl3pPr>
+            <a:lvl4pPr marL="1600200" indent="-228600" algn="l" defTabSz="914400" rtl="0" eaLnBrk="1" latinLnBrk="0" hangingPunct="1">
+              <a:lnSpc>
+                <a:spcPct val="90000"/>
+              </a:lnSpc>
+              <a:spcBef>
+                <a:spcPts val="500"/>
+              </a:spcBef>
+              <a:buFont typeface="Arial" panose="020B0604020202020204" pitchFamily="34" charset="0"/>
+              <a:buChar char="•"/>
+              <a:defRPr sz="1800" kern="1200">
+                <a:solidFill>
+                  <a:schemeClr val="tx1"/>
+                </a:solidFill>
+                <a:latin typeface="+mn-lt"/>
+                <a:ea typeface="+mn-ea"/>
+                <a:cs typeface="+mn-cs"/>
+              </a:defRPr>
+            </a:lvl4pPr>
+            <a:lvl5pPr marL="2057400" indent="-228600" algn="l" defTabSz="914400" rtl="0" eaLnBrk="1" latinLnBrk="0" hangingPunct="1">
+              <a:lnSpc>
+                <a:spcPct val="90000"/>
+              </a:lnSpc>
+              <a:spcBef>
+                <a:spcPts val="500"/>
+              </a:spcBef>
+              <a:buFont typeface="Arial" panose="020B0604020202020204" pitchFamily="34" charset="0"/>
+              <a:buChar char="•"/>
+              <a:defRPr sz="1800" kern="1200">
+                <a:solidFill>
+                  <a:schemeClr val="tx1"/>
+                </a:solidFill>
+                <a:latin typeface="+mn-lt"/>
+                <a:ea typeface="+mn-ea"/>
+                <a:cs typeface="+mn-cs"/>
+              </a:defRPr>
+            </a:lvl5pPr>
+            <a:lvl6pPr marL="2514600" indent="-228600" algn="l" defTabSz="914400" rtl="0" eaLnBrk="1" latinLnBrk="0" hangingPunct="1">
+              <a:lnSpc>
+                <a:spcPct val="90000"/>
+              </a:lnSpc>
+              <a:spcBef>
+                <a:spcPts val="500"/>
+              </a:spcBef>
+              <a:buFont typeface="Arial" panose="020B0604020202020204" pitchFamily="34" charset="0"/>
+              <a:buChar char="•"/>
+              <a:defRPr sz="1800" kern="1200">
+                <a:solidFill>
+                  <a:schemeClr val="tx1"/>
+                </a:solidFill>
+                <a:latin typeface="+mn-lt"/>
+                <a:ea typeface="+mn-ea"/>
+                <a:cs typeface="+mn-cs"/>
+              </a:defRPr>
+            </a:lvl6pPr>
+            <a:lvl7pPr marL="2971800" indent="-228600" algn="l" defTabSz="914400" rtl="0" eaLnBrk="1" latinLnBrk="0" hangingPunct="1">
+              <a:lnSpc>
+                <a:spcPct val="90000"/>
+              </a:lnSpc>
+              <a:spcBef>
+                <a:spcPts val="500"/>
+              </a:spcBef>
+              <a:buFont typeface="Arial" panose="020B0604020202020204" pitchFamily="34" charset="0"/>
+              <a:buChar char="•"/>
+              <a:defRPr sz="1800" kern="1200">
+                <a:solidFill>
+                  <a:schemeClr val="tx1"/>
+                </a:solidFill>
+                <a:latin typeface="+mn-lt"/>
+                <a:ea typeface="+mn-ea"/>
+                <a:cs typeface="+mn-cs"/>
+              </a:defRPr>
+            </a:lvl7pPr>
+            <a:lvl8pPr marL="3429000" indent="-228600" algn="l" defTabSz="914400" rtl="0" eaLnBrk="1" latinLnBrk="0" hangingPunct="1">
+              <a:lnSpc>
+                <a:spcPct val="90000"/>
+              </a:lnSpc>
+              <a:spcBef>
+                <a:spcPts val="500"/>
+              </a:spcBef>
+              <a:buFont typeface="Arial" panose="020B0604020202020204" pitchFamily="34" charset="0"/>
+              <a:buChar char="•"/>
+              <a:defRPr sz="1800" kern="1200">
+                <a:solidFill>
+                  <a:schemeClr val="tx1"/>
+                </a:solidFill>
+                <a:latin typeface="+mn-lt"/>
+                <a:ea typeface="+mn-ea"/>
+                <a:cs typeface="+mn-cs"/>
+              </a:defRPr>
+            </a:lvl8pPr>
+            <a:lvl9pPr marL="3886200" indent="-228600" algn="l" defTabSz="914400" rtl="0" eaLnBrk="1" latinLnBrk="0" hangingPunct="1">
+              <a:lnSpc>
+                <a:spcPct val="90000"/>
+              </a:lnSpc>
+              <a:spcBef>
+                <a:spcPts val="500"/>
+              </a:spcBef>
+              <a:buFont typeface="Arial" panose="020B0604020202020204" pitchFamily="34" charset="0"/>
+              <a:buChar char="•"/>
+              <a:defRPr sz="1800" kern="1200">
+                <a:solidFill>
+                  <a:schemeClr val="tx1"/>
+                </a:solidFill>
+                <a:latin typeface="+mn-lt"/>
+                <a:ea typeface="+mn-ea"/>
+                <a:cs typeface="+mn-cs"/>
+              </a:defRPr>
+            </a:lvl9pPr>
+          </a:lstStyle>
+          <a:p>
+            <a:pPr marL="0" indent="0">
+              <a:buFont typeface="Arial" panose="020B0604020202020204" pitchFamily="34" charset="0"/>
+              <a:buNone/>
+            </a:pPr>
+            <a:r>
+              <a:rPr lang="en-SG" sz="1400" dirty="0"/>
+              <a:t>Here, you have to press “</a:t>
+            </a:r>
+            <a:r>
+              <a:rPr lang="en-SG" sz="1400" b="1" dirty="0">
+                <a:solidFill>
+                  <a:srgbClr val="0070C0"/>
+                </a:solidFill>
+              </a:rPr>
+              <a:t>L</a:t>
+            </a:r>
+            <a:r>
+              <a:rPr lang="en-SG" sz="1400" dirty="0"/>
+              <a:t>”, because there is nothing to compare with</a:t>
+            </a:r>
+            <a:endParaRPr lang="en-US" sz="1400" dirty="0"/>
+          </a:p>
+        </p:txBody>
+      </p:sp>
+      <p:cxnSp>
+        <p:nvCxnSpPr>
+          <p:cNvPr id="26" name="Straight Arrow Connector 25">
+            <a:extLst>
+              <a:ext uri="{FF2B5EF4-FFF2-40B4-BE49-F238E27FC236}">
+                <a16:creationId xmlns:a16="http://schemas.microsoft.com/office/drawing/2014/main" id="{F9BF040F-74F9-445F-932F-B3AB164EF9AB}"/>
+              </a:ext>
+            </a:extLst>
+          </p:cNvPr>
+          <p:cNvCxnSpPr/>
+          <p:nvPr/>
+        </p:nvCxnSpPr>
+        <p:spPr>
+          <a:xfrm flipV="1">
+            <a:off x="1407434" y="3848260"/>
+            <a:ext cx="0" cy="483830"/>
+          </a:xfrm>
+          <a:prstGeom prst="straightConnector1">
+            <a:avLst/>
+          </a:prstGeom>
+          <a:ln w="28575">
+            <a:solidFill>
+              <a:srgbClr val="0070C0"/>
+            </a:solidFill>
+            <a:tailEnd type="triangle"/>
+          </a:ln>
+        </p:spPr>
+        <p:style>
+          <a:lnRef idx="1">
+            <a:schemeClr val="accent2"/>
+          </a:lnRef>
+          <a:fillRef idx="0">
+            <a:schemeClr val="accent2"/>
+          </a:fillRef>
+          <a:effectRef idx="0">
+            <a:schemeClr val="accent2"/>
+          </a:effectRef>
+          <a:fontRef idx="minor">
+            <a:schemeClr val="tx1"/>
+          </a:fontRef>
+        </p:style>
+      </p:cxnSp>
+      <p:sp>
+        <p:nvSpPr>
+          <p:cNvPr id="27" name="Content Placeholder 2">
+            <a:extLst>
+              <a:ext uri="{FF2B5EF4-FFF2-40B4-BE49-F238E27FC236}">
+                <a16:creationId xmlns:a16="http://schemas.microsoft.com/office/drawing/2014/main" id="{896B0D17-319D-4420-A070-5E31C210A247}"/>
+              </a:ext>
+            </a:extLst>
+          </p:cNvPr>
+          <p:cNvSpPr txBox="1">
+            <a:spLocks/>
+          </p:cNvSpPr>
+          <p:nvPr/>
+        </p:nvSpPr>
+        <p:spPr>
+          <a:xfrm>
+            <a:off x="2174784" y="4423129"/>
+            <a:ext cx="1117548" cy="1131338"/>
+          </a:xfrm>
+          <a:prstGeom prst="rect">
+            <a:avLst/>
+          </a:prstGeom>
+        </p:spPr>
+        <p:txBody>
+          <a:bodyPr vert="horz" lIns="91440" tIns="45720" rIns="91440" bIns="45720" rtlCol="0">
+            <a:normAutofit fontScale="92500" lnSpcReduction="10000"/>
+          </a:bodyPr>
+          <a:lstStyle>
+            <a:lvl1pPr marL="228600" indent="-228600" algn="l" defTabSz="914400" rtl="0" eaLnBrk="1" latinLnBrk="0" hangingPunct="1">
+              <a:lnSpc>
+                <a:spcPct val="90000"/>
+              </a:lnSpc>
+              <a:spcBef>
+                <a:spcPts val="1000"/>
+              </a:spcBef>
+              <a:buFont typeface="Arial" panose="020B0604020202020204" pitchFamily="34" charset="0"/>
+              <a:buChar char="•"/>
+              <a:defRPr sz="2800" kern="1200">
+                <a:solidFill>
+                  <a:schemeClr val="tx1"/>
+                </a:solidFill>
+                <a:latin typeface="+mn-lt"/>
+                <a:ea typeface="+mn-ea"/>
+                <a:cs typeface="+mn-cs"/>
+              </a:defRPr>
+            </a:lvl1pPr>
+            <a:lvl2pPr marL="685800" indent="-228600" algn="l" defTabSz="914400" rtl="0" eaLnBrk="1" latinLnBrk="0" hangingPunct="1">
+              <a:lnSpc>
+                <a:spcPct val="90000"/>
+              </a:lnSpc>
+              <a:spcBef>
+                <a:spcPts val="500"/>
+              </a:spcBef>
+              <a:buFont typeface="Arial" panose="020B0604020202020204" pitchFamily="34" charset="0"/>
+              <a:buChar char="•"/>
+              <a:defRPr sz="2400" kern="1200">
+                <a:solidFill>
+                  <a:schemeClr val="tx1"/>
+                </a:solidFill>
+                <a:latin typeface="+mn-lt"/>
+                <a:ea typeface="+mn-ea"/>
+                <a:cs typeface="+mn-cs"/>
+              </a:defRPr>
+            </a:lvl2pPr>
+            <a:lvl3pPr marL="1143000" indent="-228600" algn="l" defTabSz="914400" rtl="0" eaLnBrk="1" latinLnBrk="0" hangingPunct="1">
+              <a:lnSpc>
+                <a:spcPct val="90000"/>
+              </a:lnSpc>
+              <a:spcBef>
+                <a:spcPts val="500"/>
+              </a:spcBef>
+              <a:buFont typeface="Arial" panose="020B0604020202020204" pitchFamily="34" charset="0"/>
+              <a:buChar char="•"/>
+              <a:defRPr sz="2000" kern="1200">
+                <a:solidFill>
+                  <a:schemeClr val="tx1"/>
+                </a:solidFill>
+                <a:latin typeface="+mn-lt"/>
+                <a:ea typeface="+mn-ea"/>
+                <a:cs typeface="+mn-cs"/>
+              </a:defRPr>
+            </a:lvl3pPr>
+            <a:lvl4pPr marL="1600200" indent="-228600" algn="l" defTabSz="914400" rtl="0" eaLnBrk="1" latinLnBrk="0" hangingPunct="1">
+              <a:lnSpc>
+                <a:spcPct val="90000"/>
+              </a:lnSpc>
+              <a:spcBef>
+                <a:spcPts val="500"/>
+              </a:spcBef>
+              <a:buFont typeface="Arial" panose="020B0604020202020204" pitchFamily="34" charset="0"/>
+              <a:buChar char="•"/>
+              <a:defRPr sz="1800" kern="1200">
+                <a:solidFill>
+                  <a:schemeClr val="tx1"/>
+                </a:solidFill>
+                <a:latin typeface="+mn-lt"/>
+                <a:ea typeface="+mn-ea"/>
+                <a:cs typeface="+mn-cs"/>
+              </a:defRPr>
+            </a:lvl4pPr>
+            <a:lvl5pPr marL="2057400" indent="-228600" algn="l" defTabSz="914400" rtl="0" eaLnBrk="1" latinLnBrk="0" hangingPunct="1">
+              <a:lnSpc>
+                <a:spcPct val="90000"/>
+              </a:lnSpc>
+              <a:spcBef>
+                <a:spcPts val="500"/>
+              </a:spcBef>
+              <a:buFont typeface="Arial" panose="020B0604020202020204" pitchFamily="34" charset="0"/>
+              <a:buChar char="•"/>
+              <a:defRPr sz="1800" kern="1200">
+                <a:solidFill>
+                  <a:schemeClr val="tx1"/>
+                </a:solidFill>
+                <a:latin typeface="+mn-lt"/>
+                <a:ea typeface="+mn-ea"/>
+                <a:cs typeface="+mn-cs"/>
+              </a:defRPr>
+            </a:lvl5pPr>
+            <a:lvl6pPr marL="2514600" indent="-228600" algn="l" defTabSz="914400" rtl="0" eaLnBrk="1" latinLnBrk="0" hangingPunct="1">
+              <a:lnSpc>
+                <a:spcPct val="90000"/>
+              </a:lnSpc>
+              <a:spcBef>
+                <a:spcPts val="500"/>
+              </a:spcBef>
+              <a:buFont typeface="Arial" panose="020B0604020202020204" pitchFamily="34" charset="0"/>
+              <a:buChar char="•"/>
+              <a:defRPr sz="1800" kern="1200">
+                <a:solidFill>
+                  <a:schemeClr val="tx1"/>
+                </a:solidFill>
+                <a:latin typeface="+mn-lt"/>
+                <a:ea typeface="+mn-ea"/>
+                <a:cs typeface="+mn-cs"/>
+              </a:defRPr>
+            </a:lvl6pPr>
+            <a:lvl7pPr marL="2971800" indent="-228600" algn="l" defTabSz="914400" rtl="0" eaLnBrk="1" latinLnBrk="0" hangingPunct="1">
+              <a:lnSpc>
+                <a:spcPct val="90000"/>
+              </a:lnSpc>
+              <a:spcBef>
+                <a:spcPts val="500"/>
+              </a:spcBef>
+              <a:buFont typeface="Arial" panose="020B0604020202020204" pitchFamily="34" charset="0"/>
+              <a:buChar char="•"/>
+              <a:defRPr sz="1800" kern="1200">
+                <a:solidFill>
+                  <a:schemeClr val="tx1"/>
+                </a:solidFill>
+                <a:latin typeface="+mn-lt"/>
+                <a:ea typeface="+mn-ea"/>
+                <a:cs typeface="+mn-cs"/>
+              </a:defRPr>
+            </a:lvl7pPr>
+            <a:lvl8pPr marL="3429000" indent="-228600" algn="l" defTabSz="914400" rtl="0" eaLnBrk="1" latinLnBrk="0" hangingPunct="1">
+              <a:lnSpc>
+                <a:spcPct val="90000"/>
+              </a:lnSpc>
+              <a:spcBef>
+                <a:spcPts val="500"/>
+              </a:spcBef>
+              <a:buFont typeface="Arial" panose="020B0604020202020204" pitchFamily="34" charset="0"/>
+              <a:buChar char="•"/>
+              <a:defRPr sz="1800" kern="1200">
+                <a:solidFill>
+                  <a:schemeClr val="tx1"/>
+                </a:solidFill>
+                <a:latin typeface="+mn-lt"/>
+                <a:ea typeface="+mn-ea"/>
+                <a:cs typeface="+mn-cs"/>
+              </a:defRPr>
+            </a:lvl8pPr>
+            <a:lvl9pPr marL="3886200" indent="-228600" algn="l" defTabSz="914400" rtl="0" eaLnBrk="1" latinLnBrk="0" hangingPunct="1">
+              <a:lnSpc>
+                <a:spcPct val="90000"/>
+              </a:lnSpc>
+              <a:spcBef>
+                <a:spcPts val="500"/>
+              </a:spcBef>
+              <a:buFont typeface="Arial" panose="020B0604020202020204" pitchFamily="34" charset="0"/>
+              <a:buChar char="•"/>
+              <a:defRPr sz="1800" kern="1200">
+                <a:solidFill>
+                  <a:schemeClr val="tx1"/>
+                </a:solidFill>
+                <a:latin typeface="+mn-lt"/>
+                <a:ea typeface="+mn-ea"/>
+                <a:cs typeface="+mn-cs"/>
+              </a:defRPr>
+            </a:lvl9pPr>
+          </a:lstStyle>
+          <a:p>
+            <a:pPr marL="0" indent="0">
+              <a:buFont typeface="Arial" panose="020B0604020202020204" pitchFamily="34" charset="0"/>
+              <a:buNone/>
+            </a:pPr>
+            <a:r>
+              <a:rPr lang="en-SG" sz="1400" dirty="0"/>
+              <a:t>Here, you have to press “</a:t>
+            </a:r>
+            <a:r>
+              <a:rPr lang="en-SG" sz="1400" b="1" dirty="0">
+                <a:solidFill>
+                  <a:srgbClr val="0070C0"/>
+                </a:solidFill>
+              </a:rPr>
+              <a:t>L</a:t>
+            </a:r>
+            <a:r>
+              <a:rPr lang="en-SG" sz="1400" dirty="0"/>
+              <a:t>”, because there is nothing to compare with</a:t>
+            </a:r>
+            <a:endParaRPr lang="en-US" sz="1400" dirty="0"/>
+          </a:p>
+        </p:txBody>
+      </p:sp>
+      <p:cxnSp>
+        <p:nvCxnSpPr>
+          <p:cNvPr id="28" name="Straight Arrow Connector 27">
+            <a:extLst>
+              <a:ext uri="{FF2B5EF4-FFF2-40B4-BE49-F238E27FC236}">
+                <a16:creationId xmlns:a16="http://schemas.microsoft.com/office/drawing/2014/main" id="{78302BAB-4940-4C86-BB8D-DE899FB6D7EC}"/>
+              </a:ext>
+            </a:extLst>
+          </p:cNvPr>
+          <p:cNvCxnSpPr/>
+          <p:nvPr/>
+        </p:nvCxnSpPr>
+        <p:spPr>
+          <a:xfrm flipV="1">
+            <a:off x="2771842" y="3848260"/>
+            <a:ext cx="0" cy="483830"/>
+          </a:xfrm>
+          <a:prstGeom prst="straightConnector1">
+            <a:avLst/>
+          </a:prstGeom>
+          <a:ln w="28575">
+            <a:solidFill>
+              <a:srgbClr val="0070C0"/>
+            </a:solidFill>
+            <a:tailEnd type="triangle"/>
+          </a:ln>
+        </p:spPr>
+        <p:style>
+          <a:lnRef idx="1">
+            <a:schemeClr val="accent2"/>
+          </a:lnRef>
+          <a:fillRef idx="0">
+            <a:schemeClr val="accent2"/>
+          </a:fillRef>
+          <a:effectRef idx="0">
+            <a:schemeClr val="accent2"/>
+          </a:effectRef>
+          <a:fontRef idx="minor">
+            <a:schemeClr val="tx1"/>
+          </a:fontRef>
+        </p:style>
+      </p:cxnSp>
+      <p:sp>
+        <p:nvSpPr>
+          <p:cNvPr id="32" name="Content Placeholder 2">
+            <a:extLst>
+              <a:ext uri="{FF2B5EF4-FFF2-40B4-BE49-F238E27FC236}">
+                <a16:creationId xmlns:a16="http://schemas.microsoft.com/office/drawing/2014/main" id="{8609B9EF-2887-4D6A-8C5B-CD430C2A466A}"/>
+              </a:ext>
+            </a:extLst>
+          </p:cNvPr>
+          <p:cNvSpPr txBox="1">
+            <a:spLocks/>
+          </p:cNvSpPr>
+          <p:nvPr/>
+        </p:nvSpPr>
+        <p:spPr>
+          <a:xfrm>
+            <a:off x="3492129" y="4494424"/>
+            <a:ext cx="1117548" cy="1131338"/>
+          </a:xfrm>
+          <a:prstGeom prst="rect">
+            <a:avLst/>
+          </a:prstGeom>
+        </p:spPr>
+        <p:txBody>
+          <a:bodyPr vert="horz" lIns="91440" tIns="45720" rIns="91440" bIns="45720" rtlCol="0">
+            <a:normAutofit fontScale="92500" lnSpcReduction="10000"/>
+          </a:bodyPr>
+          <a:lstStyle>
+            <a:lvl1pPr marL="228600" indent="-228600" algn="l" defTabSz="914400" rtl="0" eaLnBrk="1" latinLnBrk="0" hangingPunct="1">
+              <a:lnSpc>
+                <a:spcPct val="90000"/>
+              </a:lnSpc>
+              <a:spcBef>
+                <a:spcPts val="1000"/>
+              </a:spcBef>
+              <a:buFont typeface="Arial" panose="020B0604020202020204" pitchFamily="34" charset="0"/>
+              <a:buChar char="•"/>
+              <a:defRPr sz="2800" kern="1200">
+                <a:solidFill>
+                  <a:schemeClr val="tx1"/>
+                </a:solidFill>
+                <a:latin typeface="+mn-lt"/>
+                <a:ea typeface="+mn-ea"/>
+                <a:cs typeface="+mn-cs"/>
+              </a:defRPr>
+            </a:lvl1pPr>
+            <a:lvl2pPr marL="685800" indent="-228600" algn="l" defTabSz="914400" rtl="0" eaLnBrk="1" latinLnBrk="0" hangingPunct="1">
+              <a:lnSpc>
+                <a:spcPct val="90000"/>
+              </a:lnSpc>
+              <a:spcBef>
+                <a:spcPts val="500"/>
+              </a:spcBef>
+              <a:buFont typeface="Arial" panose="020B0604020202020204" pitchFamily="34" charset="0"/>
+              <a:buChar char="•"/>
+              <a:defRPr sz="2400" kern="1200">
+                <a:solidFill>
+                  <a:schemeClr val="tx1"/>
+                </a:solidFill>
+                <a:latin typeface="+mn-lt"/>
+                <a:ea typeface="+mn-ea"/>
+                <a:cs typeface="+mn-cs"/>
+              </a:defRPr>
+            </a:lvl2pPr>
+            <a:lvl3pPr marL="1143000" indent="-228600" algn="l" defTabSz="914400" rtl="0" eaLnBrk="1" latinLnBrk="0" hangingPunct="1">
+              <a:lnSpc>
+                <a:spcPct val="90000"/>
+              </a:lnSpc>
+              <a:spcBef>
+                <a:spcPts val="500"/>
+              </a:spcBef>
+              <a:buFont typeface="Arial" panose="020B0604020202020204" pitchFamily="34" charset="0"/>
+              <a:buChar char="•"/>
+              <a:defRPr sz="2000" kern="1200">
+                <a:solidFill>
+                  <a:schemeClr val="tx1"/>
+                </a:solidFill>
+                <a:latin typeface="+mn-lt"/>
+                <a:ea typeface="+mn-ea"/>
+                <a:cs typeface="+mn-cs"/>
+              </a:defRPr>
+            </a:lvl3pPr>
+            <a:lvl4pPr marL="1600200" indent="-228600" algn="l" defTabSz="914400" rtl="0" eaLnBrk="1" latinLnBrk="0" hangingPunct="1">
+              <a:lnSpc>
+                <a:spcPct val="90000"/>
+              </a:lnSpc>
+              <a:spcBef>
+                <a:spcPts val="500"/>
+              </a:spcBef>
+              <a:buFont typeface="Arial" panose="020B0604020202020204" pitchFamily="34" charset="0"/>
+              <a:buChar char="•"/>
+              <a:defRPr sz="1800" kern="1200">
+                <a:solidFill>
+                  <a:schemeClr val="tx1"/>
+                </a:solidFill>
+                <a:latin typeface="+mn-lt"/>
+                <a:ea typeface="+mn-ea"/>
+                <a:cs typeface="+mn-cs"/>
+              </a:defRPr>
+            </a:lvl4pPr>
+            <a:lvl5pPr marL="2057400" indent="-228600" algn="l" defTabSz="914400" rtl="0" eaLnBrk="1" latinLnBrk="0" hangingPunct="1">
+              <a:lnSpc>
+                <a:spcPct val="90000"/>
+              </a:lnSpc>
+              <a:spcBef>
+                <a:spcPts val="500"/>
+              </a:spcBef>
+              <a:buFont typeface="Arial" panose="020B0604020202020204" pitchFamily="34" charset="0"/>
+              <a:buChar char="•"/>
+              <a:defRPr sz="1800" kern="1200">
+                <a:solidFill>
+                  <a:schemeClr val="tx1"/>
+                </a:solidFill>
+                <a:latin typeface="+mn-lt"/>
+                <a:ea typeface="+mn-ea"/>
+                <a:cs typeface="+mn-cs"/>
+              </a:defRPr>
+            </a:lvl5pPr>
+            <a:lvl6pPr marL="2514600" indent="-228600" algn="l" defTabSz="914400" rtl="0" eaLnBrk="1" latinLnBrk="0" hangingPunct="1">
+              <a:lnSpc>
+                <a:spcPct val="90000"/>
+              </a:lnSpc>
+              <a:spcBef>
+                <a:spcPts val="500"/>
+              </a:spcBef>
+              <a:buFont typeface="Arial" panose="020B0604020202020204" pitchFamily="34" charset="0"/>
+              <a:buChar char="•"/>
+              <a:defRPr sz="1800" kern="1200">
+                <a:solidFill>
+                  <a:schemeClr val="tx1"/>
+                </a:solidFill>
+                <a:latin typeface="+mn-lt"/>
+                <a:ea typeface="+mn-ea"/>
+                <a:cs typeface="+mn-cs"/>
+              </a:defRPr>
+            </a:lvl6pPr>
+            <a:lvl7pPr marL="2971800" indent="-228600" algn="l" defTabSz="914400" rtl="0" eaLnBrk="1" latinLnBrk="0" hangingPunct="1">
+              <a:lnSpc>
+                <a:spcPct val="90000"/>
+              </a:lnSpc>
+              <a:spcBef>
+                <a:spcPts val="500"/>
+              </a:spcBef>
+              <a:buFont typeface="Arial" panose="020B0604020202020204" pitchFamily="34" charset="0"/>
+              <a:buChar char="•"/>
+              <a:defRPr sz="1800" kern="1200">
+                <a:solidFill>
+                  <a:schemeClr val="tx1"/>
+                </a:solidFill>
+                <a:latin typeface="+mn-lt"/>
+                <a:ea typeface="+mn-ea"/>
+                <a:cs typeface="+mn-cs"/>
+              </a:defRPr>
+            </a:lvl7pPr>
+            <a:lvl8pPr marL="3429000" indent="-228600" algn="l" defTabSz="914400" rtl="0" eaLnBrk="1" latinLnBrk="0" hangingPunct="1">
+              <a:lnSpc>
+                <a:spcPct val="90000"/>
+              </a:lnSpc>
+              <a:spcBef>
+                <a:spcPts val="500"/>
+              </a:spcBef>
+              <a:buFont typeface="Arial" panose="020B0604020202020204" pitchFamily="34" charset="0"/>
+              <a:buChar char="•"/>
+              <a:defRPr sz="1800" kern="1200">
+                <a:solidFill>
+                  <a:schemeClr val="tx1"/>
+                </a:solidFill>
+                <a:latin typeface="+mn-lt"/>
+                <a:ea typeface="+mn-ea"/>
+                <a:cs typeface="+mn-cs"/>
+              </a:defRPr>
+            </a:lvl8pPr>
+            <a:lvl9pPr marL="3886200" indent="-228600" algn="l" defTabSz="914400" rtl="0" eaLnBrk="1" latinLnBrk="0" hangingPunct="1">
+              <a:lnSpc>
+                <a:spcPct val="90000"/>
+              </a:lnSpc>
+              <a:spcBef>
+                <a:spcPts val="500"/>
+              </a:spcBef>
+              <a:buFont typeface="Arial" panose="020B0604020202020204" pitchFamily="34" charset="0"/>
+              <a:buChar char="•"/>
+              <a:defRPr sz="1800" kern="1200">
+                <a:solidFill>
+                  <a:schemeClr val="tx1"/>
+                </a:solidFill>
+                <a:latin typeface="+mn-lt"/>
+                <a:ea typeface="+mn-ea"/>
+                <a:cs typeface="+mn-cs"/>
+              </a:defRPr>
+            </a:lvl9pPr>
+          </a:lstStyle>
+          <a:p>
+            <a:pPr marL="0" indent="0">
+              <a:buFont typeface="Arial" panose="020B0604020202020204" pitchFamily="34" charset="0"/>
+              <a:buNone/>
+            </a:pPr>
+            <a:r>
+              <a:rPr lang="en-SG" sz="1400" dirty="0"/>
+              <a:t>Here, you have to press “</a:t>
+            </a:r>
+            <a:r>
+              <a:rPr lang="en-SG" sz="1400" b="1" dirty="0">
+                <a:solidFill>
+                  <a:srgbClr val="0070C0"/>
+                </a:solidFill>
+              </a:rPr>
+              <a:t>L</a:t>
+            </a:r>
+            <a:r>
+              <a:rPr lang="en-SG" sz="1400" dirty="0"/>
+              <a:t>”, because there is nothing to compare with</a:t>
+            </a:r>
+            <a:endParaRPr lang="en-US" sz="1400" dirty="0"/>
+          </a:p>
+        </p:txBody>
+      </p:sp>
+      <p:cxnSp>
+        <p:nvCxnSpPr>
+          <p:cNvPr id="33" name="Straight Arrow Connector 32">
+            <a:extLst>
+              <a:ext uri="{FF2B5EF4-FFF2-40B4-BE49-F238E27FC236}">
+                <a16:creationId xmlns:a16="http://schemas.microsoft.com/office/drawing/2014/main" id="{E849B3BC-2516-4533-9E50-4B1C5890CFE8}"/>
+              </a:ext>
+            </a:extLst>
+          </p:cNvPr>
+          <p:cNvCxnSpPr/>
+          <p:nvPr/>
+        </p:nvCxnSpPr>
+        <p:spPr>
+          <a:xfrm flipV="1">
+            <a:off x="4050903" y="3860559"/>
+            <a:ext cx="0" cy="483830"/>
+          </a:xfrm>
+          <a:prstGeom prst="straightConnector1">
+            <a:avLst/>
+          </a:prstGeom>
+          <a:ln w="28575">
+            <a:solidFill>
+              <a:srgbClr val="0070C0"/>
+            </a:solidFill>
+            <a:tailEnd type="triangle"/>
+          </a:ln>
+        </p:spPr>
+        <p:style>
+          <a:lnRef idx="1">
+            <a:schemeClr val="accent2"/>
+          </a:lnRef>
+          <a:fillRef idx="0">
+            <a:schemeClr val="accent2"/>
+          </a:fillRef>
+          <a:effectRef idx="0">
+            <a:schemeClr val="accent2"/>
           </a:effectRef>
           <a:fontRef idx="minor">
             <a:schemeClr val="tx1"/>
